--- a/Part 4 - Number System/Binary Representations.pptx
+++ b/Part 4 - Number System/Binary Representations.pptx
@@ -5,7 +5,7 @@
     <p:sldMasterId id="2147483648" r:id="rId1"/>
   </p:sldMasterIdLst>
   <p:notesMasterIdLst>
-    <p:notesMasterId r:id="rId17"/>
+    <p:notesMasterId r:id="rId20"/>
   </p:notesMasterIdLst>
   <p:sldIdLst>
     <p:sldId id="257" r:id="rId2"/>
@@ -22,7 +22,10 @@
     <p:sldId id="290" r:id="rId13"/>
     <p:sldId id="299" r:id="rId14"/>
     <p:sldId id="300" r:id="rId15"/>
-    <p:sldId id="301" r:id="rId16"/>
+    <p:sldId id="302" r:id="rId16"/>
+    <p:sldId id="304" r:id="rId17"/>
+    <p:sldId id="303" r:id="rId18"/>
+    <p:sldId id="301" r:id="rId19"/>
   </p:sldIdLst>
   <p:sldSz cx="12192000" cy="6858000"/>
   <p:notesSz cx="6858000" cy="9144000"/>
@@ -165,6 +168,34 @@
 </inkml:ink>
 </file>
 
+<file path=ppt/ink/ink10.xml><?xml version="1.0" encoding="utf-8"?>
+<inkml:ink xmlns:inkml="http://www.w3.org/2003/InkML">
+  <inkml:definitions>
+    <inkml:context xml:id="ctx0">
+      <inkml:inkSource xml:id="inkSrc0">
+        <inkml:traceFormat>
+          <inkml:channel name="X" type="integer" min="-2.14748E9" max="2.14748E9" units="cm"/>
+          <inkml:channel name="Y" type="integer" min="-2.14748E9" max="2.14748E9" units="cm"/>
+          <inkml:channel name="F" type="integer" max="32767" units="dev"/>
+        </inkml:traceFormat>
+        <inkml:channelProperties>
+          <inkml:channelProperty channel="X" name="resolution" value="1000" units="1/cm"/>
+          <inkml:channelProperty channel="Y" name="resolution" value="1000" units="1/cm"/>
+          <inkml:channelProperty channel="F" name="resolution" value="0" units="1/dev"/>
+        </inkml:channelProperties>
+      </inkml:inkSource>
+      <inkml:timestamp xml:id="ts0" timeString="2024-02-13T15:28:42.801"/>
+    </inkml:context>
+    <inkml:brush xml:id="br0">
+      <inkml:brushProperty name="width" value="0.1" units="cm"/>
+      <inkml:brushProperty name="height" value="0.1" units="cm"/>
+      <inkml:brushProperty name="color" value="#66CC00"/>
+    </inkml:brush>
+  </inkml:definitions>
+  <inkml:trace contextRef="#ctx0" brushRef="#br0">4049 142 24575,'0'-4'0,"-1"1"0,0 0 0,0 0 0,0 0 0,-1 0 0,1 0 0,-1 0 0,1 1 0,-1-1 0,0 0 0,0 1 0,0-1 0,-1 1 0,1 0 0,0 0 0,-1 0 0,0 0 0,1 0 0,-1 0 0,0 1 0,0-1 0,0 1 0,0 0 0,-5-2 0,-9-3 0,0 1 0,-1 0 0,-18-2 0,-77-10 0,-213-6 0,95 4 0,-940 20-568,884 18 568,15-8 0,158-5 0,-65 13 568,152-14-568,-45 15 0,-17 4 0,24-12 0,1 3 0,-115 43 0,144-43 0,-41 27 0,60-33 0,-65 34 0,47-26 0,1 1 0,-52 37 0,34-16 0,27-22 0,1 1 0,0 0 0,2 2 0,0 0 0,-28 38 0,24-24 0,17-24 0,0 0 0,1 0 0,0 1 0,1 0 0,0 0 0,-6 16 0,1 10 0,1 1 0,2-1 0,1 2 0,2-1 0,0 70 0,-12 68 0,17-123 0,-2-18 0,2-1 0,2 1 0,1 0 0,1-1 0,14 50 0,-13-69 0,3 13 0,2 0 0,26 51 0,-18-48 0,5 12 0,3-2 0,33 44 0,7-12 0,3-2 0,2-3 0,4-3 0,111 73 0,-4-17 0,-92-56 0,-66-46 0,1 0 0,34 18 0,21 10 0,-43-24 0,49 21 0,-62-31 0,47 29 0,-49-27 0,0-1 0,33 14 0,73 38 0,-28-13 0,-28-21 0,-36-17 0,64 37 0,-68-35 0,2 0 0,0-3 0,1 0 0,48 11 0,28 10 0,-45-3 0,-49-23 0,0-1 0,0-1 0,28 9 0,132 40 0,24 5 0,171 17 0,-295-56 0,-40-11 0,61 11 0,58 13 0,-31-6 0,-48-5 0,-17-4 0,316 44 0,-216-47 0,53-3 0,-40-7 0,35 4 0,-108-3 0,159-7 0,-115-4 0,-115 3 0,292-13 0,-107-5 0,-11 1 0,14-1 0,-58 1 0,1-1 0,-132 13 0,-1-1 0,50-19 0,-43 14 0,40-10 0,-44 16 0,0-1 0,0-2 0,-1-1 0,-1-1 0,1-2 0,-2-1 0,51-31 0,-60 32 0,0 2 0,1 0 0,0 1 0,21-7 0,17-7 0,-23 7 0,51-32 0,1 3 0,-66 36 0,-1 0 0,0-2 0,0 0 0,16-14 0,157-116 0,-178 131 0,-1 0 0,0-1 0,13-15 0,-15 14 0,1 1 0,0 0 0,24-16 0,-24 19 0,0-1 0,-1-1 0,0 0 0,18-21 0,-17 18 0,0 0 0,28-22 0,-26 23 0,0 0 0,-1 0 0,22-29 0,-24 27 0,1 0 0,1 1 0,0 0 0,17-12 0,-21 17 0,1 0 0,-1-1 0,-1 0 0,1-1 0,-1 0 0,8-15 0,-9 15 0,0-1 0,1 1 0,0 0 0,1 1 0,0 0 0,14-11 0,-11 10 0,0-1 0,0 0 0,-2-1 0,18-22 0,20-23 0,-34 41 0,-1 0 0,-1 0 0,0-2 0,-1 1 0,-1-1 0,-1-1 0,-1 0 0,10-30 0,19-42 0,-17 52 0,-9 18 0,-1 0 0,0-1 0,-2 0 0,8-32 0,-7 12 0,6-23 0,-3 0 0,-3-1 0,1-78 0,-9 75 0,-3-67 0,0 120 0,0 0 0,-1 0 0,-1 1 0,0-1 0,-1 1 0,-10-21 0,-1-6 0,14 33 0,-1 1 0,-1 0 0,1-1 0,-1 1 0,0 1 0,-6-9 0,-27-35 0,26 33 0,-2 1 0,0 0 0,-1 1 0,0 0 0,-2 1 0,-24-20 0,30 28 0,0-2 0,1 1 0,-11-14 0,13 14 0,0 0 0,0 1 0,-1 0 0,0 0 0,0 1 0,-12-8 0,3 6 0,0-1 0,1-1 0,0 0 0,1-1 0,-22-21 0,24 21 0,1 1 0,-1 1 0,-1 0 0,-28-14 0,-4-3 0,-114-62 0,132 75 0,0 0 0,-1 3 0,-56-14 0,12 3 0,18-1 0,43 16 0,-1 0 0,1 2 0,-1-1 0,-23-4 0,-91-14 0,-63-7 0,50 10 0,115 17 0,-212-29 0,187 16 0,40 12 0,-1 1 0,0-1 0,0 1 0,-13-1 0,-116-14 0,87 13 0,-132-7 0,-1312 12 0,1338 18 0,-718-18-1365,860 0-5461</inkml:trace>
+</inkml:ink>
+</file>
+
 <file path=ppt/ink/ink2.xml><?xml version="1.0" encoding="utf-8"?>
 <inkml:ink xmlns:inkml="http://www.w3.org/2003/InkML">
   <inkml:definitions>
@@ -209,15 +240,15 @@
           <inkml:channelProperty channel="F" name="resolution" value="0" units="1/dev"/>
         </inkml:channelProperties>
       </inkml:inkSource>
-      <inkml:timestamp xml:id="ts0" timeString="2024-02-13T09:19:09.291"/>
+      <inkml:timestamp xml:id="ts0" timeString="2024-02-13T15:24:55.448"/>
     </inkml:context>
     <inkml:brush xml:id="br0">
-      <inkml:brushProperty name="width" value="0.2" units="cm"/>
-      <inkml:brushProperty name="height" value="0.2" units="cm"/>
-      <inkml:brushProperty name="color" value="#008C3A"/>
+      <inkml:brushProperty name="width" value="0.1" units="cm"/>
+      <inkml:brushProperty name="height" value="0.1" units="cm"/>
+      <inkml:brushProperty name="color" value="#66CC00"/>
     </inkml:brush>
   </inkml:definitions>
-  <inkml:trace contextRef="#ctx0" brushRef="#br0">12081 4389 24575,'90'0'0,"-35"0"0,5 0 0,36 1 0,7 1-1093,-32 0 1,0 1 0,1 1 387,3 0 0,1 2 1,-2 1 704,-3 0 0,0 2 0,-3 0 0,17 4 0,0 1 0,-14-3 0,4 1 0,2-1 0,11 3 0,4 1 0,2-1-820,-13-1 1,2-1 0,2 0 0,-1 0 783,1 0 1,0-1-1,1 0 1,0 0 35,6 0 0,2 1 0,-1-1 0,-2-1 0,-8-1 0,-2 0 0,-1-1 0,-4 1 587,6-1 0,-4 0 1,-5 1-588,14 2 0,-19-2 0,-40-5 0,-30-4 2217,4 0-2217,33 0 3276,38 0-2740,-18-1 0,6-1-1520,15 0 1,5 0 983,6 0 0,2 0-1005,-24 0 0,1-1 0,3 1 1005,14-1 0,3-1 0,6 1-656,-18 0 1,3-1-1,4 1 1,2-1 0,2 0 372,-3 0 0,3 0 0,2 0 1,0 0-1,2 0 0,-2 0-216,3 1 0,1-1 0,-1 1 1,1 0-1,1-1 0,-1 1 499,1 0 0,1 0 0,1 0 0,-1 0 0,0 0 0,0 0-304,-1 0 1,0 0 0,0 0-1,0 0 1,0 1 0,0-1 303,-1 0 0,-1 1 0,0-1 0,0 1 0,1 0 0,1-1 174,6 1 1,2-1 0,0 1 0,0-1 0,-1 1 0,-3 0-175,-8 0 0,-1 0 0,-1 0 0,-1 1 0,-4-1 0,-4 1 0,12 0 0,-4 0 0,-5 1 0,-6-1 0,1 1 0,-7-1 0,-9 1 0,21-1 0,-23 1 0,29 0 1555,-37 0 0,2-1-1555,4-1 0,3 0 0,2-1 0,5-2 994,25-2 1,9-1-995,-20 2 0,4 0 0,2-1 782,11 0 0,2-1 0,2 0-782,-20 2 0,1 1 0,0-1 0,1 1-805,-1 0 1,-1-1 0,1 1-1,1 0 805,2 0 0,1-1 0,1 1 0,-1 0 0,-1-1 0,1 1 0,-1 0 0,1 0 0,1 0 0,-1-1 0,1 1 0,0 0 0,-2-1 0,1-1 0,-1 1 0,-4 0-358,12-2 0,-4 1 0,-5 0 358,10-2 0,-11 2 1923,2-3-1923,-74 11 2721,2-5-2721,9-11 0,19-15 0,37-33 0,-26 22 0,3-1 1247,10-8 0,2-1-1247,7-5 0,2 1 0,-2 1 0,0 1 0,1 0 0,-1 0 0,-1 2 0,-1 1 0,-10 7 0,-1 1 0,-5 3 0,-2 3 757,-8 3 1,-2 2-758,31-26 0,-6 4 0,-8 5 0,-4 5 0,-10 8 0,-7 4 0,-8 7 0,-3 2 1983,-4 3-1983,-4 0 414,-1 2-414,-4-1 0,0 1 0,-3 2 0,-2 2 0,-1 1 0,-2 0 0,0-3 0,0-2 0,0-2 0,0-4 0,0-2 0,2-3 0,1-3 0,-1-2 0,-1-2 0,-1-2 0,0 2 0,1-2 0,0 0 0,-2 3 0,-2-1 0,-2 1 0,2-2 0,0-4 0,-1-1 0,-1-3 0,-1-1 0,-1 3 0,0 0 0,0 3 0,0 2 0,0-1 0,0 0 0,0 3 0,0 0 0,0 1 0,0 5 0,0 2 0,0 0 0,0 2 0,2-1 0,1 1 0,2 2 0,-1 4 0,-1 0 0,-4 1 0,-1-6 0,-5-9 0,-2-5 0,-2-6 0,-2 1 0,0 1 0,0 0 0,0 3 0,1 5 0,4 3 0,2 5 0,1 1 0,-1 0 0,-3 0 0,0 0 0,0 0 0,0 1 0,0 1 0,1-2 0,1 2 0,0-3 0,0 1 0,-2 1 0,0 1 0,0 1 0,-2 3 0,2 1 0,0 3 0,1 2 0,0 0 0,-3 0 0,0 0 0,-1 0 0,-2 0 0,-1 2 0,-2-2 0,-3 2 0,-4-1 0,-8-2 0,-12 1 0,-2-1 0,-10-2 0,-1 1 0,-9 0 0,-5 2 0,-4 2 0,-17 2-1017,-8 2 1017,41 5 0,-3 0 0,-5 1 0,-2 1 0,-4-1 0,-1 1 0,-3 0 0,0 0 0,9 0 0,0 0 0,-3 0 0,0 0 0,11-1 0,2 1 0,0 1 0,-1-2 0,-12-2 0,-4 0 0,-3-2 0,-5 1 0,7-1 0,-5-1 0,-2 1 0,-10-2 0,-2-1 0,0 2-1093,0 0 1,0 1 0,0 0 999,4 1 1,-1-1 0,1 1 92,2 1 0,-1 0 0,0 0-1093,-7 0 1,-2 1 0,2 1 616,4-1 0,1 0 0,1 0 476,1 0 0,1 0 0,2 1-581,7 1 0,2 0 0,1 0 581,4 0 0,1 0 0,0 0-183,-1 0 1,-1 0 0,3 0 182,-26 0 0,5 0 658,15 0 0,3 0-658,12 0 0,3 0 1638,2 0 0,3 0-843,-34 0 1841,13 0-2636,-3 0 0,28 0 0,-4 0-1639,-16 0 1,-6 0 1301,8 0 0,-3 0 0,-3 0 337,-4 0 0,-2 0 0,-2 0-198,-3 0 0,-1 0 0,0 0 198,1 0 0,0 0 0,1 0 0,4 0 0,0 0 0,0 0 0,-1 0 0,0 0 0,-2 0-731,-4 0 0,0 0 0,-3 0 731,-5 0 0,-2 0 0,0 0 0,-1 0 0,0 0 0,1 0 0,9 0 0,1 0 0,5 0 0,-16 0 0,8 0 0,19 0 0,4 0-210,10 0 1,1 0 209,-3 0 0,0 0 0,1 0 0,1 0 3276,-41 0-1875,25-2 273,27 0-1674,27-1 3276,11-1-2738,-28 2-538,-55 0 0,22 2 0,-7 0-1093,11-1 1,-4 0 0,-1 0 289,2-1 0,-1 0 0,-1 1 803,-10-1 0,-1 1 0,-3-1-968,-10 1 1,-2 0 0,0 0 967,3 0 0,0 1 0,-1 1 0,19-1 0,-1 0 0,0 0 0,2 0-551,-17 0 0,2 0 0,4 0 551,13 0 0,2 0 0,2 0-406,-32 0 1,5 0 405,15 0 0,5 0 0,12 0 0,2 0 0,5 0 0,3 0 3276,-24 0-3131,16 0 0,-7 0-145,-14 0 0,-6 0 0,17 0 0,-3 0 0,-3 0 0,-11-2 0,-4-1 0,-2-2-220,18-1 0,-2-2 1,0 0-1,-2-2 220,-6 0 0,-1-1 0,-1 0 0,1-1 0,3-1 0,1 1 0,0-1 0,0 1 0,3 0 0,0 0 0,1 1 0,-1 0 0,1 1 0,-1 1 0,0 0 0,-3 0 0,7 1 0,-2 1 0,-2-1 0,-2 1 0,-2 0-400,5 1 1,-3-1-1,-1 1 1,-2 0-1,0 0 1,0 0 399,-5 1 0,-2-1 0,0 2 0,0-1 0,0 1 0,2 0 0,-11 0 0,1 0 0,0 1 0,2 0 0,2 0-360,5 1 0,2 0 0,0 0 0,2 0 0,2 1 360,-12 0 0,3 1 0,1-1 0,4 1-308,-9 0 0,3-1 0,3 1 308,7 0 0,1 0 0,5 0 685,-18 0 0,5 0-685,13-2 0,5 0 1638,10 0 0,6 0-1203,-14-2 2841,43-1-2356,4 3-920,-37 0 0,4 1 0,-9 0-1547,-27-2 0,-8-2 1547,27 1 0,-4 0 0,-1-2 0,-12-1 0,-3-1 0,0-1-480,20 2 0,0 0 0,-1-1 0,1 1 480,-1 2 0,1-1 0,-1 2 0,0-1 0,-1 0 0,0-1 0,-1 2 0,-2 0 0,-10 0 0,-1 2 0,-2 0 0,-1 0-792,-2 0 0,-1 1 0,-1-1 0,-1 1 792,13 0 0,-1 0 0,-2 0 0,1 0 0,1 1 0,1 0 0,1-1 0,0 2 0,1-1 0,1 0 0,-13 0 0,2 0 0,0 0 0,1 0-419,-1 0 0,0 0 0,1 0 1,3 0 418,12 0 0,3 0 0,1 0 0,0 0 522,-19 0 1,1 0 0,4 0-523,14 0 0,3 0 0,2 0 1133,-16 1 1,3 0-1134,12 1 0,2 0 0,4 0 0,1 0 0,5-1 0,1 0 0,0 1 0,0 0-177,-7 3 1,-3 3 176,-8 5 0,-2 1 0,-6 3 0,-2 1 786,-4 1 0,1 2-786,0-1 0,4 2 0,12-2 0,2 2 0,-10 6 0,-1 2 0,-8 6 0,-2 3-57,26-10 0,-2 1 0,0 1 57,-2 2 0,-1 2 0,2-1 0,-23 13 0,5 0-435,9-4 1,5 1 434,11-3 0,4 0 1638,9-2 0,2 1-1261,-2 6 1,4 1-378,10-6 0,5 0 0,-18 45 0,20-10 0,20-12 1482,1 6-1482,6-10 2781,1-11-2781,13-18 1622,19-10-1622,24 13 0,-8 3 0,3 8-1639,14 16 1,3 4 1182,-21-18 1,0 0 0,2 3 455,8 8 0,2 2 0,0 0-937,-3-4 0,-1 0 1,2 1 936,5 4 0,0 1 0,3 1 0,-11-12 0,2 1 0,0 0 0,0-3-837,15 11 1,0-3 0,2 0 836,-8-8 0,1 0 0,3-1 0,0 0-626,1-1 0,2-1 0,1-1 1,1-2 625,3 1 0,2-2 0,0 0 0,-2-2 667,-4-2 0,-1-1 1,-1-2-1,-6-4-667,29 10 0,-11-7 1131,-32-14 1,-9-7-1132,-10-10 3150,16-5-3150,48 12 0,-27-1 0,5 4 1021,10 5 1,8 4-1022,-26-5 0,5 3 0,3 1 0,1 1-820,6 2 1,1 1 0,2 1 0,2 0 442,-7-1 0,3 1 0,1 1 1,1 0-1,1 1-170,-8-3 1,1 1 0,1 0 0,0 0 0,0 0 0,-1 1 408,13 4 0,-2 0 1,1 0-1,-1 0 0,2 1-304,-11-4 0,1 0 0,0 1 0,0-1 1,1 1-1,-2-1 442,15 4 0,-1 1 0,0-1 0,-1 0 0,-1-1 209,-7-2 0,-1 0 0,-1 0 1,-1-1-1,-3-1-209,9 3 0,-2 0 0,-3-1 0,-4-3 0,4 1 0,-5-2 0,-6-3 1379,7-1 1,-6-5-1380,-9-6 0,2-5 1638,12-4 0,7-2-1591,-4 1 0,7 1 0,3-2-47,-13 0 0,3-1 0,2-1 0,0 0 0,2 0 0,2 0 0,0-1 0,1 0 0,0-1 0,1 1 0,0-1 0,-1-1-820,0 0 1,0-1 0,0-1 0,1 1 727,7 0 0,2 0 1,1-1-1,1 0 92,-13 2 0,2-1 0,0 0 0,-1 0 0,-1 0 0,13-1 0,0 0 0,-3 0 0,-4 0 0,6 1 0,-5-1 0,-8 2 0,2 1 0,-13 1 796,6-1-796,-17-4 0,6-1 0,14-2 0,4 0 1638,6-3 0,-1 1-1584,-5 1 1,-7 2-55,14 0 0,-16 3 3276,-24 3-1203,-18 1-2073,-15 2 0,-6-1 0,1 0 0,2-2 2018,0 0-2018,1-1 0,-4 1 0,-1 1 0,-3 0 0,-4 2 0,1-1 0,-2 0 0,-1-1 0,-1 0 0,-1 1 0,-1-1 0,-1 0 0,0-1 0,-2 0 0,-1-3 0,0-1 0,0-3 0,0-3 0,0-3 0,0-1 0,0 1 0,-1 2 0,-5 1 0,-7 1 0,-7-1 0,-6 1 0,-4 1 0,-1 2 0,2 3 0,3 2 0,5 2 0,2 0 0,3 0 0,3 1 0,3-1 0,5 0 0,2 2 0,3-2 0</inkml:trace>
+  <inkml:trace contextRef="#ctx0" brushRef="#br0">3194 88 24575,'-205'-19'0,"157"18"0,-66-10 0,42 4 0,-138 7 0,86 3 0,-1137-3 0,1153 10 0,40-2 0,30-4 0,-1 2 0,1 2 0,0 1 0,0 2 0,1 2 0,1 1 0,0 1 0,1 3 0,1 0 0,0 3 0,-59 47 0,57-35 0,1 3 0,2 0 0,1 2 0,-48 76 0,63-85 0,10-14 0,-2-1 0,0-1 0,0 0 0,-15 16 0,11-13 0,1 1 0,0 0 0,2 0 0,0 1 0,-13 35 0,-18 29 0,30-60 0,0 0 0,2 0 0,0 1 0,1 1 0,2-1 0,0 1 0,-3 39 0,4-8 0,4 1 0,6 70 0,-2-107 0,1-1 0,0 1 0,2-1 0,0 0 0,1-1 0,17 31 0,-11-22 0,18 50 0,-20-48 0,1 0 0,1-2 0,1 0 0,1 0 0,34 43 0,20 32 0,-55-79 0,2-2 0,34 36 0,-5-6 0,-32-36 0,1 0 0,0-1 0,19 12 0,-18-13 0,1 1 0,23 24 0,-18-15 0,2-1 0,0-2 0,1 0 0,30 17 0,33 26 0,75 56 0,-125-92 0,222 137 0,-139-91 0,49 27 0,35 27 0,-59-42 0,-21-18 0,-75-38 0,1-2 0,72 25 0,-98-41 0,0 0 0,34 22 0,-35-19 0,1 0 0,31 11 0,80 35 0,-5-1 0,66 10 0,-131-45 0,1-2 0,78 13 0,70 20 0,-141-33 0,1-4 0,85 8 0,19 4 0,-123-13 0,-41-11 0,-1-1 0,1-1 0,24 4 0,236 11 0,-183-10 0,69 2 0,16 0 0,-117-5 0,333-1 0,-210-7 0,542 3 0,-684-2 0,0-2 0,0-2 0,67-19 0,47-8 0,-10 10 0,67-7 0,-144 21 0,68-17 0,49-8 0,56-1 0,-135 11 0,-64 13 0,54-7 0,29 4 0,-1-5 0,167-49 0,-172 36 0,-75 22 0,0-2 0,-2-1 0,77-37 0,-52 19 0,-45 22 0,-2 0 0,1-1 0,-1-1 0,28-22 0,-13-5 0,-28 31 0,0 0 0,0 0 0,1 0 0,-1 1 0,13-9 0,-5 4 0,-1 0 0,0-2 0,0 1 0,-1-1 0,-1-1 0,12-18 0,35-39 0,-46 57 0,0-1 0,-1 0 0,10-20 0,-11 19 0,0 0 0,1 1 0,18-20 0,9-7 0,35-51 0,31-35 0,35-22 0,-94 97 0,-32 36 0,1 0 0,0 1 0,20-16 0,-21 20 0,-1-1 0,0 0 0,0-1 0,14-23 0,27-33 0,-45 60 0,-1 1 0,0-1 0,0 0 0,-1 0 0,-1-1 0,0 0 0,5-15 0,21-87 0,-25 90 0,19-146 0,-10 123 0,-11 39 0,-1 0 0,0-1 0,-1 0 0,0 0 0,2-10 0,-2-167 0,-4 94 0,1 76 0,0 0 0,-2 1 0,0-1 0,0 1 0,-1 0 0,-1 0 0,0 0 0,-1 0 0,-1 1 0,0 0 0,-1 0 0,-10-13 0,-10-10 0,-1 2 0,-57-52 0,21 39 0,50 37 0,-1-1 0,-22-20 0,22 18 0,-1 1 0,-1 1 0,0 0 0,0 2 0,-1 0 0,0 0 0,-24-6 0,12 4 0,-34-15 0,-7-3 0,-1 3 0,-79-16 0,-64-18 0,172 48 0,0 2 0,-68-6 0,-21-5 0,-68-10 0,152 24 0,-42-1 0,-36-6 0,74-2 0,41 12 0,0 0 0,0 1 0,-20-3 0,-104-13 0,-25 1 0,1 1 0,98 9 0,28 3 0,-46 0 0,-162-12 0,206 16 0,-43-7 0,31 2 0,5 3 0,-50 4 0,62 0 0,-1 0 0,1-3 0,-60-9 0,73 8 0,0 1 0,0 1 0,-25 0 0,29 2 0,0-1 0,-1-1 0,1 0 0,0-1 0,0 0 0,-18-6 0,10 1 0,-1 2 0,1 0 0,-1 2 0,0 1 0,-34 0 0,-50-6 0,61 3 0,0 3 0,-55 3 0,-47-2 0,76-7 0,33 3 0,-45 0 0,-457 5 0,343-18 0,16 1 0,111 14 0,-74-13 0,23 2 0,110 12 0,0-1 0,1 0 0,-1 0 0,-16-9 0,-18-5 0,-3 7 0,-90-9 0,129 18 0,-151-14 0,-100-21 0,158 25-578,-179 2 0,272 9 369,-7 0-6617</inkml:trace>
 </inkml:ink>
 </file>
 
@@ -237,75 +268,19 @@
           <inkml:channelProperty channel="F" name="resolution" value="0" units="1/dev"/>
         </inkml:channelProperties>
       </inkml:inkSource>
-      <inkml:timestamp xml:id="ts0" timeString="2024-02-13T09:21:49.177"/>
+      <inkml:timestamp xml:id="ts0" timeString="2024-02-13T15:27:06.092"/>
     </inkml:context>
     <inkml:brush xml:id="br0">
-      <inkml:brushProperty name="width" value="0.2" units="cm"/>
-      <inkml:brushProperty name="height" value="0.2" units="cm"/>
-      <inkml:brushProperty name="color" value="#008C3A"/>
+      <inkml:brushProperty name="width" value="0.1" units="cm"/>
+      <inkml:brushProperty name="height" value="0.1" units="cm"/>
+      <inkml:brushProperty name="color" value="#66CC00"/>
     </inkml:brush>
   </inkml:definitions>
-  <inkml:trace contextRef="#ctx0" brushRef="#br0">0 542 24575,'50'0'0,"2"0"0,10 0 0,-6 0 0,9 0 0,12 0 0,16 0-714,-36 0 1,3 0 713,1 0 0,2 0 0,5 0 0,0 0 0,1 0 0,0 0 0,-2 0 0,-1 0 0,1 0 0,0 0 0,-3 0 0,1 0 0,2 0 0,1 0 0,2 0 0,0 0 0,1 0 0,0 0 0,1 0 0,2 0 0,-2 0 0,1 0 0,4 0 0,0 0 173,2 0 1,-3 0-174,-13 0 0,-5 0 0,18 0 0,-46 0 0,-3 0 0,36 0 0,-13-2 0,5 0 0,10 0 0,2 0 0,-1 0 0,0 0 161,-8 0 1,0 1-162,0 0 0,1 2 0,9-1 0,2 0 0,12 0 0,4 0-987,-18 0 1,3 0-1,1 0 987,4 0 0,2-1 0,-1 2 0,0-1 0,1 1 0,1 1-1093,8 1 1,2 1 0,1 1 1090,2 1 1,0 0 0,1 1 1,2 2 0,1 0 0,0 1 0,-20-3 0,0 0 0,-1 0 0,-1 0 0,13 2 0,-2-1 0,-4-1-211,21 3 1,-10-1 210,-28-4 0,-10-2 0,-7-2 0,-33-5 0,-8-1 502,-1 0-502,8 0 0,33-5 0,32-4 0,-21 2 0,7-1 0,-2 0 0,5-1 0,2 0-135,2 1 1,1-1 0,4 1 134,14-2 0,5 0 0,1 1-200,-19 3 0,2 0 0,0 1 0,1 1 200,0 1 0,-1 1 0,2 0 0,1 2 0,7-2 0,2 2 0,1 0 0,-2 0 0,0 2 0,-1 1 0,-1 0 0,-1 0 0,-5 2 0,-2 0 0,-1 0 0,-2 0 0,13 0 0,-4 0 0,2 0 0,2 0 0,0 0 0,1 0 132,3 0 1,0 0 0,1 0-133,4 1 0,0-1 0,-1-1 0,-5 1 0,-2-1 0,-5-1-578,13-2 1,-7-2 577,-15-2 0,-3-3 0,3-1 0,1-3 0,8 0 0,1-1 363,-6 3 1,1 1-364,-16 3 0,2 2 0,2-1 163,10 1 1,2 0 0,4 1-164,-11 2 0,2 0 0,3 1 0,2-1-820,13 1 1,3-1 0,1 0 0,0 2 731,-2-1 0,0 1 1,0 1-1,1 0 88,0 0 0,1 0 0,-1 0 0,0 1 0,-1-1 0,0 1 0,-1 0 0,1 0 0,0 1 0,0 1 0,0 0 0,1 1 0,-17 0 0,1 1 0,0 0 0,-2 1 0,-2 0-42,8 0 0,-3 1 0,-2 0 1,-4 0 41,8 2 0,-4-1 0,-4 0 0,13-2 0,-6-3-1070,-19-4 1,0-3 1069,25-1 0,5 0 0,-27 1 0,1 1 0,1 0 337,0 0 0,2 1 1,1 1-338,12-1 0,2 2 0,2 0 336,5 0 1,2 2-1,4-1-336,-14 0 0,2 0 0,2 0 0,2 0-287,-13 0 1,1 0 0,1 0 0,0 0 0,0 0 286,0 0 0,0 0 0,0 0 0,0 0 0,-1 0 0,1 0 0,-1 0 0,1 0 0,-1 0 0,-1 0 0,18 0 0,-1 0 0,-1 0 0,-1 0 819,-2 1 0,0 0 0,-2 0 0,-4 0-677,10 1 1,-4 0-1,-6 0-142,9 0 0,-13 1 1232,-4 1-1232,-42-4 0,42 0 987,-21 0 0,5 0-987,15 1 0,5-2 0,8 0 0,1-1 1236,-2-1 0,3 1-1236,-15 1 0,3-1 0,2 1-956,10-1 1,3 1-1,3 0 956,-17 1 0,3 0 0,0 0 0,2 0-820,8 0 1,3 0 0,0 0 0,-3 0 479,-7 0 1,-2 0 0,0 0 0,0 0 339,0 0 0,-1 0 0,1 0 0,0 0-481,0 0 0,0 0 0,0 0 0,1 0 481,1 0 0,0 0 0,0 0 0,-1 0 257,-5 0 1,0 0 0,-2 0 0,-3 0-258,4 0 0,-5 0 0,-5 0-822,3 0 0,-7 0 822,32-7 0,-36-1 0,4-1 1354,5-2 0,3 0-1354,1-1 0,1 0 0,-2 0 0,-1 2 0,-8 1 0,0 1 0,7-2 0,2 1 0,-1-1 0,-1 1 0,-5 1 0,0 1 0,-2-1 0,-2 0 1614,-11 2 1,-4 1-1615,28-2 0,-24 3 0,-19 4 3276,-13-1-232,-9 1-1704,-3 0-1340,-2 0 63,2 0-63,-3-1 0,0-1 0,5-4 0,-7 3 0,5-1 0</inkml:trace>
+  <inkml:trace contextRef="#ctx0" brushRef="#br0">2716 94 24575,'0'-1'0,"-1"0"0,1 0 0,-1 0 0,0 0 0,1 0 0,-1 0 0,0 1 0,1-1 0,-1 0 0,0 0 0,0 1 0,1-1 0,-1 0 0,0 1 0,0-1 0,0 1 0,0-1 0,0 1 0,0 0 0,0-1 0,0 1 0,0 0 0,0-1 0,0 1 0,0 0 0,-1 0 0,0 0 0,-37-2 0,35 2 0,-470-2 0,230 4 0,171 2 0,-131 24 0,136-16 0,1 3 0,0 3 0,1 2 0,-89 42 0,85-30 0,33-16 0,0 2 0,1 1 0,-51 37 0,-110 79 0,117-76 0,42-32 0,0 1 0,-36 38 0,16-13 0,40-38 0,1 0 0,1 2 0,-23 27 0,-50 64 0,-12 15 0,55-63 0,32-43 0,1 0 0,1 0 0,0 1 0,1 1 0,-13 31 0,16-26 0,1 1 0,-4 32 0,5-22 0,-10 9 0,13-37 0,0 0 0,0 0 0,1 0 0,0 1 0,-2 11 0,4-3 0,0-1 0,1 1 0,0-1 0,1 1 0,1-1 0,0 0 0,1 0 0,1 0 0,1 0 0,0-1 0,0 0 0,2 0 0,11 16 0,0-3 0,1 0 0,1-2 0,2 0 0,0-2 0,32 25 0,69 52 0,-60-56 0,2-3 0,123 56 0,-79-41 0,21 9 0,64 27 0,-126-57 0,1-3 0,91 28 0,-20-7-525,-1-1 335,131 36 190,54 16 0,111 0 0,-86-34 0,-248-51 0,125 18 0,22-4-572,59 6-216,-28 0 788,150 6-544,-171-24 292,-153-5 252,-59-8 0,81 4 0,200 0-50,138-6-196,-262-8 239,-127 2 7,250-11 0,-247 4 0,-27 3 0,60-13 0,-57 8 0,0 2 0,63 1 0,-6 0 0,182-11 0,22 0 0,-229 10-51,86-9 2779,-26-19-2231,-93 28-497,0-2 0,-1-2 0,54-19 0,-77 17 0,-1-2 0,-1-1 0,39-27 0,-54 34 0,33-19 0,-35 22 0,1-1 0,-1-1 0,0 0 0,-1 0 0,1-1 0,17-19 0,-16 13 0,2 1 0,-1 1 0,2 0 0,19-12 0,36-29 0,131-110 0,-118 92 0,-43 38 0,53-56 0,-55 52 0,-27 27 0,-1-1 0,0 0 0,10-13 0,15-28 0,-7 15 0,-2-1 0,-2-2 0,-2-1 0,25-60 0,4-15 0,-18 45 0,-22 43 0,-2-2 0,0 1 0,-2-1 0,7-53 0,-9 15 0,-2-74 0,-3 95 0,0 18 0,-2 0 0,-7-58 0,6 79 0,0 0 0,0 1 0,-1-1 0,0 1 0,-1-1 0,0 1 0,0 0 0,-1 0 0,0 1 0,0-1 0,-1 1 0,0 0 0,0 1 0,-8-7 0,6 4 0,0 1 0,1-1 0,0-1 0,0 1 0,1-1 0,0 0 0,-7-19 0,6 14 0,-1 0 0,-17-25 0,-2 5 0,-2 2 0,-1 1 0,-2 1 0,-1 2 0,-51-35 0,67 53 0,0 2 0,-33-14 0,-19-9 0,32 7 0,29 19 0,-1 0 0,1 0 0,-1 1 0,0 0 0,0 1 0,-12-4 0,-47-15 0,39 12 0,-53-12 0,73 21 0,-161-37 0,117 20 0,34 11 0,-1 1 0,-26-6 0,-63-13 0,-44-7 0,14 15 0,75 11 0,30 2 0,-46 0 0,71 4 0,0 0 0,0 0 0,1-1 0,-1 0 0,0-1 0,-9-4 0,8 3 0,0 1 0,0 0 0,0 0 0,-18-2 0,17 5 0,-58-4 0,-70-12 0,103 10 0,-46 0 0,37 3 0,-21-5 0,-26-1 0,-189-8 0,207 16 0,-87-12 0,-42-4 0,158 12 0,26 4 0,-1-1 0,1-2 0,-38-10 0,42 10 0,0 1 0,-1 0 0,1 0 0,-27 1 0,-39-7 0,55 4 0,0 2 0,-1 1 0,-29 1 0,26 2 0,-58-8 0,51 2 0,-65 1 0,66 4 0,-70-9 0,50 2 0,0 3 0,-102 5 0,51 2 0,-251-21 0,332 19 0,-13 0 0,1-2 0,-64-10 0,49 5 0,1 1 0,-1 4 0,-56 4 0,2-1 0,-1803-2-1365</inkml:trace>
 </inkml:ink>
 </file>
 
 <file path=ppt/ink/ink5.xml><?xml version="1.0" encoding="utf-8"?>
-<inkml:ink xmlns:inkml="http://www.w3.org/2003/InkML">
-  <inkml:definitions>
-    <inkml:context xml:id="ctx0">
-      <inkml:inkSource xml:id="inkSrc0">
-        <inkml:traceFormat>
-          <inkml:channel name="X" type="integer" min="-2.14748E9" max="2.14748E9" units="cm"/>
-          <inkml:channel name="Y" type="integer" min="-2.14748E9" max="2.14748E9" units="cm"/>
-          <inkml:channel name="F" type="integer" max="32767" units="dev"/>
-        </inkml:traceFormat>
-        <inkml:channelProperties>
-          <inkml:channelProperty channel="X" name="resolution" value="1000" units="1/cm"/>
-          <inkml:channelProperty channel="Y" name="resolution" value="1000" units="1/cm"/>
-          <inkml:channelProperty channel="F" name="resolution" value="0" units="1/dev"/>
-        </inkml:channelProperties>
-      </inkml:inkSource>
-      <inkml:timestamp xml:id="ts0" timeString="2024-02-13T09:21:51.555"/>
-    </inkml:context>
-    <inkml:brush xml:id="br0">
-      <inkml:brushProperty name="width" value="0.2" units="cm"/>
-      <inkml:brushProperty name="height" value="0.2" units="cm"/>
-      <inkml:brushProperty name="color" value="#008C3A"/>
-    </inkml:brush>
-  </inkml:definitions>
-  <inkml:trace contextRef="#ctx0" brushRef="#br0">0 179 24575,'51'0'0,"15"0"0,18 0-595,-26 0 1,5 0 594,15 0 0,6 0-1093,-16 0 1,3 0 0,2 0 495,14-1 1,4 0 0,1-1 596,-18-1 0,2 1 0,0-1 0,0 0 0,1 1 0,1-1 0,0 0 0,0 0 0,1 0 0,0-1 0,0 0 0,-2 1 0,20-1 0,-1 1 0,-1 0 0,2 0 0,-1 0 0,0 0 452,-5 0 0,0 0 1,-4 0-453,-11 1 0,-3 0 0,-3 0 0,20 0 0,-7 0 0,-17 1 0,-4 0 0,-3 0 0,2-1-772,24-3 0,7-1 772,-13 2 0,4-1 0,1 1 153,5 0 1,1-1-1,2 2-153,-16 0 0,3 1 0,-1 1 0,-2-1 0,19 2 0,-2 0 0,-1 0 0,-3 0 0,-1 0 0,1 0 0,1 0 0,0 0 0,2 0 0,6 0 0,1 0 0,1 0 0,-23 0 0,0 0 0,0 0 0,-1 0 0,24 0 0,-1-1 0,0 2 0,-3 0 0,1 0 0,-7 0-291,10 1 1,-7 1 290,-17-1 0,-6 1 0,22 0 0,-31-2 0,20-4 0,10 0 0,-38 0 0,3 0 0,8 0 0,3 0 0,9-1 0,2 0-432,9 0 1,0 0 431,-8 2 0,-1-1 0,2 1 0,-2 0 0,-13 2 0,-2 0 0,2 0 0,0-1 0,1 0 0,-3-1 735,-10 1 0,-2-1-735,4-1 0,-2 0 819,23-4 0,-30 4 0,-18 0 0</inkml:trace>
-</inkml:ink>
-</file>
-
-<file path=ppt/ink/ink6.xml><?xml version="1.0" encoding="utf-8"?>
-<inkml:ink xmlns:inkml="http://www.w3.org/2003/InkML">
-  <inkml:definitions>
-    <inkml:context xml:id="ctx0">
-      <inkml:inkSource xml:id="inkSrc0">
-        <inkml:traceFormat>
-          <inkml:channel name="X" type="integer" min="-2.14748E9" max="2.14748E9" units="cm"/>
-          <inkml:channel name="Y" type="integer" min="-2.14748E9" max="2.14748E9" units="cm"/>
-          <inkml:channel name="F" type="integer" max="32767" units="dev"/>
-        </inkml:traceFormat>
-        <inkml:channelProperties>
-          <inkml:channelProperty channel="X" name="resolution" value="1000" units="1/cm"/>
-          <inkml:channelProperty channel="Y" name="resolution" value="1000" units="1/cm"/>
-          <inkml:channelProperty channel="F" name="resolution" value="0" units="1/dev"/>
-        </inkml:channelProperties>
-      </inkml:inkSource>
-      <inkml:timestamp xml:id="ts0" timeString="2024-02-13T09:21:52.718"/>
-    </inkml:context>
-    <inkml:brush xml:id="br0">
-      <inkml:brushProperty name="width" value="0.2" units="cm"/>
-      <inkml:brushProperty name="height" value="0.2" units="cm"/>
-      <inkml:brushProperty name="color" value="#008C3A"/>
-    </inkml:brush>
-  </inkml:definitions>
-  <inkml:trace contextRef="#ctx0" brushRef="#br0">0 74 24575,'79'0'0,"-30"0"0,4 0 0,10 0 0,4 0-834,9-1 0,5-2 834,-15 1 0,4-1 0,2-1-1093,9 0 1,2-1 0,1 1-1,1-1 1,0 0 0,5 1 856,-7 1 1,4 0 0,0 1 0,-5 0 70,1 0 1,-4 0-1,4 1 165,-8 1 0,4 0 0,1 0 0,0-1 0,6 1 0,1 0 0,1 0 0,-2-1-647,-4 1 1,-1 0 0,0 0 0,2 0 646,12 0 0,2 0 0,-1 0 0,-6 0 0,-3 0 0,-6 0 0,-4 0 136,14 0 1,-9 0-137,-29-1 0,-5 1 3276,24 0-2336,-5 0-940,14 0 0,-22 0 0,4 0 0,9-1 0,3-1 701,6 0 1,2 0-702,4 0 0,-2 0 0,-11 0 0,-2 1 0,0 0 0,-2 1 1638,-4 0 0,-2 0-1590,0 0 1,-5 0-1,11-1 1,-16 1 0</inkml:trace>
-</inkml:ink>
-</file>
-
-<file path=ppt/ink/ink7.xml><?xml version="1.0" encoding="utf-8"?>
 <inkml:ink xmlns:inkml="http://www.w3.org/2003/InkML">
   <inkml:definitions>
     <inkml:context xml:id="ctx0">
@@ -333,6 +308,118 @@
 </inkml:ink>
 </file>
 
+<file path=ppt/ink/ink6.xml><?xml version="1.0" encoding="utf-8"?>
+<inkml:ink xmlns:inkml="http://www.w3.org/2003/InkML">
+  <inkml:definitions>
+    <inkml:context xml:id="ctx0">
+      <inkml:inkSource xml:id="inkSrc0">
+        <inkml:traceFormat>
+          <inkml:channel name="X" type="integer" min="-2.14748E9" max="2.14748E9" units="cm"/>
+          <inkml:channel name="Y" type="integer" min="-2.14748E9" max="2.14748E9" units="cm"/>
+          <inkml:channel name="F" type="integer" max="32767" units="dev"/>
+        </inkml:traceFormat>
+        <inkml:channelProperties>
+          <inkml:channelProperty channel="X" name="resolution" value="1000" units="1/cm"/>
+          <inkml:channelProperty channel="Y" name="resolution" value="1000" units="1/cm"/>
+          <inkml:channelProperty channel="F" name="resolution" value="0" units="1/dev"/>
+        </inkml:channelProperties>
+      </inkml:inkSource>
+      <inkml:timestamp xml:id="ts0" timeString="2024-02-13T15:13:42.646"/>
+    </inkml:context>
+    <inkml:brush xml:id="br0">
+      <inkml:brushProperty name="width" value="0.1" units="cm"/>
+      <inkml:brushProperty name="height" value="0.1" units="cm"/>
+      <inkml:brushProperty name="color" value="#66CC00"/>
+    </inkml:brush>
+  </inkml:definitions>
+  <inkml:trace contextRef="#ctx0" brushRef="#br0">6961 1 24575,'-40'30'0,"-2"-8"0,0-2 0,-62 21 0,13-7 0,-70 52 0,-40 4 0,16-7-603,89-42 384,-392 186 219,-150 54 0,323-169 0,3-9 0,36-18 0,150-42 0,-40 9 0,93-32 365,-85 35 0,98-32-273,-162 54-92,208-70 0,0 0 0,1 1 0,-21 16 0,21-14 0,0-1 0,0-1 0,-27 13 0,5-5 0,-58 36 0,-19 9 0,68-44 0,-76 18 0,40-13 0,-44 28 0,52-32 0,30-8 0,1 1 0,-1 2 0,-44 22 0,74-28 0,0 0 0,1 1 0,-13 11 0,13-9 0,0-2 0,0 0 0,-17 10 0,-7 2 0,0 2 0,2 1 0,1 2 0,1 1 0,-33 36 0,27-38 0,32-22 0,0 1 0,0 0 0,0 0 0,0 0 0,1 1 0,-6 4 0,-10 11 0,-1 0 0,-36 24 0,31-25 0,-38 35 0,48-39 0,-1 0 0,-31 19 0,32-24 0,1 1 0,0 1 0,1 0 0,-19 20 0,15-15 0,-1 0 0,0-1 0,-1-1 0,-1-1 0,0-1 0,-31 13 0,34-17 0,0 0 0,1 2 0,-1 0 0,-16 15 0,21-18 0,1 1 0,-1-1 0,-1-1 0,1-1 0,-27 8 0,-8 4 0,4-2 0,31-12 0,1 1 0,0 1 0,0 0 0,1 1 0,-1 0 0,-12 9 0,6-4 0,0-1 0,-1 0 0,-1-2 0,1 0 0,-2-1 0,-36 7 0,-5-4 0,-2-4 0,-120-2 0,-20 0 0,190-2-341,0 1 0,0 0-1,-22 8 1</inkml:trace>
+</inkml:ink>
+</file>
+
+<file path=ppt/ink/ink7.xml><?xml version="1.0" encoding="utf-8"?>
+<inkml:ink xmlns:inkml="http://www.w3.org/2003/InkML">
+  <inkml:definitions>
+    <inkml:context xml:id="ctx0">
+      <inkml:inkSource xml:id="inkSrc0">
+        <inkml:traceFormat>
+          <inkml:channel name="X" type="integer" min="-2.14748E9" max="2.14748E9" units="cm"/>
+          <inkml:channel name="Y" type="integer" min="-2.14748E9" max="2.14748E9" units="cm"/>
+          <inkml:channel name="F" type="integer" max="32767" units="dev"/>
+        </inkml:traceFormat>
+        <inkml:channelProperties>
+          <inkml:channelProperty channel="X" name="resolution" value="1000" units="1/cm"/>
+          <inkml:channelProperty channel="Y" name="resolution" value="1000" units="1/cm"/>
+          <inkml:channelProperty channel="F" name="resolution" value="0" units="1/dev"/>
+        </inkml:channelProperties>
+      </inkml:inkSource>
+      <inkml:timestamp xml:id="ts0" timeString="2024-02-13T15:14:18.992"/>
+    </inkml:context>
+    <inkml:brush xml:id="br0">
+      <inkml:brushProperty name="width" value="0.1" units="cm"/>
+      <inkml:brushProperty name="height" value="0.1" units="cm"/>
+      <inkml:brushProperty name="color" value="#66CC00"/>
+    </inkml:brush>
+  </inkml:definitions>
+  <inkml:trace contextRef="#ctx0" brushRef="#br0">0 544 24575,'2'-15'0,"0"1"0,0 0 0,2 0 0,0 0 0,0 0 0,1 1 0,1-1 0,0 1 0,1 0 0,1 1 0,10-14 0,-3 2 0,4-6 0,0 1 0,36-40 0,1 4 0,-36 40 0,1 1 0,34-30 0,-47 46-341,0 1 0,-1-2-1,12-14 1</inkml:trace>
+</inkml:ink>
+</file>
+
+<file path=ppt/ink/ink8.xml><?xml version="1.0" encoding="utf-8"?>
+<inkml:ink xmlns:inkml="http://www.w3.org/2003/InkML">
+  <inkml:definitions>
+    <inkml:context xml:id="ctx0">
+      <inkml:inkSource xml:id="inkSrc0">
+        <inkml:traceFormat>
+          <inkml:channel name="X" type="integer" min="-2.14748E9" max="2.14748E9" units="cm"/>
+          <inkml:channel name="Y" type="integer" min="-2.14748E9" max="2.14748E9" units="cm"/>
+          <inkml:channel name="F" type="integer" max="32767" units="dev"/>
+        </inkml:traceFormat>
+        <inkml:channelProperties>
+          <inkml:channelProperty channel="X" name="resolution" value="1000" units="1/cm"/>
+          <inkml:channelProperty channel="Y" name="resolution" value="1000" units="1/cm"/>
+          <inkml:channelProperty channel="F" name="resolution" value="0" units="1/dev"/>
+        </inkml:channelProperties>
+      </inkml:inkSource>
+      <inkml:timestamp xml:id="ts0" timeString="2024-02-13T15:14:19.973"/>
+    </inkml:context>
+    <inkml:brush xml:id="br0">
+      <inkml:brushProperty name="width" value="0.1" units="cm"/>
+      <inkml:brushProperty name="height" value="0.1" units="cm"/>
+      <inkml:brushProperty name="color" value="#66CC00"/>
+    </inkml:brush>
+  </inkml:definitions>
+  <inkml:trace contextRef="#ctx0" brushRef="#br0">1 1 24575,'2'2'0,"0"1"0,1-1 0,-1 0 0,1 0 0,-1 0 0,1 0 0,0 0 0,-1-1 0,1 1 0,0-1 0,5 2 0,6 4 0,14 10 0,-15-10 0,-1 0 0,-1 1 0,20 17 0,-19-15 0,1-1 0,0 0 0,0 0 0,1-2 0,0 0 0,23 8 0,-19-7 0,0 0 0,0 1 0,24 16 0,-6 0 0,1-1 0,1-1 0,56 23 0,-67-32 0,38 24 0,-43-24 0,0 0 0,48 19 0,-37-20-1365</inkml:trace>
+</inkml:ink>
+</file>
+
+<file path=ppt/ink/ink9.xml><?xml version="1.0" encoding="utf-8"?>
+<inkml:ink xmlns:inkml="http://www.w3.org/2003/InkML">
+  <inkml:definitions>
+    <inkml:context xml:id="ctx0">
+      <inkml:inkSource xml:id="inkSrc0">
+        <inkml:traceFormat>
+          <inkml:channel name="X" type="integer" min="-2.14748E9" max="2.14748E9" units="cm"/>
+          <inkml:channel name="Y" type="integer" min="-2.14748E9" max="2.14748E9" units="cm"/>
+          <inkml:channel name="F" type="integer" max="32767" units="dev"/>
+        </inkml:traceFormat>
+        <inkml:channelProperties>
+          <inkml:channelProperty channel="X" name="resolution" value="1000" units="1/cm"/>
+          <inkml:channelProperty channel="Y" name="resolution" value="1000" units="1/cm"/>
+          <inkml:channelProperty channel="F" name="resolution" value="0" units="1/dev"/>
+        </inkml:channelProperties>
+      </inkml:inkSource>
+      <inkml:timestamp xml:id="ts0" timeString="2024-02-13T15:01:06.113"/>
+    </inkml:context>
+    <inkml:brush xml:id="br0">
+      <inkml:brushProperty name="width" value="0.1" units="cm"/>
+      <inkml:brushProperty name="height" value="0.1" units="cm"/>
+      <inkml:brushProperty name="color" value="#66CC00"/>
+    </inkml:brush>
+  </inkml:definitions>
+  <inkml:trace contextRef="#ctx0" brushRef="#br0">2914 283 24575,'-1'-3'0,"1"-1"0,-1 1 0,1 0 0,-1-1 0,0 1 0,0 0 0,-1 0 0,1 0 0,0 0 0,-1 0 0,0 0 0,0 0 0,0 0 0,0 1 0,0-1 0,-1 1 0,1 0 0,-1-1 0,1 1 0,-1 0 0,0 0 0,-5-2 0,-7-4 0,-1 1 0,0 1 0,-21-7 0,9 4 0,-23-7 0,-63-11 0,18 5 0,46 5 0,-20-4 0,-12 7 0,0 4 0,-96-1 0,-442 11 0,479 18 0,131-17 0,0 1 0,-1 0 0,1 1 0,0 0 0,-12 5 0,-27 8 0,-23-1 0,0 3 0,-84 34 0,135-41 0,0 0 0,-33 25 0,-17 9 0,44-28 0,1 1 0,1 1 0,-38 36 0,-19 15 0,70-60 0,1 1 0,0 0 0,1 0 0,-9 14 0,11-14 0,-1 0 0,-1 0 0,1-1 0,-1 0 0,-15 11 0,16-15 0,1 1 0,1 0 0,-1 1 0,1 0 0,1 0 0,-1 1 0,-7 14 0,9-14 0,-1 0 0,0 0 0,-1 0 0,0-1 0,0 0 0,-1-1 0,-9 8 0,8-5 0,0 0 0,0 0 0,1 1 0,1 0 0,0 0 0,0 1 0,1-1 0,0 2 0,1-1 0,-5 20 0,-9 44 0,-12 94 0,26-137 0,-2 21 0,6-36 0,-1 0 0,-1 0 0,-9 30 0,3-19 0,1 2 0,2-1 0,1 1 0,-1 39 0,6 129 0,3-85 0,-4-72 0,0-26 0,0-1 0,1 0 0,1 1 0,0-1 0,1 0 0,1 0 0,0 0 0,11 29 0,0-9 0,18 69 0,-25-76 0,1-1 0,1 0 0,2 0 0,22 42 0,-12-40 0,2 0 0,1-1 0,1-1 0,30 24 0,20 21 0,-66-64 0,0-1 0,1 0 0,0 0 0,0-1 0,0-1 0,1 1 0,16 5 0,-15-7 0,0 1 0,-1 1 0,1 0 0,-1 0 0,18 15 0,-13-8 0,1-2 0,0 0 0,0-1 0,33 14 0,0 0 0,-14-8 0,-29-14 0,0 1 0,0 0 0,0 0 0,0 1 0,-1 0 0,1 0 0,-1 1 0,0-1 0,6 7 0,-3-3 0,1-1 0,0-1 0,0 0 0,1 0 0,0-1 0,0 0 0,0-1 0,0 0 0,17 3 0,15 6 0,27 8 0,-49-16 0,1 2 0,-1 0 0,25 13 0,-16-7 0,1-2 0,0-1 0,0-1 0,55 7 0,-44-8 0,238 35 0,-98-12 0,-161-27 0,51 19 0,-57-16 0,0-2 0,0 0 0,30 5 0,58 7 0,-60-9 0,0-2 0,47 1 0,22 3 0,-41-2 0,-4-2 0,103 5 0,-116-12 0,-21-1 0,1 2 0,-1 1 0,64 11 0,-79-9 0,0 0 0,1-2 0,0 0 0,23-3 0,-19 1 0,-1 1 0,28 4 0,3 12 0,-45-12 0,0-1 0,0 0 0,1-1 0,-1 0 0,0 0 0,10 1 0,171-5 0,42 3 0,-167 7 0,-27-3 0,45 0 0,243 12 0,-128 1 0,565-19 0,-724-1 0,-1-2 0,47-11 0,-58 11 0,53-2 0,-1 1 0,-57 1 0,0-1 0,26-10 0,-27 8 0,1 0 0,31-4 0,437-10 0,-436 21 0,428 0 0,-303-18 0,-49 21 0,146-5 0,-154-17 0,-106 17 0,0 0 0,0-1 0,-1-1 0,1 0 0,-1-1 0,0-1 0,0 0 0,-1-1 0,1 0 0,20-16 0,-10 6 0,1 1 0,0 2 0,28-13 0,-26 15 0,-2-1 0,0-2 0,25-18 0,-35 21 0,36-29 0,72-72 0,-89 77 0,4-5 0,46-62 0,-14 14 0,-48 62 0,0 0 0,-2-1 0,31-57 0,-18 31 0,-25 45 0,-1-1 0,-1-1 0,0 1 0,7-17 0,7-30 0,39-97 0,-45 127 0,7-20 0,-5-12 0,-3-1 0,-2-1 0,4-121 0,3 4 0,-18 115 0,-14-105 0,5 107 0,7 37 0,-2-1 0,0 0 0,-1 1 0,-2 0 0,-1 0 0,-15-34 0,-75-141 0,82 173 0,-2-1 0,-1 2 0,-33-36 0,18 31 0,-64-46 0,94 73 0,-15-10 0,-2 1 0,-39-17 0,-15-8 0,73 36 0,-15-10 0,-1 1 0,-1 1 0,0 0 0,-25-8 0,-34-6 0,-104-26 0,151 44 0,0-3 0,1 0 0,1-2 0,-35-16 0,35 15 0,0 1 0,-1 1 0,0 2 0,-31-4 0,-4-1 0,11 3 0,-64-3 0,64 8 0,-4-4 0,-26-1 0,36 6 0,-66-12 0,23-8 0,64 14 0,1 2 0,-31-3 0,-163-12 0,143 15 0,-70-2 0,36 11 0,-156-4 0,201-7 0,-30-1 0,-886 11 0,778 18 0,81-22 0,-131 6 0,189 4 0,28-2 0,-44 0 0,33-4 0,-67 11 0,48-7 0,53-5 0,0 0 0,0 1 0,0 1 0,0 1 0,1-1 0,-26 10 0,25-7 0,-1-1 0,-1 0 0,1-1 0,0-1 0,-1-1 0,-24 0 0,-39 4 0,37 0 0,-82-3 0,86-3 0,0 2 0,-72 10 0,43-4-1365</inkml:trace>
+</inkml:ink>
+</file>
+
 <file path=ppt/notesMasters/notesMaster1.xml><?xml version="1.0" encoding="utf-8"?>
 <p:notesMaster xmlns:a="http://schemas.openxmlformats.org/drawingml/2006/main" xmlns:r="http://schemas.openxmlformats.org/officeDocument/2006/relationships" xmlns:p="http://schemas.openxmlformats.org/presentationml/2006/main">
   <p:cSld>
@@ -415,7 +502,7 @@
           <a:p>
             <a:fld id="{F666E1FD-E7A0-497B-BBC0-740BAAC97C64}" type="datetimeFigureOut">
               <a:rPr lang="en-PH" smtClean="0"/>
-              <a:t>2/13/24</a:t>
+              <a:t>13/02/2024</a:t>
             </a:fld>
             <a:endParaRPr lang="en-PH"/>
           </a:p>
@@ -1177,6 +1264,258 @@
     </p:spTree>
     <p:extLst>
       <p:ext uri="{BB962C8B-B14F-4D97-AF65-F5344CB8AC3E}">
+        <p14:creationId xmlns:p14="http://schemas.microsoft.com/office/powerpoint/2010/main" val="2549459795"/>
+      </p:ext>
+    </p:extLst>
+  </p:cSld>
+  <p:clrMapOvr>
+    <a:masterClrMapping/>
+  </p:clrMapOvr>
+</p:notes>
+</file>
+
+<file path=ppt/notesSlides/notesSlide15.xml><?xml version="1.0" encoding="utf-8"?>
+<p:notes xmlns:a="http://schemas.openxmlformats.org/drawingml/2006/main" xmlns:r="http://schemas.openxmlformats.org/officeDocument/2006/relationships" xmlns:p="http://schemas.openxmlformats.org/presentationml/2006/main">
+  <p:cSld>
+    <p:spTree>
+      <p:nvGrpSpPr>
+        <p:cNvPr id="1" name=""/>
+        <p:cNvGrpSpPr/>
+        <p:nvPr/>
+      </p:nvGrpSpPr>
+      <p:grpSpPr>
+        <a:xfrm>
+          <a:off x="0" y="0"/>
+          <a:ext cx="0" cy="0"/>
+          <a:chOff x="0" y="0"/>
+          <a:chExt cx="0" cy="0"/>
+        </a:xfrm>
+      </p:grpSpPr>
+      <p:sp>
+        <p:nvSpPr>
+          <p:cNvPr id="2" name="Slide Image Placeholder 1"/>
+          <p:cNvSpPr>
+            <a:spLocks noGrp="1" noRot="1" noChangeAspect="1"/>
+          </p:cNvSpPr>
+          <p:nvPr>
+            <p:ph type="sldImg"/>
+          </p:nvPr>
+        </p:nvSpPr>
+        <p:spPr/>
+      </p:sp>
+      <p:sp>
+        <p:nvSpPr>
+          <p:cNvPr id="3" name="Notes Placeholder 2"/>
+          <p:cNvSpPr>
+            <a:spLocks noGrp="1"/>
+          </p:cNvSpPr>
+          <p:nvPr>
+            <p:ph type="body" idx="1"/>
+          </p:nvPr>
+        </p:nvSpPr>
+        <p:spPr/>
+        <p:txBody>
+          <a:bodyPr/>
+          <a:lstStyle/>
+          <a:p>
+            <a:endParaRPr lang="en-US" dirty="0"/>
+          </a:p>
+        </p:txBody>
+      </p:sp>
+      <p:sp>
+        <p:nvSpPr>
+          <p:cNvPr id="4" name="Slide Number Placeholder 3"/>
+          <p:cNvSpPr>
+            <a:spLocks noGrp="1"/>
+          </p:cNvSpPr>
+          <p:nvPr>
+            <p:ph type="sldNum" sz="quarter" idx="5"/>
+          </p:nvPr>
+        </p:nvSpPr>
+        <p:spPr/>
+        <p:txBody>
+          <a:bodyPr/>
+          <a:lstStyle/>
+          <a:p>
+            <a:fld id="{FE90CCE9-4AAE-4E1F-85AD-521A406D6524}" type="slidenum">
+              <a:rPr lang="en-PH" smtClean="0"/>
+              <a:t>16</a:t>
+            </a:fld>
+            <a:endParaRPr lang="en-PH"/>
+          </a:p>
+        </p:txBody>
+      </p:sp>
+    </p:spTree>
+    <p:extLst>
+      <p:ext uri="{BB962C8B-B14F-4D97-AF65-F5344CB8AC3E}">
+        <p14:creationId xmlns:p14="http://schemas.microsoft.com/office/powerpoint/2010/main" val="3047939321"/>
+      </p:ext>
+    </p:extLst>
+  </p:cSld>
+  <p:clrMapOvr>
+    <a:masterClrMapping/>
+  </p:clrMapOvr>
+</p:notes>
+</file>
+
+<file path=ppt/notesSlides/notesSlide16.xml><?xml version="1.0" encoding="utf-8"?>
+<p:notes xmlns:a="http://schemas.openxmlformats.org/drawingml/2006/main" xmlns:r="http://schemas.openxmlformats.org/officeDocument/2006/relationships" xmlns:p="http://schemas.openxmlformats.org/presentationml/2006/main">
+  <p:cSld>
+    <p:spTree>
+      <p:nvGrpSpPr>
+        <p:cNvPr id="1" name=""/>
+        <p:cNvGrpSpPr/>
+        <p:nvPr/>
+      </p:nvGrpSpPr>
+      <p:grpSpPr>
+        <a:xfrm>
+          <a:off x="0" y="0"/>
+          <a:ext cx="0" cy="0"/>
+          <a:chOff x="0" y="0"/>
+          <a:chExt cx="0" cy="0"/>
+        </a:xfrm>
+      </p:grpSpPr>
+      <p:sp>
+        <p:nvSpPr>
+          <p:cNvPr id="2" name="Slide Image Placeholder 1"/>
+          <p:cNvSpPr>
+            <a:spLocks noGrp="1" noRot="1" noChangeAspect="1"/>
+          </p:cNvSpPr>
+          <p:nvPr>
+            <p:ph type="sldImg"/>
+          </p:nvPr>
+        </p:nvSpPr>
+        <p:spPr/>
+      </p:sp>
+      <p:sp>
+        <p:nvSpPr>
+          <p:cNvPr id="3" name="Notes Placeholder 2"/>
+          <p:cNvSpPr>
+            <a:spLocks noGrp="1"/>
+          </p:cNvSpPr>
+          <p:nvPr>
+            <p:ph type="body" idx="1"/>
+          </p:nvPr>
+        </p:nvSpPr>
+        <p:spPr/>
+        <p:txBody>
+          <a:bodyPr/>
+          <a:lstStyle/>
+          <a:p>
+            <a:endParaRPr lang="en-US" dirty="0"/>
+          </a:p>
+        </p:txBody>
+      </p:sp>
+      <p:sp>
+        <p:nvSpPr>
+          <p:cNvPr id="4" name="Slide Number Placeholder 3"/>
+          <p:cNvSpPr>
+            <a:spLocks noGrp="1"/>
+          </p:cNvSpPr>
+          <p:nvPr>
+            <p:ph type="sldNum" sz="quarter" idx="5"/>
+          </p:nvPr>
+        </p:nvSpPr>
+        <p:spPr/>
+        <p:txBody>
+          <a:bodyPr/>
+          <a:lstStyle/>
+          <a:p>
+            <a:fld id="{FE90CCE9-4AAE-4E1F-85AD-521A406D6524}" type="slidenum">
+              <a:rPr lang="en-PH" smtClean="0"/>
+              <a:t>17</a:t>
+            </a:fld>
+            <a:endParaRPr lang="en-PH"/>
+          </a:p>
+        </p:txBody>
+      </p:sp>
+    </p:spTree>
+    <p:extLst>
+      <p:ext uri="{BB962C8B-B14F-4D97-AF65-F5344CB8AC3E}">
+        <p14:creationId xmlns:p14="http://schemas.microsoft.com/office/powerpoint/2010/main" val="376853142"/>
+      </p:ext>
+    </p:extLst>
+  </p:cSld>
+  <p:clrMapOvr>
+    <a:masterClrMapping/>
+  </p:clrMapOvr>
+</p:notes>
+</file>
+
+<file path=ppt/notesSlides/notesSlide17.xml><?xml version="1.0" encoding="utf-8"?>
+<p:notes xmlns:a="http://schemas.openxmlformats.org/drawingml/2006/main" xmlns:r="http://schemas.openxmlformats.org/officeDocument/2006/relationships" xmlns:p="http://schemas.openxmlformats.org/presentationml/2006/main">
+  <p:cSld>
+    <p:spTree>
+      <p:nvGrpSpPr>
+        <p:cNvPr id="1" name=""/>
+        <p:cNvGrpSpPr/>
+        <p:nvPr/>
+      </p:nvGrpSpPr>
+      <p:grpSpPr>
+        <a:xfrm>
+          <a:off x="0" y="0"/>
+          <a:ext cx="0" cy="0"/>
+          <a:chOff x="0" y="0"/>
+          <a:chExt cx="0" cy="0"/>
+        </a:xfrm>
+      </p:grpSpPr>
+      <p:sp>
+        <p:nvSpPr>
+          <p:cNvPr id="2" name="Slide Image Placeholder 1"/>
+          <p:cNvSpPr>
+            <a:spLocks noGrp="1" noRot="1" noChangeAspect="1"/>
+          </p:cNvSpPr>
+          <p:nvPr>
+            <p:ph type="sldImg"/>
+          </p:nvPr>
+        </p:nvSpPr>
+        <p:spPr/>
+      </p:sp>
+      <p:sp>
+        <p:nvSpPr>
+          <p:cNvPr id="3" name="Notes Placeholder 2"/>
+          <p:cNvSpPr>
+            <a:spLocks noGrp="1"/>
+          </p:cNvSpPr>
+          <p:nvPr>
+            <p:ph type="body" idx="1"/>
+          </p:nvPr>
+        </p:nvSpPr>
+        <p:spPr/>
+        <p:txBody>
+          <a:bodyPr/>
+          <a:lstStyle/>
+          <a:p>
+            <a:endParaRPr lang="en-US" dirty="0"/>
+          </a:p>
+        </p:txBody>
+      </p:sp>
+      <p:sp>
+        <p:nvSpPr>
+          <p:cNvPr id="4" name="Slide Number Placeholder 3"/>
+          <p:cNvSpPr>
+            <a:spLocks noGrp="1"/>
+          </p:cNvSpPr>
+          <p:nvPr>
+            <p:ph type="sldNum" sz="quarter" idx="5"/>
+          </p:nvPr>
+        </p:nvSpPr>
+        <p:spPr/>
+        <p:txBody>
+          <a:bodyPr/>
+          <a:lstStyle/>
+          <a:p>
+            <a:fld id="{FE90CCE9-4AAE-4E1F-85AD-521A406D6524}" type="slidenum">
+              <a:rPr lang="en-PH" smtClean="0"/>
+              <a:t>18</a:t>
+            </a:fld>
+            <a:endParaRPr lang="en-PH"/>
+          </a:p>
+        </p:txBody>
+      </p:sp>
+    </p:spTree>
+    <p:extLst>
+      <p:ext uri="{BB962C8B-B14F-4D97-AF65-F5344CB8AC3E}">
         <p14:creationId xmlns:p14="http://schemas.microsoft.com/office/powerpoint/2010/main" val="2361290569"/>
       </p:ext>
     </p:extLst>
@@ -2008,7 +2347,7 @@
           <a:p>
             <a:fld id="{0CCF0B81-6BD8-4C65-9459-815598C5F1F4}" type="datetimeFigureOut">
               <a:rPr lang="en-PH" smtClean="0"/>
-              <a:t>2/13/24</a:t>
+              <a:t>13/02/2024</a:t>
             </a:fld>
             <a:endParaRPr lang="en-PH"/>
           </a:p>
@@ -2208,7 +2547,7 @@
           <a:p>
             <a:fld id="{0CCF0B81-6BD8-4C65-9459-815598C5F1F4}" type="datetimeFigureOut">
               <a:rPr lang="en-PH" smtClean="0"/>
-              <a:t>2/13/24</a:t>
+              <a:t>13/02/2024</a:t>
             </a:fld>
             <a:endParaRPr lang="en-PH"/>
           </a:p>
@@ -2418,7 +2757,7 @@
           <a:p>
             <a:fld id="{0CCF0B81-6BD8-4C65-9459-815598C5F1F4}" type="datetimeFigureOut">
               <a:rPr lang="en-PH" smtClean="0"/>
-              <a:t>2/13/24</a:t>
+              <a:t>13/02/2024</a:t>
             </a:fld>
             <a:endParaRPr lang="en-PH"/>
           </a:p>
@@ -2618,7 +2957,7 @@
           <a:p>
             <a:fld id="{0CCF0B81-6BD8-4C65-9459-815598C5F1F4}" type="datetimeFigureOut">
               <a:rPr lang="en-PH" smtClean="0"/>
-              <a:t>2/13/24</a:t>
+              <a:t>13/02/2024</a:t>
             </a:fld>
             <a:endParaRPr lang="en-PH"/>
           </a:p>
@@ -2894,7 +3233,7 @@
           <a:p>
             <a:fld id="{0CCF0B81-6BD8-4C65-9459-815598C5F1F4}" type="datetimeFigureOut">
               <a:rPr lang="en-PH" smtClean="0"/>
-              <a:t>2/13/24</a:t>
+              <a:t>13/02/2024</a:t>
             </a:fld>
             <a:endParaRPr lang="en-PH"/>
           </a:p>
@@ -3162,7 +3501,7 @@
           <a:p>
             <a:fld id="{0CCF0B81-6BD8-4C65-9459-815598C5F1F4}" type="datetimeFigureOut">
               <a:rPr lang="en-PH" smtClean="0"/>
-              <a:t>2/13/24</a:t>
+              <a:t>13/02/2024</a:t>
             </a:fld>
             <a:endParaRPr lang="en-PH"/>
           </a:p>
@@ -3577,7 +3916,7 @@
           <a:p>
             <a:fld id="{0CCF0B81-6BD8-4C65-9459-815598C5F1F4}" type="datetimeFigureOut">
               <a:rPr lang="en-PH" smtClean="0"/>
-              <a:t>2/13/24</a:t>
+              <a:t>13/02/2024</a:t>
             </a:fld>
             <a:endParaRPr lang="en-PH"/>
           </a:p>
@@ -3719,7 +4058,7 @@
           <a:p>
             <a:fld id="{0CCF0B81-6BD8-4C65-9459-815598C5F1F4}" type="datetimeFigureOut">
               <a:rPr lang="en-PH" smtClean="0"/>
-              <a:t>2/13/24</a:t>
+              <a:t>13/02/2024</a:t>
             </a:fld>
             <a:endParaRPr lang="en-PH"/>
           </a:p>
@@ -3832,7 +4171,7 @@
           <a:p>
             <a:fld id="{0CCF0B81-6BD8-4C65-9459-815598C5F1F4}" type="datetimeFigureOut">
               <a:rPr lang="en-PH" smtClean="0"/>
-              <a:t>2/13/24</a:t>
+              <a:t>13/02/2024</a:t>
             </a:fld>
             <a:endParaRPr lang="en-PH"/>
           </a:p>
@@ -4145,7 +4484,7 @@
           <a:p>
             <a:fld id="{0CCF0B81-6BD8-4C65-9459-815598C5F1F4}" type="datetimeFigureOut">
               <a:rPr lang="en-PH" smtClean="0"/>
-              <a:t>2/13/24</a:t>
+              <a:t>13/02/2024</a:t>
             </a:fld>
             <a:endParaRPr lang="en-PH"/>
           </a:p>
@@ -4434,7 +4773,7 @@
           <a:p>
             <a:fld id="{0CCF0B81-6BD8-4C65-9459-815598C5F1F4}" type="datetimeFigureOut">
               <a:rPr lang="en-PH" smtClean="0"/>
-              <a:t>2/13/24</a:t>
+              <a:t>13/02/2024</a:t>
             </a:fld>
             <a:endParaRPr lang="en-PH"/>
           </a:p>
@@ -4677,7 +5016,7 @@
           <a:p>
             <a:fld id="{0CCF0B81-6BD8-4C65-9459-815598C5F1F4}" type="datetimeFigureOut">
               <a:rPr lang="en-PH" smtClean="0"/>
-              <a:t>2/13/24</a:t>
+              <a:t>13/02/2024</a:t>
             </a:fld>
             <a:endParaRPr lang="en-PH"/>
           </a:p>
@@ -5487,7 +5826,7 @@
         </p:nvSpPr>
         <p:spPr>
           <a:xfrm>
-            <a:off x="83526" y="2707689"/>
+            <a:off x="2902419" y="2547930"/>
             <a:ext cx="1524001" cy="461665"/>
           </a:xfrm>
           <a:prstGeom prst="rect">
@@ -5527,7 +5866,7 @@
         </p:nvSpPr>
         <p:spPr>
           <a:xfrm>
-            <a:off x="10511" y="4429356"/>
+            <a:off x="2902419" y="4201972"/>
             <a:ext cx="1604675" cy="461665"/>
           </a:xfrm>
           <a:prstGeom prst="rect">
@@ -5567,8 +5906,8 @@
         </p:nvSpPr>
         <p:spPr>
           <a:xfrm>
-            <a:off x="2902419" y="2265320"/>
-            <a:ext cx="9142438" cy="1323439"/>
+            <a:off x="5721312" y="2105561"/>
+            <a:ext cx="2760555" cy="1323439"/>
           </a:xfrm>
           <a:prstGeom prst="rect">
             <a:avLst/>
@@ -5583,7 +5922,7 @@
           <a:p>
             <a:r>
               <a:rPr lang="en-PH" sz="8000" dirty="0"/>
-              <a:t>0000 0000 0000 0000</a:t>
+              <a:t>00000</a:t>
             </a:r>
             <a:endParaRPr lang="en-US" sz="8000" dirty="0"/>
           </a:p>
@@ -5603,8 +5942,8 @@
         </p:nvSpPr>
         <p:spPr>
           <a:xfrm>
-            <a:off x="2902419" y="3986987"/>
-            <a:ext cx="9142438" cy="1323439"/>
+            <a:off x="5794327" y="3759603"/>
+            <a:ext cx="2911904" cy="1323439"/>
           </a:xfrm>
           <a:prstGeom prst="rect">
             <a:avLst/>
@@ -5619,7 +5958,7 @@
           <a:p>
             <a:r>
               <a:rPr lang="en-PH" sz="8000" dirty="0"/>
-              <a:t>1111 1111 1111 1111</a:t>
+              <a:t>11111</a:t>
             </a:r>
             <a:endParaRPr lang="en-US" sz="8000" dirty="0"/>
           </a:p>
@@ -5639,7 +5978,7 @@
         </p:nvSpPr>
         <p:spPr>
           <a:xfrm>
-            <a:off x="1837914" y="2696206"/>
+            <a:off x="4656807" y="2536447"/>
             <a:ext cx="978408" cy="484632"/>
           </a:xfrm>
           <a:prstGeom prst="rightArrow">
@@ -5683,7 +6022,7 @@
         </p:nvSpPr>
         <p:spPr>
           <a:xfrm>
-            <a:off x="1837914" y="4406389"/>
+            <a:off x="4729822" y="4179005"/>
             <a:ext cx="978408" cy="484632"/>
           </a:xfrm>
           <a:prstGeom prst="rightArrow">
@@ -7412,8 +7751,8 @@
         </p:nvSpPr>
         <p:spPr>
           <a:xfrm>
-            <a:off x="2590356" y="1898412"/>
-            <a:ext cx="9142438" cy="1323439"/>
+            <a:off x="5697281" y="1852015"/>
+            <a:ext cx="2928587" cy="1323439"/>
           </a:xfrm>
           <a:prstGeom prst="rect">
             <a:avLst/>
@@ -7428,7 +7767,7 @@
           <a:p>
             <a:r>
               <a:rPr lang="en-PH" sz="8000" dirty="0"/>
-              <a:t>0000 0000 0000 1101</a:t>
+              <a:t>01101</a:t>
             </a:r>
             <a:endParaRPr lang="en-US" sz="8000" dirty="0"/>
           </a:p>
@@ -7488,8 +7827,8 @@
         </p:nvSpPr>
         <p:spPr>
           <a:xfrm>
-            <a:off x="2590356" y="4125354"/>
-            <a:ext cx="9142438" cy="1323439"/>
+            <a:off x="5741930" y="4165065"/>
+            <a:ext cx="2839288" cy="1323439"/>
           </a:xfrm>
           <a:prstGeom prst="rect">
             <a:avLst/>
@@ -7504,7 +7843,7 @@
           <a:p>
             <a:r>
               <a:rPr lang="en-PH" sz="8000" dirty="0"/>
-              <a:t>1111 1111 1111 0010</a:t>
+              <a:t>10010</a:t>
             </a:r>
             <a:endParaRPr lang="en-US" sz="8000" dirty="0"/>
           </a:p>
@@ -7524,7 +7863,7 @@
         </p:nvSpPr>
         <p:spPr>
           <a:xfrm>
-            <a:off x="6919259" y="3146946"/>
+            <a:off x="6893315" y="3197351"/>
             <a:ext cx="484632" cy="978408"/>
           </a:xfrm>
           <a:prstGeom prst="downArrow">
@@ -7568,7 +7907,7 @@
         </p:nvSpPr>
         <p:spPr>
           <a:xfrm>
-            <a:off x="11237570" y="2981010"/>
+            <a:off x="8034017" y="2888216"/>
             <a:ext cx="301686" cy="369332"/>
           </a:xfrm>
           <a:prstGeom prst="rect">
@@ -7607,7 +7946,7 @@
         </p:nvSpPr>
         <p:spPr>
           <a:xfrm>
-            <a:off x="10742346" y="2981010"/>
+            <a:off x="7469802" y="2878349"/>
             <a:ext cx="301686" cy="369332"/>
           </a:xfrm>
           <a:prstGeom prst="rect">
@@ -7646,7 +7985,7 @@
         </p:nvSpPr>
         <p:spPr>
           <a:xfrm>
-            <a:off x="10171995" y="2981010"/>
+            <a:off x="6968442" y="2888216"/>
             <a:ext cx="301686" cy="369332"/>
           </a:xfrm>
           <a:prstGeom prst="rect">
@@ -7685,7 +8024,7 @@
         </p:nvSpPr>
         <p:spPr>
           <a:xfrm>
-            <a:off x="9601644" y="2981010"/>
+            <a:off x="6398091" y="2888216"/>
             <a:ext cx="301686" cy="369332"/>
           </a:xfrm>
           <a:prstGeom prst="rect">
@@ -7710,14 +8049,53 @@
           </a:p>
         </p:txBody>
       </p:sp>
-      <mc:AlternateContent xmlns:mc="http://schemas.openxmlformats.org/markup-compatibility/2006" xmlns:p14="http://schemas.microsoft.com/office/powerpoint/2010/main">
-        <mc:Choice Requires="p14">
+      <p:sp>
+        <p:nvSpPr>
+          <p:cNvPr id="4" name="TextBox 3">
+            <a:extLst>
+              <a:ext uri="{FF2B5EF4-FFF2-40B4-BE49-F238E27FC236}">
+                <a16:creationId xmlns:a16="http://schemas.microsoft.com/office/drawing/2014/main" id="{FF99C748-7AB7-F34A-E28D-839EF4247F54}"/>
+              </a:ext>
+            </a:extLst>
+          </p:cNvPr>
+          <p:cNvSpPr txBox="1"/>
+          <p:nvPr/>
+        </p:nvSpPr>
+        <p:spPr>
+          <a:xfrm>
+            <a:off x="5875801" y="2888216"/>
+            <a:ext cx="418704" cy="369332"/>
+          </a:xfrm>
+          <a:prstGeom prst="rect">
+            <a:avLst/>
+          </a:prstGeom>
+          <a:noFill/>
+        </p:spPr>
+        <p:txBody>
+          <a:bodyPr wrap="none" rtlCol="0">
+            <a:spAutoFit/>
+          </a:bodyPr>
+          <a:lstStyle/>
+          <a:p>
+            <a:r>
+              <a:rPr lang="en-US" b="1" dirty="0">
+                <a:solidFill>
+                  <a:srgbClr val="FF0000"/>
+                </a:solidFill>
+              </a:rPr>
+              <a:t>16</a:t>
+            </a:r>
+          </a:p>
+        </p:txBody>
+      </p:sp>
+      <mc:AlternateContent xmlns:mc="http://schemas.openxmlformats.org/markup-compatibility/2006">
+        <mc:Choice xmlns:p14="http://schemas.microsoft.com/office/powerpoint/2010/main" Requires="p14">
           <p:contentPart p14:bwMode="auto" r:id="rId4">
             <p14:nvContentPartPr>
-              <p14:cNvPr id="18" name="Ink 17">
+              <p14:cNvPr id="7" name="Ink 6">
                 <a:extLst>
                   <a:ext uri="{FF2B5EF4-FFF2-40B4-BE49-F238E27FC236}">
-                    <a16:creationId xmlns:a16="http://schemas.microsoft.com/office/drawing/2014/main" id="{31309902-4ABF-7E0D-6204-B9482CA1242E}"/>
+                    <a16:creationId xmlns:a16="http://schemas.microsoft.com/office/drawing/2014/main" id="{F2EBAC59-B1B9-885C-0A51-2C0065B9E9A9}"/>
                   </a:ext>
                 </a:extLst>
               </p14:cNvPr>
@@ -7725,18 +8103,18 @@
               <p14:nvPr/>
             </p14:nvContentPartPr>
             <p14:xfrm>
-              <a:off x="1932658" y="4094156"/>
-              <a:ext cx="9767160" cy="1806120"/>
+              <a:off x="5459201" y="4275397"/>
+              <a:ext cx="3552840" cy="1369800"/>
             </p14:xfrm>
           </p:contentPart>
         </mc:Choice>
-        <mc:Fallback xmlns="">
+        <mc:Fallback>
           <p:pic>
             <p:nvPicPr>
-              <p:cNvPr id="18" name="Ink 17">
+              <p:cNvPr id="7" name="Ink 6">
                 <a:extLst>
                   <a:ext uri="{FF2B5EF4-FFF2-40B4-BE49-F238E27FC236}">
-                    <a16:creationId xmlns:a16="http://schemas.microsoft.com/office/drawing/2014/main" id="{31309902-4ABF-7E0D-6204-B9482CA1242E}"/>
+                    <a16:creationId xmlns:a16="http://schemas.microsoft.com/office/drawing/2014/main" id="{F2EBAC59-B1B9-885C-0A51-2C0065B9E9A9}"/>
                   </a:ext>
                 </a:extLst>
               </p:cNvPr>
@@ -7751,8 +8129,8 @@
             </p:blipFill>
             <p:spPr>
               <a:xfrm>
-                <a:off x="1897018" y="4058156"/>
-                <a:ext cx="9838800" cy="1877760"/>
+                <a:off x="5441561" y="4257757"/>
+                <a:ext cx="3588480" cy="1405440"/>
               </a:xfrm>
               <a:prstGeom prst="rect">
                 <a:avLst/>
@@ -7964,7 +8342,7 @@
                                           </p:stCondLst>
                                         </p:cTn>
                                         <p:tgtEl>
-                                          <p:spTgt spid="18"/>
+                                          <p:spTgt spid="7"/>
                                         </p:tgtEl>
                                         <p:attrNameLst>
                                           <p:attrName>style.visibility</p:attrName>
@@ -7978,7 +8356,7 @@
                                       <p:cBhvr>
                                         <p:cTn id="22" dur="2000" fill="hold"/>
                                         <p:tgtEl>
-                                          <p:spTgt spid="18"/>
+                                          <p:spTgt spid="7"/>
                                         </p:tgtEl>
                                         <p:attrNameLst>
                                           <p:attrName>drawProgress</p:attrName>
@@ -8170,8 +8548,8 @@
         </p:nvSpPr>
         <p:spPr>
           <a:xfrm>
-            <a:off x="0" y="2236965"/>
-            <a:ext cx="2453973" cy="646331"/>
+            <a:off x="504498" y="2195539"/>
+            <a:ext cx="3185492" cy="830997"/>
           </a:xfrm>
           <a:prstGeom prst="rect">
             <a:avLst/>
@@ -8186,11 +8564,11 @@
           <a:p>
             <a:pPr algn="ctr"/>
             <a:r>
-              <a:rPr lang="en-PH" b="1" dirty="0"/>
+              <a:rPr lang="en-PH" sz="2400" b="1" dirty="0"/>
               <a:t>Step 2</a:t>
             </a:r>
             <a:r>
-              <a:rPr lang="en-PH" dirty="0"/>
+              <a:rPr lang="en-PH" sz="2400" dirty="0"/>
               <a:t>: Add one to the rightmost bit</a:t>
             </a:r>
           </a:p>
@@ -8210,8 +8588,8 @@
         </p:nvSpPr>
         <p:spPr>
           <a:xfrm>
-            <a:off x="2590356" y="1872971"/>
-            <a:ext cx="9142438" cy="1323439"/>
+            <a:off x="5390312" y="1862387"/>
+            <a:ext cx="2839288" cy="1323439"/>
           </a:xfrm>
           <a:prstGeom prst="rect">
             <a:avLst/>
@@ -8226,7 +8604,7 @@
           <a:p>
             <a:r>
               <a:rPr lang="en-PH" sz="8000" dirty="0"/>
-              <a:t>1111 1111 1111 0010</a:t>
+              <a:t>10010</a:t>
             </a:r>
             <a:endParaRPr lang="en-US" sz="8000" dirty="0"/>
           </a:p>
@@ -8246,7 +8624,7 @@
         </p:nvSpPr>
         <p:spPr>
           <a:xfrm>
-            <a:off x="11025352" y="2942652"/>
+            <a:off x="7522158" y="2716701"/>
             <a:ext cx="707442" cy="1323439"/>
           </a:xfrm>
           <a:prstGeom prst="rect">
@@ -8282,8 +8660,8 @@
         </p:nvSpPr>
         <p:spPr>
           <a:xfrm>
-            <a:off x="2453973" y="3429000"/>
-            <a:ext cx="9275823" cy="1323439"/>
+            <a:off x="4931454" y="3246529"/>
+            <a:ext cx="3298146" cy="1323439"/>
           </a:xfrm>
           <a:prstGeom prst="rect">
             <a:avLst/>
@@ -8298,7 +8676,7 @@
           <a:p>
             <a:r>
               <a:rPr lang="en-PH" sz="8000" dirty="0"/>
-              <a:t>-----------------------------</a:t>
+              <a:t>----------</a:t>
             </a:r>
             <a:endParaRPr lang="en-US" sz="8000" dirty="0"/>
           </a:p>
@@ -8318,7 +8696,7 @@
         </p:nvSpPr>
         <p:spPr>
           <a:xfrm>
-            <a:off x="1989517" y="3299460"/>
+            <a:off x="4587288" y="3100488"/>
             <a:ext cx="707443" cy="657024"/>
           </a:xfrm>
           <a:prstGeom prst="mathPlus">
@@ -8362,8 +8740,8 @@
         </p:nvSpPr>
         <p:spPr>
           <a:xfrm>
-            <a:off x="2696961" y="4477635"/>
-            <a:ext cx="9142438" cy="1323439"/>
+            <a:off x="5490906" y="3855437"/>
+            <a:ext cx="2883736" cy="1323439"/>
           </a:xfrm>
           <a:prstGeom prst="rect">
             <a:avLst/>
@@ -8378,20 +8756,20 @@
           <a:p>
             <a:r>
               <a:rPr lang="en-PH" sz="8000" dirty="0"/>
-              <a:t>1111 1111 1111 0011</a:t>
+              <a:t>10011</a:t>
             </a:r>
             <a:endParaRPr lang="en-US" sz="8000" dirty="0"/>
           </a:p>
         </p:txBody>
       </p:sp>
-      <mc:AlternateContent xmlns:mc="http://schemas.openxmlformats.org/markup-compatibility/2006" xmlns:p14="http://schemas.microsoft.com/office/powerpoint/2010/main">
-        <mc:Choice Requires="p14">
+      <mc:AlternateContent xmlns:mc="http://schemas.openxmlformats.org/markup-compatibility/2006">
+        <mc:Choice xmlns:p14="http://schemas.microsoft.com/office/powerpoint/2010/main" Requires="p14">
           <p:contentPart p14:bwMode="auto" r:id="rId4">
             <p14:nvContentPartPr>
-              <p14:cNvPr id="4" name="Ink 3">
+              <p14:cNvPr id="14" name="Ink 13">
                 <a:extLst>
                   <a:ext uri="{FF2B5EF4-FFF2-40B4-BE49-F238E27FC236}">
-                    <a16:creationId xmlns:a16="http://schemas.microsoft.com/office/drawing/2014/main" id="{ECE92F81-66CD-82AC-A239-947039BE6C14}"/>
+                    <a16:creationId xmlns:a16="http://schemas.microsoft.com/office/drawing/2014/main" id="{9CA5B790-0FD0-B15D-4606-1CD2F3425526}"/>
                   </a:ext>
                 </a:extLst>
               </p14:cNvPr>
@@ -8399,18 +8777,18 @@
               <p14:nvPr/>
             </p14:nvContentPartPr>
             <p14:xfrm>
-              <a:off x="2780280" y="5638916"/>
-              <a:ext cx="8863920" cy="241200"/>
+              <a:off x="5025761" y="4052557"/>
+              <a:ext cx="3538800" cy="1182600"/>
             </p14:xfrm>
           </p:contentPart>
         </mc:Choice>
-        <mc:Fallback xmlns="">
+        <mc:Fallback>
           <p:pic>
             <p:nvPicPr>
-              <p:cNvPr id="4" name="Ink 3">
+              <p:cNvPr id="14" name="Ink 13">
                 <a:extLst>
                   <a:ext uri="{FF2B5EF4-FFF2-40B4-BE49-F238E27FC236}">
-                    <a16:creationId xmlns:a16="http://schemas.microsoft.com/office/drawing/2014/main" id="{ECE92F81-66CD-82AC-A239-947039BE6C14}"/>
+                    <a16:creationId xmlns:a16="http://schemas.microsoft.com/office/drawing/2014/main" id="{9CA5B790-0FD0-B15D-4606-1CD2F3425526}"/>
                   </a:ext>
                 </a:extLst>
               </p:cNvPr>
@@ -8425,110 +8803,8 @@
             </p:blipFill>
             <p:spPr>
               <a:xfrm>
-                <a:off x="2744280" y="5602916"/>
-                <a:ext cx="8935560" cy="312840"/>
-              </a:xfrm>
-              <a:prstGeom prst="rect">
-                <a:avLst/>
-              </a:prstGeom>
-            </p:spPr>
-          </p:pic>
-        </mc:Fallback>
-      </mc:AlternateContent>
-      <mc:AlternateContent xmlns:mc="http://schemas.openxmlformats.org/markup-compatibility/2006" xmlns:p14="http://schemas.microsoft.com/office/powerpoint/2010/main">
-        <mc:Choice Requires="p14">
-          <p:contentPart p14:bwMode="auto" r:id="rId6">
-            <p14:nvContentPartPr>
-              <p14:cNvPr id="11" name="Ink 10">
-                <a:extLst>
-                  <a:ext uri="{FF2B5EF4-FFF2-40B4-BE49-F238E27FC236}">
-                    <a16:creationId xmlns:a16="http://schemas.microsoft.com/office/drawing/2014/main" id="{65C41539-1D46-FF6A-F050-23D85C71B953}"/>
-                  </a:ext>
-                </a:extLst>
-              </p14:cNvPr>
-              <p14:cNvContentPartPr/>
-              <p14:nvPr/>
-            </p14:nvContentPartPr>
-            <p14:xfrm>
-              <a:off x="6060960" y="5981276"/>
-              <a:ext cx="3125520" cy="64800"/>
-            </p14:xfrm>
-          </p:contentPart>
-        </mc:Choice>
-        <mc:Fallback xmlns="">
-          <p:pic>
-            <p:nvPicPr>
-              <p:cNvPr id="11" name="Ink 10">
-                <a:extLst>
-                  <a:ext uri="{FF2B5EF4-FFF2-40B4-BE49-F238E27FC236}">
-                    <a16:creationId xmlns:a16="http://schemas.microsoft.com/office/drawing/2014/main" id="{65C41539-1D46-FF6A-F050-23D85C71B953}"/>
-                  </a:ext>
-                </a:extLst>
-              </p:cNvPr>
-              <p:cNvPicPr/>
-              <p:nvPr/>
-            </p:nvPicPr>
-            <p:blipFill>
-              <a:blip r:embed="rId7"/>
-              <a:stretch>
-                <a:fillRect/>
-              </a:stretch>
-            </p:blipFill>
-            <p:spPr>
-              <a:xfrm>
-                <a:off x="6024960" y="5945276"/>
-                <a:ext cx="3197160" cy="136440"/>
-              </a:xfrm>
-              <a:prstGeom prst="rect">
-                <a:avLst/>
-              </a:prstGeom>
-            </p:spPr>
-          </p:pic>
-        </mc:Fallback>
-      </mc:AlternateContent>
-      <mc:AlternateContent xmlns:mc="http://schemas.openxmlformats.org/markup-compatibility/2006" xmlns:p14="http://schemas.microsoft.com/office/powerpoint/2010/main">
-        <mc:Choice Requires="p14">
-          <p:contentPart p14:bwMode="auto" r:id="rId8">
-            <p14:nvContentPartPr>
-              <p14:cNvPr id="12" name="Ink 11">
-                <a:extLst>
-                  <a:ext uri="{FF2B5EF4-FFF2-40B4-BE49-F238E27FC236}">
-                    <a16:creationId xmlns:a16="http://schemas.microsoft.com/office/drawing/2014/main" id="{4AE0448A-4333-BE25-4B70-79C050234FA3}"/>
-                  </a:ext>
-                </a:extLst>
-              </p14:cNvPr>
-              <p14:cNvContentPartPr/>
-              <p14:nvPr/>
-            </p14:nvContentPartPr>
-            <p14:xfrm>
-              <a:off x="7103880" y="6282236"/>
-              <a:ext cx="1851840" cy="27000"/>
-            </p14:xfrm>
-          </p:contentPart>
-        </mc:Choice>
-        <mc:Fallback xmlns="">
-          <p:pic>
-            <p:nvPicPr>
-              <p:cNvPr id="12" name="Ink 11">
-                <a:extLst>
-                  <a:ext uri="{FF2B5EF4-FFF2-40B4-BE49-F238E27FC236}">
-                    <a16:creationId xmlns:a16="http://schemas.microsoft.com/office/drawing/2014/main" id="{4AE0448A-4333-BE25-4B70-79C050234FA3}"/>
-                  </a:ext>
-                </a:extLst>
-              </p:cNvPr>
-              <p:cNvPicPr/>
-              <p:nvPr/>
-            </p:nvPicPr>
-            <p:blipFill>
-              <a:blip r:embed="rId9"/>
-              <a:stretch>
-                <a:fillRect/>
-              </a:stretch>
-            </p:blipFill>
-            <p:spPr>
-              <a:xfrm>
-                <a:off x="7067880" y="6246236"/>
-                <a:ext cx="1923480" cy="98640"/>
+                <a:off x="5008121" y="4034917"/>
+                <a:ext cx="3574440" cy="1218240"/>
               </a:xfrm>
               <a:prstGeom prst="rect">
                 <a:avLst/>
@@ -8810,7 +9086,7 @@
                                           </p:stCondLst>
                                         </p:cTn>
                                         <p:tgtEl>
-                                          <p:spTgt spid="4"/>
+                                          <p:spTgt spid="14"/>
                                         </p:tgtEl>
                                         <p:attrNameLst>
                                           <p:attrName>style.visibility</p:attrName>
@@ -8824,143 +9100,7 @@
                                       <p:cBhvr>
                                         <p:cTn id="28" dur="2000" fill="hold"/>
                                         <p:tgtEl>
-                                          <p:spTgt spid="4"/>
-                                        </p:tgtEl>
-                                        <p:attrNameLst>
-                                          <p:attrName>drawProgress</p:attrName>
-                                        </p:attrNameLst>
-                                      </p:cBhvr>
-                                      <p:tavLst>
-                                        <p:tav tm="0">
-                                          <p:val>
-                                            <p:fltVal val="0"/>
-                                          </p:val>
-                                        </p:tav>
-                                        <p:tav tm="100000">
-                                          <p:val>
-                                            <p:fltVal val="1"/>
-                                          </p:val>
-                                        </p:tav>
-                                      </p:tavLst>
-                                    </p:anim>
-                                  </p:childTnLst>
-                                </p:cTn>
-                              </p:par>
-                            </p:childTnLst>
-                          </p:cTn>
-                        </p:par>
-                      </p:childTnLst>
-                    </p:cTn>
-                  </p:par>
-                  <p:par>
-                    <p:cTn id="29" fill="hold">
-                      <p:stCondLst>
-                        <p:cond delay="indefinite"/>
-                      </p:stCondLst>
-                      <p:childTnLst>
-                        <p:par>
-                          <p:cTn id="30" fill="hold">
-                            <p:stCondLst>
-                              <p:cond delay="0"/>
-                            </p:stCondLst>
-                            <p:childTnLst>
-                              <p:par>
-                                <p:cTn id="31" presetID="63" presetClass="entr" presetSubtype="0" fill="hold" nodeType="clickEffect">
-                                  <p:stCondLst>
-                                    <p:cond delay="0"/>
-                                  </p:stCondLst>
-                                  <p:childTnLst>
-                                    <p:set>
-                                      <p:cBhvr>
-                                        <p:cTn id="32" dur="1" fill="hold">
-                                          <p:stCondLst>
-                                            <p:cond delay="0"/>
-                                          </p:stCondLst>
-                                        </p:cTn>
-                                        <p:tgtEl>
-                                          <p:spTgt spid="11"/>
-                                        </p:tgtEl>
-                                        <p:attrNameLst>
-                                          <p:attrName>style.visibility</p:attrName>
-                                        </p:attrNameLst>
-                                      </p:cBhvr>
-                                      <p:to>
-                                        <p:strVal val="visible"/>
-                                      </p:to>
-                                    </p:set>
-                                    <p:anim calcmode="lin" valueType="num">
-                                      <p:cBhvr>
-                                        <p:cTn id="33" dur="2000" fill="hold"/>
-                                        <p:tgtEl>
-                                          <p:spTgt spid="11"/>
-                                        </p:tgtEl>
-                                        <p:attrNameLst>
-                                          <p:attrName>drawProgress</p:attrName>
-                                        </p:attrNameLst>
-                                      </p:cBhvr>
-                                      <p:tavLst>
-                                        <p:tav tm="0">
-                                          <p:val>
-                                            <p:fltVal val="0"/>
-                                          </p:val>
-                                        </p:tav>
-                                        <p:tav tm="100000">
-                                          <p:val>
-                                            <p:fltVal val="1"/>
-                                          </p:val>
-                                        </p:tav>
-                                      </p:tavLst>
-                                    </p:anim>
-                                  </p:childTnLst>
-                                </p:cTn>
-                              </p:par>
-                            </p:childTnLst>
-                          </p:cTn>
-                        </p:par>
-                      </p:childTnLst>
-                    </p:cTn>
-                  </p:par>
-                  <p:par>
-                    <p:cTn id="34" fill="hold">
-                      <p:stCondLst>
-                        <p:cond delay="indefinite"/>
-                      </p:stCondLst>
-                      <p:childTnLst>
-                        <p:par>
-                          <p:cTn id="35" fill="hold">
-                            <p:stCondLst>
-                              <p:cond delay="0"/>
-                            </p:stCondLst>
-                            <p:childTnLst>
-                              <p:par>
-                                <p:cTn id="36" presetID="63" presetClass="entr" presetSubtype="0" fill="hold" nodeType="clickEffect">
-                                  <p:stCondLst>
-                                    <p:cond delay="0"/>
-                                  </p:stCondLst>
-                                  <p:childTnLst>
-                                    <p:set>
-                                      <p:cBhvr>
-                                        <p:cTn id="37" dur="1" fill="hold">
-                                          <p:stCondLst>
-                                            <p:cond delay="0"/>
-                                          </p:stCondLst>
-                                        </p:cTn>
-                                        <p:tgtEl>
-                                          <p:spTgt spid="12"/>
-                                        </p:tgtEl>
-                                        <p:attrNameLst>
-                                          <p:attrName>style.visibility</p:attrName>
-                                        </p:attrNameLst>
-                                      </p:cBhvr>
-                                      <p:to>
-                                        <p:strVal val="visible"/>
-                                      </p:to>
-                                    </p:set>
-                                    <p:anim calcmode="lin" valueType="num">
-                                      <p:cBhvr>
-                                        <p:cTn id="38" dur="2000" fill="hold"/>
-                                        <p:tgtEl>
-                                          <p:spTgt spid="12"/>
+                                          <p:spTgt spid="14"/>
                                         </p:tgtEl>
                                         <p:attrNameLst>
                                           <p:attrName>drawProgress</p:attrName>
@@ -10457,8 +10597,8 @@
           </a:fontRef>
         </p:style>
       </p:cxnSp>
-      <mc:AlternateContent xmlns:mc="http://schemas.openxmlformats.org/markup-compatibility/2006" xmlns:a14="http://schemas.microsoft.com/office/drawing/2010/main">
-        <mc:Choice Requires="a14">
+      <mc:AlternateContent xmlns:mc="http://schemas.openxmlformats.org/markup-compatibility/2006">
+        <mc:Choice xmlns:a14="http://schemas.microsoft.com/office/drawing/2010/main" Requires="a14">
           <p:sp>
             <p:nvSpPr>
               <p:cNvPr id="15" name="TextBox 14">
@@ -10528,7 +10668,7 @@
             </p:txBody>
           </p:sp>
         </mc:Choice>
-        <mc:Fallback xmlns="">
+        <mc:Fallback>
           <p:sp>
             <p:nvSpPr>
               <p:cNvPr id="15" name="TextBox 14">
@@ -10554,7 +10694,7 @@
               <a:blipFill>
                 <a:blip r:embed="rId4"/>
                 <a:stretch>
-                  <a:fillRect l="-2614" t="-6061" r="-1307" b="-24242"/>
+                  <a:fillRect l="-3165" t="-9231" r="-1582" b="-27692"/>
                 </a:stretch>
               </a:blipFill>
             </p:spPr>
@@ -10563,7 +10703,7 @@
               <a:lstStyle/>
               <a:p>
                 <a:r>
-                  <a:rPr lang="en-US">
+                  <a:rPr lang="en-PH">
                     <a:noFill/>
                   </a:rPr>
                   <a:t> </a:t>
@@ -10617,8 +10757,8 @@
           </a:fontRef>
         </p:style>
       </p:cxnSp>
-      <mc:AlternateContent xmlns:mc="http://schemas.openxmlformats.org/markup-compatibility/2006" xmlns:a14="http://schemas.microsoft.com/office/drawing/2010/main">
-        <mc:Choice Requires="a14">
+      <mc:AlternateContent xmlns:mc="http://schemas.openxmlformats.org/markup-compatibility/2006">
+        <mc:Choice xmlns:a14="http://schemas.microsoft.com/office/drawing/2010/main" Requires="a14">
           <p:sp>
             <p:nvSpPr>
               <p:cNvPr id="20" name="TextBox 19">
@@ -10688,7 +10828,7 @@
             </p:txBody>
           </p:sp>
         </mc:Choice>
-        <mc:Fallback xmlns="">
+        <mc:Fallback>
           <p:sp>
             <p:nvSpPr>
               <p:cNvPr id="20" name="TextBox 19">
@@ -10714,7 +10854,7 @@
               <a:blipFill>
                 <a:blip r:embed="rId5"/>
                 <a:stretch>
-                  <a:fillRect l="-2614" t="-9091" r="-1307" b="-24242"/>
+                  <a:fillRect l="-3165" t="-9091" r="-1266" b="-25758"/>
                 </a:stretch>
               </a:blipFill>
             </p:spPr>
@@ -10723,7 +10863,7 @@
               <a:lstStyle/>
               <a:p>
                 <a:r>
-                  <a:rPr lang="en-US">
+                  <a:rPr lang="en-PH">
                     <a:noFill/>
                   </a:rPr>
                   <a:t> </a:t>
@@ -10777,8 +10917,8 @@
           </a:fontRef>
         </p:style>
       </p:cxnSp>
-      <mc:AlternateContent xmlns:mc="http://schemas.openxmlformats.org/markup-compatibility/2006" xmlns:a14="http://schemas.microsoft.com/office/drawing/2010/main">
-        <mc:Choice Requires="a14">
+      <mc:AlternateContent xmlns:mc="http://schemas.openxmlformats.org/markup-compatibility/2006">
+        <mc:Choice xmlns:a14="http://schemas.microsoft.com/office/drawing/2010/main" Requires="a14">
           <p:sp>
             <p:nvSpPr>
               <p:cNvPr id="27" name="TextBox 26">
@@ -10848,7 +10988,7 @@
             </p:txBody>
           </p:sp>
         </mc:Choice>
-        <mc:Fallback xmlns="">
+        <mc:Fallback>
           <p:sp>
             <p:nvSpPr>
               <p:cNvPr id="27" name="TextBox 26">
@@ -10874,7 +11014,7 @@
               <a:blipFill>
                 <a:blip r:embed="rId6"/>
                 <a:stretch>
-                  <a:fillRect l="-2614" t="-9375" r="-1307" b="-28125"/>
+                  <a:fillRect l="-3165" t="-9231" r="-1582" b="-27692"/>
                 </a:stretch>
               </a:blipFill>
             </p:spPr>
@@ -10883,7 +11023,7 @@
               <a:lstStyle/>
               <a:p>
                 <a:r>
-                  <a:rPr lang="en-US">
+                  <a:rPr lang="en-PH">
                     <a:noFill/>
                   </a:rPr>
                   <a:t> </a:t>
@@ -10937,8 +11077,8 @@
           </a:fontRef>
         </p:style>
       </p:cxnSp>
-      <mc:AlternateContent xmlns:mc="http://schemas.openxmlformats.org/markup-compatibility/2006" xmlns:a14="http://schemas.microsoft.com/office/drawing/2010/main">
-        <mc:Choice Requires="a14">
+      <mc:AlternateContent xmlns:mc="http://schemas.openxmlformats.org/markup-compatibility/2006">
+        <mc:Choice xmlns:a14="http://schemas.microsoft.com/office/drawing/2010/main" Requires="a14">
           <p:sp>
             <p:nvSpPr>
               <p:cNvPr id="29" name="TextBox 28">
@@ -11008,7 +11148,7 @@
             </p:txBody>
           </p:sp>
         </mc:Choice>
-        <mc:Fallback xmlns="">
+        <mc:Fallback>
           <p:sp>
             <p:nvSpPr>
               <p:cNvPr id="29" name="TextBox 28">
@@ -11034,7 +11174,7 @@
               <a:blipFill>
                 <a:blip r:embed="rId7"/>
                 <a:stretch>
-                  <a:fillRect l="-2614" t="-6061" r="-1307" b="-24242"/>
+                  <a:fillRect l="-3165" t="-7576" r="-1582" b="-25758"/>
                 </a:stretch>
               </a:blipFill>
             </p:spPr>
@@ -11043,7 +11183,7 @@
               <a:lstStyle/>
               <a:p>
                 <a:r>
-                  <a:rPr lang="en-US">
+                  <a:rPr lang="en-PH">
                     <a:noFill/>
                   </a:rPr>
                   <a:t> </a:t>
@@ -11097,8 +11237,8 @@
           </a:fontRef>
         </p:style>
       </p:cxnSp>
-      <mc:AlternateContent xmlns:mc="http://schemas.openxmlformats.org/markup-compatibility/2006" xmlns:a14="http://schemas.microsoft.com/office/drawing/2010/main">
-        <mc:Choice Requires="a14">
+      <mc:AlternateContent xmlns:mc="http://schemas.openxmlformats.org/markup-compatibility/2006">
+        <mc:Choice xmlns:a14="http://schemas.microsoft.com/office/drawing/2010/main" Requires="a14">
           <p:sp>
             <p:nvSpPr>
               <p:cNvPr id="31" name="TextBox 30">
@@ -11185,7 +11325,7 @@
             </p:txBody>
           </p:sp>
         </mc:Choice>
-        <mc:Fallback xmlns="">
+        <mc:Fallback>
           <p:sp>
             <p:nvSpPr>
               <p:cNvPr id="31" name="TextBox 30">
@@ -11211,7 +11351,7 @@
               <a:blipFill>
                 <a:blip r:embed="rId8"/>
                 <a:stretch>
-                  <a:fillRect l="-1970" t="-9091" b="-24242"/>
+                  <a:fillRect l="-2381" t="-7463" b="-25373"/>
                 </a:stretch>
               </a:blipFill>
             </p:spPr>
@@ -11220,7 +11360,7 @@
               <a:lstStyle/>
               <a:p>
                 <a:r>
-                  <a:rPr lang="en-US">
+                  <a:rPr lang="en-PH">
                     <a:noFill/>
                   </a:rPr>
                   <a:t> </a:t>
@@ -11315,7 +11455,7 @@
     </p:spTree>
     <p:extLst>
       <p:ext uri="{BB962C8B-B14F-4D97-AF65-F5344CB8AC3E}">
-        <p14:creationId xmlns:p14="http://schemas.microsoft.com/office/powerpoint/2010/main" val="1667262681"/>
+        <p14:creationId xmlns:p14="http://schemas.microsoft.com/office/powerpoint/2010/main" val="3637207482"/>
       </p:ext>
     </p:extLst>
   </p:cSld>
@@ -11806,6 +11946,4009 @@
       <p:bldP spid="29" grpId="0"/>
       <p:bldP spid="31" grpId="0"/>
       <p:bldP spid="40" grpId="0"/>
+    </p:bldLst>
+  </p:timing>
+</p:sld>
+</file>
+
+<file path=ppt/slides/slide16.xml><?xml version="1.0" encoding="utf-8"?>
+<p:sld xmlns:a="http://schemas.openxmlformats.org/drawingml/2006/main" xmlns:r="http://schemas.openxmlformats.org/officeDocument/2006/relationships" xmlns:p="http://schemas.openxmlformats.org/presentationml/2006/main">
+  <p:cSld>
+    <p:bg>
+      <p:bgPr>
+        <a:blipFill dpi="0" rotWithShape="1">
+          <a:blip r:embed="rId3">
+            <a:alphaModFix amt="99000"/>
+            <a:lum/>
+          </a:blip>
+          <a:srcRect/>
+          <a:stretch>
+            <a:fillRect t="89000" r="85000" b="-1000"/>
+          </a:stretch>
+        </a:blipFill>
+        <a:effectLst/>
+      </p:bgPr>
+    </p:bg>
+    <p:spTree>
+      <p:nvGrpSpPr>
+        <p:cNvPr id="1" name=""/>
+        <p:cNvGrpSpPr/>
+        <p:nvPr/>
+      </p:nvGrpSpPr>
+      <p:grpSpPr>
+        <a:xfrm>
+          <a:off x="0" y="0"/>
+          <a:ext cx="0" cy="0"/>
+          <a:chOff x="0" y="0"/>
+          <a:chExt cx="0" cy="0"/>
+        </a:xfrm>
+      </p:grpSpPr>
+      <p:sp>
+        <p:nvSpPr>
+          <p:cNvPr id="13" name="Title 1">
+            <a:extLst>
+              <a:ext uri="{FF2B5EF4-FFF2-40B4-BE49-F238E27FC236}">
+                <a16:creationId xmlns:a16="http://schemas.microsoft.com/office/drawing/2014/main" id="{9A8D5BAB-B043-D3CD-367F-5A26BCC03BEB}"/>
+              </a:ext>
+            </a:extLst>
+          </p:cNvPr>
+          <p:cNvSpPr>
+            <a:spLocks noGrp="1"/>
+          </p:cNvSpPr>
+          <p:nvPr>
+            <p:ph type="ctrTitle"/>
+          </p:nvPr>
+        </p:nvSpPr>
+        <p:spPr>
+          <a:xfrm>
+            <a:off x="598967" y="239552"/>
+            <a:ext cx="11133827" cy="855727"/>
+          </a:xfrm>
+        </p:spPr>
+        <p:txBody>
+          <a:bodyPr>
+            <a:normAutofit/>
+          </a:bodyPr>
+          <a:lstStyle/>
+          <a:p>
+            <a:r>
+              <a:rPr lang="en-GB" sz="5400" b="1" dirty="0">
+                <a:latin typeface="Calibri Light (Headings)"/>
+              </a:rPr>
+              <a:t>Two’s Complement Subtraction</a:t>
+            </a:r>
+            <a:endParaRPr lang="en-PH" sz="5000" b="1" dirty="0">
+              <a:latin typeface="Calibri Light (Headings)"/>
+            </a:endParaRPr>
+          </a:p>
+        </p:txBody>
+      </p:sp>
+      <p:sp>
+        <p:nvSpPr>
+          <p:cNvPr id="2" name="TextBox 1">
+            <a:extLst>
+              <a:ext uri="{FF2B5EF4-FFF2-40B4-BE49-F238E27FC236}">
+                <a16:creationId xmlns:a16="http://schemas.microsoft.com/office/drawing/2014/main" id="{AD7C5B91-489E-F4B7-6987-84F09A35A5AE}"/>
+              </a:ext>
+            </a:extLst>
+          </p:cNvPr>
+          <p:cNvSpPr txBox="1"/>
+          <p:nvPr/>
+        </p:nvSpPr>
+        <p:spPr>
+          <a:xfrm>
+            <a:off x="7126936" y="5234242"/>
+            <a:ext cx="3648370" cy="415498"/>
+          </a:xfrm>
+          <a:prstGeom prst="rect">
+            <a:avLst/>
+          </a:prstGeom>
+          <a:noFill/>
+        </p:spPr>
+        <p:txBody>
+          <a:bodyPr wrap="square">
+            <a:spAutoFit/>
+          </a:bodyPr>
+          <a:lstStyle/>
+          <a:p>
+            <a:r>
+              <a:rPr lang="en-PH" sz="2100" b="1" dirty="0"/>
+              <a:t>Two’s Complement Subtraction</a:t>
+            </a:r>
+            <a:endParaRPr lang="en-US" sz="2100" b="1" dirty="0">
+              <a:solidFill>
+                <a:srgbClr val="00B050"/>
+              </a:solidFill>
+            </a:endParaRPr>
+          </a:p>
+        </p:txBody>
+      </p:sp>
+      <p:sp>
+        <p:nvSpPr>
+          <p:cNvPr id="3" name="TextBox 2">
+            <a:extLst>
+              <a:ext uri="{FF2B5EF4-FFF2-40B4-BE49-F238E27FC236}">
+                <a16:creationId xmlns:a16="http://schemas.microsoft.com/office/drawing/2014/main" id="{88A02674-2D59-890D-EEDB-6A95B8FD719D}"/>
+              </a:ext>
+            </a:extLst>
+          </p:cNvPr>
+          <p:cNvSpPr txBox="1"/>
+          <p:nvPr/>
+        </p:nvSpPr>
+        <p:spPr>
+          <a:xfrm>
+            <a:off x="7437942" y="1476008"/>
+            <a:ext cx="2356735" cy="1323439"/>
+          </a:xfrm>
+          <a:prstGeom prst="rect">
+            <a:avLst/>
+          </a:prstGeom>
+          <a:noFill/>
+        </p:spPr>
+        <p:txBody>
+          <a:bodyPr wrap="none" rtlCol="0">
+            <a:spAutoFit/>
+          </a:bodyPr>
+          <a:lstStyle/>
+          <a:p>
+            <a:r>
+              <a:rPr lang="en-US" sz="8000" dirty="0"/>
+              <a:t>(</a:t>
+            </a:r>
+            <a:r>
+              <a:rPr lang="en-US" sz="8000" b="1" dirty="0">
+                <a:solidFill>
+                  <a:srgbClr val="00B050"/>
+                </a:solidFill>
+              </a:rPr>
+              <a:t>+</a:t>
+            </a:r>
+            <a:r>
+              <a:rPr lang="en-US" sz="8000" dirty="0"/>
+              <a:t>10)</a:t>
+            </a:r>
+            <a:endParaRPr lang="en-PH" sz="8000" dirty="0"/>
+          </a:p>
+        </p:txBody>
+      </p:sp>
+      <p:sp>
+        <p:nvSpPr>
+          <p:cNvPr id="4" name="TextBox 3">
+            <a:extLst>
+              <a:ext uri="{FF2B5EF4-FFF2-40B4-BE49-F238E27FC236}">
+                <a16:creationId xmlns:a16="http://schemas.microsoft.com/office/drawing/2014/main" id="{5D096B64-00F9-A477-53F1-D20E3F3230CC}"/>
+              </a:ext>
+            </a:extLst>
+          </p:cNvPr>
+          <p:cNvSpPr txBox="1"/>
+          <p:nvPr/>
+        </p:nvSpPr>
+        <p:spPr>
+          <a:xfrm>
+            <a:off x="8154484" y="2509200"/>
+            <a:ext cx="1640193" cy="1323439"/>
+          </a:xfrm>
+          <a:prstGeom prst="rect">
+            <a:avLst/>
+          </a:prstGeom>
+          <a:noFill/>
+        </p:spPr>
+        <p:txBody>
+          <a:bodyPr wrap="none" rtlCol="0">
+            <a:spAutoFit/>
+          </a:bodyPr>
+          <a:lstStyle/>
+          <a:p>
+            <a:r>
+              <a:rPr lang="en-US" sz="8000" dirty="0"/>
+              <a:t>(</a:t>
+            </a:r>
+            <a:r>
+              <a:rPr lang="en-US" sz="8000" b="1" dirty="0">
+                <a:solidFill>
+                  <a:srgbClr val="FF0000"/>
+                </a:solidFill>
+              </a:rPr>
+              <a:t>-</a:t>
+            </a:r>
+            <a:r>
+              <a:rPr lang="en-US" sz="8000" dirty="0"/>
+              <a:t>5)</a:t>
+            </a:r>
+            <a:endParaRPr lang="en-PH" sz="8000" dirty="0"/>
+          </a:p>
+        </p:txBody>
+      </p:sp>
+      <p:sp>
+        <p:nvSpPr>
+          <p:cNvPr id="5" name="TextBox 4">
+            <a:extLst>
+              <a:ext uri="{FF2B5EF4-FFF2-40B4-BE49-F238E27FC236}">
+                <a16:creationId xmlns:a16="http://schemas.microsoft.com/office/drawing/2014/main" id="{4B92750F-CDCE-66A8-00DD-3C9FD47153D5}"/>
+              </a:ext>
+            </a:extLst>
+          </p:cNvPr>
+          <p:cNvSpPr txBox="1"/>
+          <p:nvPr/>
+        </p:nvSpPr>
+        <p:spPr>
+          <a:xfrm>
+            <a:off x="7306925" y="3092327"/>
+            <a:ext cx="2383986" cy="1323439"/>
+          </a:xfrm>
+          <a:prstGeom prst="rect">
+            <a:avLst/>
+          </a:prstGeom>
+          <a:noFill/>
+        </p:spPr>
+        <p:txBody>
+          <a:bodyPr wrap="none" rtlCol="0">
+            <a:spAutoFit/>
+          </a:bodyPr>
+          <a:lstStyle/>
+          <a:p>
+            <a:r>
+              <a:rPr lang="en-US" sz="8000" dirty="0"/>
+              <a:t>-------</a:t>
+            </a:r>
+            <a:endParaRPr lang="en-PH" sz="8000" dirty="0"/>
+          </a:p>
+        </p:txBody>
+      </p:sp>
+      <p:sp>
+        <p:nvSpPr>
+          <p:cNvPr id="7" name="TextBox 6">
+            <a:extLst>
+              <a:ext uri="{FF2B5EF4-FFF2-40B4-BE49-F238E27FC236}">
+                <a16:creationId xmlns:a16="http://schemas.microsoft.com/office/drawing/2014/main" id="{A7924D21-E316-1EB5-F21B-D7E0A93AC011}"/>
+              </a:ext>
+            </a:extLst>
+          </p:cNvPr>
+          <p:cNvSpPr txBox="1"/>
+          <p:nvPr/>
+        </p:nvSpPr>
+        <p:spPr>
+          <a:xfrm>
+            <a:off x="8697074" y="3709314"/>
+            <a:ext cx="704039" cy="1323439"/>
+          </a:xfrm>
+          <a:prstGeom prst="rect">
+            <a:avLst/>
+          </a:prstGeom>
+          <a:noFill/>
+        </p:spPr>
+        <p:txBody>
+          <a:bodyPr wrap="none" rtlCol="0">
+            <a:spAutoFit/>
+          </a:bodyPr>
+          <a:lstStyle/>
+          <a:p>
+            <a:r>
+              <a:rPr lang="en-US" sz="8000" dirty="0"/>
+              <a:t>5</a:t>
+            </a:r>
+            <a:endParaRPr lang="en-PH" sz="8000" dirty="0"/>
+          </a:p>
+        </p:txBody>
+      </p:sp>
+      <p:sp>
+        <p:nvSpPr>
+          <p:cNvPr id="9" name="Plus 17">
+            <a:extLst>
+              <a:ext uri="{FF2B5EF4-FFF2-40B4-BE49-F238E27FC236}">
+                <a16:creationId xmlns:a16="http://schemas.microsoft.com/office/drawing/2014/main" id="{B020CB99-D970-8D3E-C159-04AD3CF9A316}"/>
+              </a:ext>
+            </a:extLst>
+          </p:cNvPr>
+          <p:cNvSpPr/>
+          <p:nvPr/>
+        </p:nvSpPr>
+        <p:spPr>
+          <a:xfrm>
+            <a:off x="7126936" y="2948519"/>
+            <a:ext cx="412878" cy="444803"/>
+          </a:xfrm>
+          <a:prstGeom prst="mathPlus">
+            <a:avLst/>
+          </a:prstGeom>
+        </p:spPr>
+        <p:style>
+          <a:lnRef idx="0">
+            <a:schemeClr val="accent6"/>
+          </a:lnRef>
+          <a:fillRef idx="3">
+            <a:schemeClr val="accent6"/>
+          </a:fillRef>
+          <a:effectRef idx="3">
+            <a:schemeClr val="accent6"/>
+          </a:effectRef>
+          <a:fontRef idx="minor">
+            <a:schemeClr val="lt1"/>
+          </a:fontRef>
+        </p:style>
+        <p:txBody>
+          <a:bodyPr rtlCol="0" anchor="ctr"/>
+          <a:lstStyle/>
+          <a:p>
+            <a:pPr algn="ctr"/>
+            <a:endParaRPr lang="en-US"/>
+          </a:p>
+        </p:txBody>
+      </p:sp>
+      <p:sp>
+        <p:nvSpPr>
+          <p:cNvPr id="10" name="TextBox 9">
+            <a:extLst>
+              <a:ext uri="{FF2B5EF4-FFF2-40B4-BE49-F238E27FC236}">
+                <a16:creationId xmlns:a16="http://schemas.microsoft.com/office/drawing/2014/main" id="{B4D76AFE-5FC4-458A-B1ED-DB4EF529B43C}"/>
+              </a:ext>
+            </a:extLst>
+          </p:cNvPr>
+          <p:cNvSpPr txBox="1"/>
+          <p:nvPr/>
+        </p:nvSpPr>
+        <p:spPr>
+          <a:xfrm>
+            <a:off x="2025889" y="1476008"/>
+            <a:ext cx="2356735" cy="1323439"/>
+          </a:xfrm>
+          <a:prstGeom prst="rect">
+            <a:avLst/>
+          </a:prstGeom>
+          <a:noFill/>
+        </p:spPr>
+        <p:txBody>
+          <a:bodyPr wrap="none" rtlCol="0">
+            <a:spAutoFit/>
+          </a:bodyPr>
+          <a:lstStyle/>
+          <a:p>
+            <a:r>
+              <a:rPr lang="en-US" sz="8000" dirty="0"/>
+              <a:t>(</a:t>
+            </a:r>
+            <a:r>
+              <a:rPr lang="en-US" sz="8000" b="1" dirty="0">
+                <a:solidFill>
+                  <a:srgbClr val="00B050"/>
+                </a:solidFill>
+              </a:rPr>
+              <a:t>+</a:t>
+            </a:r>
+            <a:r>
+              <a:rPr lang="en-US" sz="8000" dirty="0"/>
+              <a:t>10)</a:t>
+            </a:r>
+            <a:endParaRPr lang="en-PH" sz="8000" dirty="0"/>
+          </a:p>
+        </p:txBody>
+      </p:sp>
+      <p:sp>
+        <p:nvSpPr>
+          <p:cNvPr id="11" name="TextBox 10">
+            <a:extLst>
+              <a:ext uri="{FF2B5EF4-FFF2-40B4-BE49-F238E27FC236}">
+                <a16:creationId xmlns:a16="http://schemas.microsoft.com/office/drawing/2014/main" id="{85072CCF-7CB9-1FE3-8E40-B9B0C2DCE58E}"/>
+              </a:ext>
+            </a:extLst>
+          </p:cNvPr>
+          <p:cNvSpPr txBox="1"/>
+          <p:nvPr/>
+        </p:nvSpPr>
+        <p:spPr>
+          <a:xfrm>
+            <a:off x="2482977" y="2509202"/>
+            <a:ext cx="1837362" cy="1323439"/>
+          </a:xfrm>
+          <a:prstGeom prst="rect">
+            <a:avLst/>
+          </a:prstGeom>
+          <a:noFill/>
+        </p:spPr>
+        <p:txBody>
+          <a:bodyPr wrap="none" rtlCol="0">
+            <a:spAutoFit/>
+          </a:bodyPr>
+          <a:lstStyle/>
+          <a:p>
+            <a:r>
+              <a:rPr lang="en-US" sz="8000" dirty="0"/>
+              <a:t>(</a:t>
+            </a:r>
+            <a:r>
+              <a:rPr lang="en-US" sz="8000" b="1" dirty="0">
+                <a:solidFill>
+                  <a:srgbClr val="00B050"/>
+                </a:solidFill>
+              </a:rPr>
+              <a:t>+</a:t>
+            </a:r>
+            <a:r>
+              <a:rPr lang="en-US" sz="8000" dirty="0"/>
+              <a:t>5)</a:t>
+            </a:r>
+            <a:endParaRPr lang="en-PH" sz="8000" dirty="0"/>
+          </a:p>
+        </p:txBody>
+      </p:sp>
+      <p:sp>
+        <p:nvSpPr>
+          <p:cNvPr id="12" name="TextBox 11">
+            <a:extLst>
+              <a:ext uri="{FF2B5EF4-FFF2-40B4-BE49-F238E27FC236}">
+                <a16:creationId xmlns:a16="http://schemas.microsoft.com/office/drawing/2014/main" id="{79814E84-901D-F28F-58DB-0BB3FF185CDF}"/>
+              </a:ext>
+            </a:extLst>
+          </p:cNvPr>
+          <p:cNvSpPr txBox="1"/>
+          <p:nvPr/>
+        </p:nvSpPr>
+        <p:spPr>
+          <a:xfrm>
+            <a:off x="1894872" y="3092327"/>
+            <a:ext cx="2383986" cy="1323439"/>
+          </a:xfrm>
+          <a:prstGeom prst="rect">
+            <a:avLst/>
+          </a:prstGeom>
+          <a:noFill/>
+        </p:spPr>
+        <p:txBody>
+          <a:bodyPr wrap="none" rtlCol="0">
+            <a:spAutoFit/>
+          </a:bodyPr>
+          <a:lstStyle/>
+          <a:p>
+            <a:r>
+              <a:rPr lang="en-US" sz="8000" dirty="0"/>
+              <a:t>-------</a:t>
+            </a:r>
+            <a:endParaRPr lang="en-PH" sz="8000" dirty="0"/>
+          </a:p>
+        </p:txBody>
+      </p:sp>
+      <p:sp>
+        <p:nvSpPr>
+          <p:cNvPr id="14" name="Minus Sign 13">
+            <a:extLst>
+              <a:ext uri="{FF2B5EF4-FFF2-40B4-BE49-F238E27FC236}">
+                <a16:creationId xmlns:a16="http://schemas.microsoft.com/office/drawing/2014/main" id="{6D22F41C-EFB3-AC76-3402-359F0DF80EDF}"/>
+              </a:ext>
+            </a:extLst>
+          </p:cNvPr>
+          <p:cNvSpPr/>
+          <p:nvPr/>
+        </p:nvSpPr>
+        <p:spPr>
+          <a:xfrm>
+            <a:off x="1533607" y="2862947"/>
+            <a:ext cx="584200" cy="615950"/>
+          </a:xfrm>
+          <a:prstGeom prst="mathMinus">
+            <a:avLst/>
+          </a:prstGeom>
+          <a:gradFill flip="none" rotWithShape="1">
+            <a:gsLst>
+              <a:gs pos="0">
+                <a:schemeClr val="accent2">
+                  <a:lumMod val="67000"/>
+                </a:schemeClr>
+              </a:gs>
+              <a:gs pos="48000">
+                <a:schemeClr val="accent2">
+                  <a:lumMod val="97000"/>
+                  <a:lumOff val="3000"/>
+                </a:schemeClr>
+              </a:gs>
+              <a:gs pos="100000">
+                <a:schemeClr val="accent2">
+                  <a:lumMod val="60000"/>
+                  <a:lumOff val="40000"/>
+                </a:schemeClr>
+              </a:gs>
+            </a:gsLst>
+            <a:lin ang="16200000" scaled="1"/>
+            <a:tileRect/>
+          </a:gradFill>
+          <a:ln>
+            <a:noFill/>
+          </a:ln>
+        </p:spPr>
+        <p:style>
+          <a:lnRef idx="0">
+            <a:scrgbClr r="0" g="0" b="0"/>
+          </a:lnRef>
+          <a:fillRef idx="0">
+            <a:scrgbClr r="0" g="0" b="0"/>
+          </a:fillRef>
+          <a:effectRef idx="0">
+            <a:scrgbClr r="0" g="0" b="0"/>
+          </a:effectRef>
+          <a:fontRef idx="minor">
+            <a:schemeClr val="lt1"/>
+          </a:fontRef>
+        </p:style>
+        <p:txBody>
+          <a:bodyPr rtlCol="0" anchor="ctr"/>
+          <a:lstStyle/>
+          <a:p>
+            <a:pPr algn="ctr"/>
+            <a:endParaRPr lang="en-PH"/>
+          </a:p>
+        </p:txBody>
+      </p:sp>
+      <p:sp>
+        <p:nvSpPr>
+          <p:cNvPr id="15" name="TextBox 14">
+            <a:extLst>
+              <a:ext uri="{FF2B5EF4-FFF2-40B4-BE49-F238E27FC236}">
+                <a16:creationId xmlns:a16="http://schemas.microsoft.com/office/drawing/2014/main" id="{642222C4-C713-9B1C-5130-90178E3D17F2}"/>
+              </a:ext>
+            </a:extLst>
+          </p:cNvPr>
+          <p:cNvSpPr txBox="1"/>
+          <p:nvPr/>
+        </p:nvSpPr>
+        <p:spPr>
+          <a:xfrm>
+            <a:off x="3285021" y="3709314"/>
+            <a:ext cx="704039" cy="1323439"/>
+          </a:xfrm>
+          <a:prstGeom prst="rect">
+            <a:avLst/>
+          </a:prstGeom>
+          <a:noFill/>
+        </p:spPr>
+        <p:txBody>
+          <a:bodyPr wrap="none" rtlCol="0">
+            <a:spAutoFit/>
+          </a:bodyPr>
+          <a:lstStyle/>
+          <a:p>
+            <a:r>
+              <a:rPr lang="en-US" sz="8000" dirty="0"/>
+              <a:t>5</a:t>
+            </a:r>
+            <a:endParaRPr lang="en-PH" sz="8000" dirty="0"/>
+          </a:p>
+        </p:txBody>
+      </p:sp>
+      <p:sp>
+        <p:nvSpPr>
+          <p:cNvPr id="17" name="TextBox 16">
+            <a:extLst>
+              <a:ext uri="{FF2B5EF4-FFF2-40B4-BE49-F238E27FC236}">
+                <a16:creationId xmlns:a16="http://schemas.microsoft.com/office/drawing/2014/main" id="{D19CDBC8-836D-310A-8FA1-DBB3ACF1B4ED}"/>
+              </a:ext>
+            </a:extLst>
+          </p:cNvPr>
+          <p:cNvSpPr txBox="1"/>
+          <p:nvPr/>
+        </p:nvSpPr>
+        <p:spPr>
+          <a:xfrm>
+            <a:off x="1912282" y="5221720"/>
+            <a:ext cx="2583948" cy="415498"/>
+          </a:xfrm>
+          <a:prstGeom prst="rect">
+            <a:avLst/>
+          </a:prstGeom>
+          <a:noFill/>
+        </p:spPr>
+        <p:txBody>
+          <a:bodyPr wrap="square">
+            <a:spAutoFit/>
+          </a:bodyPr>
+          <a:lstStyle/>
+          <a:p>
+            <a:r>
+              <a:rPr lang="en-PH" sz="2100" b="1" dirty="0"/>
+              <a:t>Standard Subtraction</a:t>
+            </a:r>
+            <a:endParaRPr lang="en-US" sz="2100" b="1" dirty="0">
+              <a:solidFill>
+                <a:srgbClr val="00B050"/>
+              </a:solidFill>
+            </a:endParaRPr>
+          </a:p>
+        </p:txBody>
+      </p:sp>
+    </p:spTree>
+    <p:extLst>
+      <p:ext uri="{BB962C8B-B14F-4D97-AF65-F5344CB8AC3E}">
+        <p14:creationId xmlns:p14="http://schemas.microsoft.com/office/powerpoint/2010/main" val="3332210121"/>
+      </p:ext>
+    </p:extLst>
+  </p:cSld>
+  <p:clrMapOvr>
+    <a:masterClrMapping/>
+  </p:clrMapOvr>
+</p:sld>
+</file>
+
+<file path=ppt/slides/slide17.xml><?xml version="1.0" encoding="utf-8"?>
+<p:sld xmlns:a="http://schemas.openxmlformats.org/drawingml/2006/main" xmlns:r="http://schemas.openxmlformats.org/officeDocument/2006/relationships" xmlns:p="http://schemas.openxmlformats.org/presentationml/2006/main">
+  <p:cSld>
+    <p:bg>
+      <p:bgPr>
+        <a:blipFill dpi="0" rotWithShape="1">
+          <a:blip r:embed="rId3">
+            <a:alphaModFix amt="99000"/>
+            <a:lum/>
+          </a:blip>
+          <a:srcRect/>
+          <a:stretch>
+            <a:fillRect t="89000" r="85000" b="-1000"/>
+          </a:stretch>
+        </a:blipFill>
+        <a:effectLst/>
+      </p:bgPr>
+    </p:bg>
+    <p:spTree>
+      <p:nvGrpSpPr>
+        <p:cNvPr id="1" name=""/>
+        <p:cNvGrpSpPr/>
+        <p:nvPr/>
+      </p:nvGrpSpPr>
+      <p:grpSpPr>
+        <a:xfrm>
+          <a:off x="0" y="0"/>
+          <a:ext cx="0" cy="0"/>
+          <a:chOff x="0" y="0"/>
+          <a:chExt cx="0" cy="0"/>
+        </a:xfrm>
+      </p:grpSpPr>
+      <p:sp>
+        <p:nvSpPr>
+          <p:cNvPr id="13" name="Title 1">
+            <a:extLst>
+              <a:ext uri="{FF2B5EF4-FFF2-40B4-BE49-F238E27FC236}">
+                <a16:creationId xmlns:a16="http://schemas.microsoft.com/office/drawing/2014/main" id="{9A8D5BAB-B043-D3CD-367F-5A26BCC03BEB}"/>
+              </a:ext>
+            </a:extLst>
+          </p:cNvPr>
+          <p:cNvSpPr>
+            <a:spLocks noGrp="1"/>
+          </p:cNvSpPr>
+          <p:nvPr>
+            <p:ph type="ctrTitle"/>
+          </p:nvPr>
+        </p:nvSpPr>
+        <p:spPr>
+          <a:xfrm>
+            <a:off x="598967" y="239552"/>
+            <a:ext cx="11133827" cy="855727"/>
+          </a:xfrm>
+        </p:spPr>
+        <p:txBody>
+          <a:bodyPr>
+            <a:normAutofit/>
+          </a:bodyPr>
+          <a:lstStyle/>
+          <a:p>
+            <a:r>
+              <a:rPr lang="en-GB" sz="5400" b="1" dirty="0">
+                <a:latin typeface="Calibri Light (Headings)"/>
+              </a:rPr>
+              <a:t>Standard Binary Subtraction</a:t>
+            </a:r>
+            <a:endParaRPr lang="en-PH" sz="5000" b="1" dirty="0">
+              <a:latin typeface="Calibri Light (Headings)"/>
+            </a:endParaRPr>
+          </a:p>
+        </p:txBody>
+      </p:sp>
+      <p:sp>
+        <p:nvSpPr>
+          <p:cNvPr id="24" name="TextBox 23">
+            <a:extLst>
+              <a:ext uri="{FF2B5EF4-FFF2-40B4-BE49-F238E27FC236}">
+                <a16:creationId xmlns:a16="http://schemas.microsoft.com/office/drawing/2014/main" id="{AEBBDFD7-7D99-80A5-58AE-D1A667661DBF}"/>
+              </a:ext>
+            </a:extLst>
+          </p:cNvPr>
+          <p:cNvSpPr txBox="1"/>
+          <p:nvPr/>
+        </p:nvSpPr>
+        <p:spPr>
+          <a:xfrm>
+            <a:off x="335517" y="1434722"/>
+            <a:ext cx="7506156" cy="3785652"/>
+          </a:xfrm>
+          <a:prstGeom prst="rect">
+            <a:avLst/>
+          </a:prstGeom>
+          <a:noFill/>
+        </p:spPr>
+        <p:txBody>
+          <a:bodyPr wrap="square">
+            <a:spAutoFit/>
+          </a:bodyPr>
+          <a:lstStyle/>
+          <a:p>
+            <a:pPr lvl="7"/>
+            <a:r>
+              <a:rPr lang="en-PH" sz="8000" dirty="0"/>
+              <a:t>        0    0 </a:t>
+            </a:r>
+          </a:p>
+          <a:p>
+            <a:pPr lvl="7"/>
+            <a:r>
+              <a:rPr lang="en-PH" sz="8000" dirty="0"/>
+              <a:t>(-)    1 0 1</a:t>
+            </a:r>
+          </a:p>
+          <a:p>
+            <a:pPr algn="l"/>
+            <a:r>
+              <a:rPr lang="en-PH" sz="8000" dirty="0"/>
+              <a:t>                -----------</a:t>
+            </a:r>
+          </a:p>
+        </p:txBody>
+      </p:sp>
+      <p:sp>
+        <p:nvSpPr>
+          <p:cNvPr id="25" name="TextBox 24">
+            <a:extLst>
+              <a:ext uri="{FF2B5EF4-FFF2-40B4-BE49-F238E27FC236}">
+                <a16:creationId xmlns:a16="http://schemas.microsoft.com/office/drawing/2014/main" id="{D0DD0E5A-14FC-27D7-DC1E-747A8A440CEB}"/>
+              </a:ext>
+            </a:extLst>
+          </p:cNvPr>
+          <p:cNvSpPr txBox="1"/>
+          <p:nvPr/>
+        </p:nvSpPr>
+        <p:spPr>
+          <a:xfrm>
+            <a:off x="7012271" y="4804968"/>
+            <a:ext cx="629979" cy="1323439"/>
+          </a:xfrm>
+          <a:prstGeom prst="rect">
+            <a:avLst/>
+          </a:prstGeom>
+          <a:noFill/>
+        </p:spPr>
+        <p:txBody>
+          <a:bodyPr wrap="square">
+            <a:spAutoFit/>
+          </a:bodyPr>
+          <a:lstStyle/>
+          <a:p>
+            <a:pPr algn="l"/>
+            <a:r>
+              <a:rPr lang="en-PH" sz="8000" dirty="0"/>
+              <a:t>1</a:t>
+            </a:r>
+          </a:p>
+        </p:txBody>
+      </p:sp>
+      <p:sp>
+        <p:nvSpPr>
+          <p:cNvPr id="26" name="TextBox 25">
+            <a:extLst>
+              <a:ext uri="{FF2B5EF4-FFF2-40B4-BE49-F238E27FC236}">
+                <a16:creationId xmlns:a16="http://schemas.microsoft.com/office/drawing/2014/main" id="{2073A710-A2C6-05D3-C812-13574ED0EE6A}"/>
+              </a:ext>
+            </a:extLst>
+          </p:cNvPr>
+          <p:cNvSpPr txBox="1"/>
+          <p:nvPr/>
+        </p:nvSpPr>
+        <p:spPr>
+          <a:xfrm>
+            <a:off x="6282447" y="4804968"/>
+            <a:ext cx="629979" cy="1323439"/>
+          </a:xfrm>
+          <a:prstGeom prst="rect">
+            <a:avLst/>
+          </a:prstGeom>
+          <a:noFill/>
+        </p:spPr>
+        <p:txBody>
+          <a:bodyPr wrap="square">
+            <a:spAutoFit/>
+          </a:bodyPr>
+          <a:lstStyle/>
+          <a:p>
+            <a:pPr algn="l"/>
+            <a:r>
+              <a:rPr lang="en-PH" sz="8000" dirty="0"/>
+              <a:t>0</a:t>
+            </a:r>
+          </a:p>
+        </p:txBody>
+      </p:sp>
+      <p:sp>
+        <p:nvSpPr>
+          <p:cNvPr id="32" name="TextBox 31">
+            <a:extLst>
+              <a:ext uri="{FF2B5EF4-FFF2-40B4-BE49-F238E27FC236}">
+                <a16:creationId xmlns:a16="http://schemas.microsoft.com/office/drawing/2014/main" id="{5C5F5DE4-EB80-9D5C-F94A-205CBBFEFF4C}"/>
+              </a:ext>
+            </a:extLst>
+          </p:cNvPr>
+          <p:cNvSpPr txBox="1"/>
+          <p:nvPr/>
+        </p:nvSpPr>
+        <p:spPr>
+          <a:xfrm>
+            <a:off x="5552623" y="4804967"/>
+            <a:ext cx="629979" cy="1323439"/>
+          </a:xfrm>
+          <a:prstGeom prst="rect">
+            <a:avLst/>
+          </a:prstGeom>
+          <a:noFill/>
+        </p:spPr>
+        <p:txBody>
+          <a:bodyPr wrap="square">
+            <a:spAutoFit/>
+          </a:bodyPr>
+          <a:lstStyle/>
+          <a:p>
+            <a:pPr algn="l"/>
+            <a:r>
+              <a:rPr lang="en-PH" sz="8000" dirty="0"/>
+              <a:t>1</a:t>
+            </a:r>
+          </a:p>
+        </p:txBody>
+      </p:sp>
+      <p:sp>
+        <p:nvSpPr>
+          <p:cNvPr id="33" name="TextBox 32">
+            <a:extLst>
+              <a:ext uri="{FF2B5EF4-FFF2-40B4-BE49-F238E27FC236}">
+                <a16:creationId xmlns:a16="http://schemas.microsoft.com/office/drawing/2014/main" id="{B23A5668-AC53-360E-8179-9814648ADCDA}"/>
+              </a:ext>
+            </a:extLst>
+          </p:cNvPr>
+          <p:cNvSpPr txBox="1"/>
+          <p:nvPr/>
+        </p:nvSpPr>
+        <p:spPr>
+          <a:xfrm>
+            <a:off x="4822799" y="4804966"/>
+            <a:ext cx="629979" cy="1323439"/>
+          </a:xfrm>
+          <a:prstGeom prst="rect">
+            <a:avLst/>
+          </a:prstGeom>
+          <a:noFill/>
+        </p:spPr>
+        <p:txBody>
+          <a:bodyPr wrap="square">
+            <a:spAutoFit/>
+          </a:bodyPr>
+          <a:lstStyle/>
+          <a:p>
+            <a:pPr algn="l"/>
+            <a:r>
+              <a:rPr lang="en-PH" sz="8000" dirty="0"/>
+              <a:t>0</a:t>
+            </a:r>
+          </a:p>
+        </p:txBody>
+      </p:sp>
+      <p:sp>
+        <p:nvSpPr>
+          <p:cNvPr id="35" name="TextBox 34">
+            <a:extLst>
+              <a:ext uri="{FF2B5EF4-FFF2-40B4-BE49-F238E27FC236}">
+                <a16:creationId xmlns:a16="http://schemas.microsoft.com/office/drawing/2014/main" id="{CA157BF3-311F-318F-FED4-4D60E7A40462}"/>
+              </a:ext>
+            </a:extLst>
+          </p:cNvPr>
+          <p:cNvSpPr txBox="1"/>
+          <p:nvPr/>
+        </p:nvSpPr>
+        <p:spPr>
+          <a:xfrm>
+            <a:off x="5979368" y="1257846"/>
+            <a:ext cx="1112549" cy="369332"/>
+          </a:xfrm>
+          <a:prstGeom prst="rect">
+            <a:avLst/>
+          </a:prstGeom>
+          <a:noFill/>
+        </p:spPr>
+        <p:txBody>
+          <a:bodyPr wrap="square">
+            <a:spAutoFit/>
+          </a:bodyPr>
+          <a:lstStyle/>
+          <a:p>
+            <a:pPr algn="l"/>
+            <a:r>
+              <a:rPr lang="en-PH" sz="1800" b="1" dirty="0">
+                <a:solidFill>
+                  <a:srgbClr val="FF0000"/>
+                </a:solidFill>
+              </a:rPr>
+              <a:t>Borrow 1</a:t>
+            </a:r>
+          </a:p>
+        </p:txBody>
+      </p:sp>
+      <p:sp>
+        <p:nvSpPr>
+          <p:cNvPr id="36" name="TextBox 35">
+            <a:extLst>
+              <a:ext uri="{FF2B5EF4-FFF2-40B4-BE49-F238E27FC236}">
+                <a16:creationId xmlns:a16="http://schemas.microsoft.com/office/drawing/2014/main" id="{298AD5E9-35E8-A068-5103-58CF7F14FA55}"/>
+              </a:ext>
+            </a:extLst>
+          </p:cNvPr>
+          <p:cNvSpPr txBox="1"/>
+          <p:nvPr/>
+        </p:nvSpPr>
+        <p:spPr>
+          <a:xfrm>
+            <a:off x="6111225" y="1419474"/>
+            <a:ext cx="629979" cy="1323439"/>
+          </a:xfrm>
+          <a:prstGeom prst="rect">
+            <a:avLst/>
+          </a:prstGeom>
+          <a:noFill/>
+        </p:spPr>
+        <p:txBody>
+          <a:bodyPr wrap="square">
+            <a:spAutoFit/>
+          </a:bodyPr>
+          <a:lstStyle/>
+          <a:p>
+            <a:pPr algn="l"/>
+            <a:r>
+              <a:rPr lang="en-PH" sz="8000" dirty="0"/>
+              <a:t>1</a:t>
+            </a:r>
+          </a:p>
+        </p:txBody>
+      </p:sp>
+      <p:sp>
+        <p:nvSpPr>
+          <p:cNvPr id="37" name="TextBox 36">
+            <a:extLst>
+              <a:ext uri="{FF2B5EF4-FFF2-40B4-BE49-F238E27FC236}">
+                <a16:creationId xmlns:a16="http://schemas.microsoft.com/office/drawing/2014/main" id="{B0C64618-261D-7CC1-1042-95C15549B2B0}"/>
+              </a:ext>
+            </a:extLst>
+          </p:cNvPr>
+          <p:cNvSpPr txBox="1"/>
+          <p:nvPr/>
+        </p:nvSpPr>
+        <p:spPr>
+          <a:xfrm>
+            <a:off x="6111225" y="1452717"/>
+            <a:ext cx="629979" cy="1323439"/>
+          </a:xfrm>
+          <a:prstGeom prst="rect">
+            <a:avLst/>
+          </a:prstGeom>
+          <a:noFill/>
+        </p:spPr>
+        <p:txBody>
+          <a:bodyPr wrap="square">
+            <a:spAutoFit/>
+          </a:bodyPr>
+          <a:lstStyle/>
+          <a:p>
+            <a:pPr algn="l"/>
+            <a:r>
+              <a:rPr lang="en-PH" sz="8000" dirty="0"/>
+              <a:t>0</a:t>
+            </a:r>
+          </a:p>
+        </p:txBody>
+      </p:sp>
+      <p:sp>
+        <p:nvSpPr>
+          <p:cNvPr id="38" name="TextBox 37">
+            <a:extLst>
+              <a:ext uri="{FF2B5EF4-FFF2-40B4-BE49-F238E27FC236}">
+                <a16:creationId xmlns:a16="http://schemas.microsoft.com/office/drawing/2014/main" id="{EFFCB5AA-50CA-F01F-3D63-38721623E00C}"/>
+              </a:ext>
+            </a:extLst>
+          </p:cNvPr>
+          <p:cNvSpPr txBox="1"/>
+          <p:nvPr/>
+        </p:nvSpPr>
+        <p:spPr>
+          <a:xfrm>
+            <a:off x="4513354" y="1270015"/>
+            <a:ext cx="1112549" cy="369332"/>
+          </a:xfrm>
+          <a:prstGeom prst="rect">
+            <a:avLst/>
+          </a:prstGeom>
+          <a:noFill/>
+        </p:spPr>
+        <p:txBody>
+          <a:bodyPr wrap="square">
+            <a:spAutoFit/>
+          </a:bodyPr>
+          <a:lstStyle/>
+          <a:p>
+            <a:pPr algn="l"/>
+            <a:r>
+              <a:rPr lang="en-PH" sz="1800" b="1" dirty="0">
+                <a:solidFill>
+                  <a:srgbClr val="FF0000"/>
+                </a:solidFill>
+              </a:rPr>
+              <a:t>Borrow 1</a:t>
+            </a:r>
+          </a:p>
+        </p:txBody>
+      </p:sp>
+      <p:sp>
+        <p:nvSpPr>
+          <p:cNvPr id="39" name="TextBox 38">
+            <a:extLst>
+              <a:ext uri="{FF2B5EF4-FFF2-40B4-BE49-F238E27FC236}">
+                <a16:creationId xmlns:a16="http://schemas.microsoft.com/office/drawing/2014/main" id="{CAA2A402-694E-5866-153C-6C10947FD400}"/>
+              </a:ext>
+            </a:extLst>
+          </p:cNvPr>
+          <p:cNvSpPr txBox="1"/>
+          <p:nvPr/>
+        </p:nvSpPr>
+        <p:spPr>
+          <a:xfrm>
+            <a:off x="4754638" y="1419473"/>
+            <a:ext cx="629979" cy="1323439"/>
+          </a:xfrm>
+          <a:prstGeom prst="rect">
+            <a:avLst/>
+          </a:prstGeom>
+          <a:noFill/>
+        </p:spPr>
+        <p:txBody>
+          <a:bodyPr wrap="square">
+            <a:spAutoFit/>
+          </a:bodyPr>
+          <a:lstStyle/>
+          <a:p>
+            <a:pPr algn="l"/>
+            <a:r>
+              <a:rPr lang="en-PH" sz="8000" dirty="0"/>
+              <a:t>0</a:t>
+            </a:r>
+          </a:p>
+        </p:txBody>
+      </p:sp>
+      <p:sp>
+        <p:nvSpPr>
+          <p:cNvPr id="41" name="TextBox 40">
+            <a:extLst>
+              <a:ext uri="{FF2B5EF4-FFF2-40B4-BE49-F238E27FC236}">
+                <a16:creationId xmlns:a16="http://schemas.microsoft.com/office/drawing/2014/main" id="{0B7C2896-B1E5-A18F-EF67-083BD6AEA6D5}"/>
+              </a:ext>
+            </a:extLst>
+          </p:cNvPr>
+          <p:cNvSpPr txBox="1"/>
+          <p:nvPr/>
+        </p:nvSpPr>
+        <p:spPr>
+          <a:xfrm>
+            <a:off x="4754638" y="1422430"/>
+            <a:ext cx="629979" cy="1323439"/>
+          </a:xfrm>
+          <a:prstGeom prst="rect">
+            <a:avLst/>
+          </a:prstGeom>
+          <a:noFill/>
+        </p:spPr>
+        <p:txBody>
+          <a:bodyPr wrap="square">
+            <a:spAutoFit/>
+          </a:bodyPr>
+          <a:lstStyle/>
+          <a:p>
+            <a:pPr algn="l"/>
+            <a:r>
+              <a:rPr lang="en-PH" sz="8000" dirty="0"/>
+              <a:t>1</a:t>
+            </a:r>
+          </a:p>
+        </p:txBody>
+      </p:sp>
+      <p:sp>
+        <p:nvSpPr>
+          <p:cNvPr id="2" name="TextBox 1">
+            <a:extLst>
+              <a:ext uri="{FF2B5EF4-FFF2-40B4-BE49-F238E27FC236}">
+                <a16:creationId xmlns:a16="http://schemas.microsoft.com/office/drawing/2014/main" id="{8A54FE90-91D0-FB09-67AD-67E3C22C9482}"/>
+              </a:ext>
+            </a:extLst>
+          </p:cNvPr>
+          <p:cNvSpPr txBox="1"/>
+          <p:nvPr/>
+        </p:nvSpPr>
+        <p:spPr>
+          <a:xfrm>
+            <a:off x="9479825" y="1324659"/>
+            <a:ext cx="2356735" cy="1323439"/>
+          </a:xfrm>
+          <a:prstGeom prst="rect">
+            <a:avLst/>
+          </a:prstGeom>
+          <a:noFill/>
+        </p:spPr>
+        <p:txBody>
+          <a:bodyPr wrap="none" rtlCol="0">
+            <a:spAutoFit/>
+          </a:bodyPr>
+          <a:lstStyle/>
+          <a:p>
+            <a:r>
+              <a:rPr lang="en-US" sz="8000" dirty="0"/>
+              <a:t>(</a:t>
+            </a:r>
+            <a:r>
+              <a:rPr lang="en-US" sz="8000" b="1" dirty="0">
+                <a:solidFill>
+                  <a:srgbClr val="00B050"/>
+                </a:solidFill>
+              </a:rPr>
+              <a:t>+</a:t>
+            </a:r>
+            <a:r>
+              <a:rPr lang="en-US" sz="8000" dirty="0"/>
+              <a:t>10)</a:t>
+            </a:r>
+            <a:endParaRPr lang="en-PH" sz="8000" dirty="0"/>
+          </a:p>
+        </p:txBody>
+      </p:sp>
+      <p:sp>
+        <p:nvSpPr>
+          <p:cNvPr id="3" name="TextBox 2">
+            <a:extLst>
+              <a:ext uri="{FF2B5EF4-FFF2-40B4-BE49-F238E27FC236}">
+                <a16:creationId xmlns:a16="http://schemas.microsoft.com/office/drawing/2014/main" id="{45DCD94B-F81D-D8D4-1BF0-6AFCF333CA40}"/>
+              </a:ext>
+            </a:extLst>
+          </p:cNvPr>
+          <p:cNvSpPr txBox="1"/>
+          <p:nvPr/>
+        </p:nvSpPr>
+        <p:spPr>
+          <a:xfrm>
+            <a:off x="9936913" y="2357853"/>
+            <a:ext cx="1837362" cy="1323439"/>
+          </a:xfrm>
+          <a:prstGeom prst="rect">
+            <a:avLst/>
+          </a:prstGeom>
+          <a:noFill/>
+        </p:spPr>
+        <p:txBody>
+          <a:bodyPr wrap="none" rtlCol="0">
+            <a:spAutoFit/>
+          </a:bodyPr>
+          <a:lstStyle/>
+          <a:p>
+            <a:r>
+              <a:rPr lang="en-US" sz="8000" dirty="0"/>
+              <a:t>(</a:t>
+            </a:r>
+            <a:r>
+              <a:rPr lang="en-US" sz="8000" b="1" dirty="0">
+                <a:solidFill>
+                  <a:srgbClr val="00B050"/>
+                </a:solidFill>
+              </a:rPr>
+              <a:t>+</a:t>
+            </a:r>
+            <a:r>
+              <a:rPr lang="en-US" sz="8000" dirty="0"/>
+              <a:t>5)</a:t>
+            </a:r>
+            <a:endParaRPr lang="en-PH" sz="8000" dirty="0"/>
+          </a:p>
+        </p:txBody>
+      </p:sp>
+      <p:sp>
+        <p:nvSpPr>
+          <p:cNvPr id="4" name="TextBox 3">
+            <a:extLst>
+              <a:ext uri="{FF2B5EF4-FFF2-40B4-BE49-F238E27FC236}">
+                <a16:creationId xmlns:a16="http://schemas.microsoft.com/office/drawing/2014/main" id="{F09C0F1F-2308-A857-4229-E7834F52DB1B}"/>
+              </a:ext>
+            </a:extLst>
+          </p:cNvPr>
+          <p:cNvSpPr txBox="1"/>
+          <p:nvPr/>
+        </p:nvSpPr>
+        <p:spPr>
+          <a:xfrm>
+            <a:off x="9348808" y="2940978"/>
+            <a:ext cx="2383986" cy="1323439"/>
+          </a:xfrm>
+          <a:prstGeom prst="rect">
+            <a:avLst/>
+          </a:prstGeom>
+          <a:noFill/>
+        </p:spPr>
+        <p:txBody>
+          <a:bodyPr wrap="none" rtlCol="0">
+            <a:spAutoFit/>
+          </a:bodyPr>
+          <a:lstStyle/>
+          <a:p>
+            <a:r>
+              <a:rPr lang="en-US" sz="8000" dirty="0"/>
+              <a:t>-------</a:t>
+            </a:r>
+            <a:endParaRPr lang="en-PH" sz="8000" dirty="0"/>
+          </a:p>
+        </p:txBody>
+      </p:sp>
+      <p:sp>
+        <p:nvSpPr>
+          <p:cNvPr id="5" name="Minus Sign 4">
+            <a:extLst>
+              <a:ext uri="{FF2B5EF4-FFF2-40B4-BE49-F238E27FC236}">
+                <a16:creationId xmlns:a16="http://schemas.microsoft.com/office/drawing/2014/main" id="{87A55F34-93AF-20A0-9407-162B952BAE1F}"/>
+              </a:ext>
+            </a:extLst>
+          </p:cNvPr>
+          <p:cNvSpPr/>
+          <p:nvPr/>
+        </p:nvSpPr>
+        <p:spPr>
+          <a:xfrm>
+            <a:off x="8987543" y="2711598"/>
+            <a:ext cx="584200" cy="615950"/>
+          </a:xfrm>
+          <a:prstGeom prst="mathMinus">
+            <a:avLst/>
+          </a:prstGeom>
+          <a:gradFill flip="none" rotWithShape="1">
+            <a:gsLst>
+              <a:gs pos="0">
+                <a:schemeClr val="accent2">
+                  <a:lumMod val="67000"/>
+                </a:schemeClr>
+              </a:gs>
+              <a:gs pos="48000">
+                <a:schemeClr val="accent2">
+                  <a:lumMod val="97000"/>
+                  <a:lumOff val="3000"/>
+                </a:schemeClr>
+              </a:gs>
+              <a:gs pos="100000">
+                <a:schemeClr val="accent2">
+                  <a:lumMod val="60000"/>
+                  <a:lumOff val="40000"/>
+                </a:schemeClr>
+              </a:gs>
+            </a:gsLst>
+            <a:lin ang="16200000" scaled="1"/>
+            <a:tileRect/>
+          </a:gradFill>
+          <a:ln>
+            <a:noFill/>
+          </a:ln>
+        </p:spPr>
+        <p:style>
+          <a:lnRef idx="0">
+            <a:scrgbClr r="0" g="0" b="0"/>
+          </a:lnRef>
+          <a:fillRef idx="0">
+            <a:scrgbClr r="0" g="0" b="0"/>
+          </a:fillRef>
+          <a:effectRef idx="0">
+            <a:scrgbClr r="0" g="0" b="0"/>
+          </a:effectRef>
+          <a:fontRef idx="minor">
+            <a:schemeClr val="lt1"/>
+          </a:fontRef>
+        </p:style>
+        <p:txBody>
+          <a:bodyPr rtlCol="0" anchor="ctr"/>
+          <a:lstStyle/>
+          <a:p>
+            <a:pPr algn="ctr"/>
+            <a:endParaRPr lang="en-PH"/>
+          </a:p>
+        </p:txBody>
+      </p:sp>
+      <p:sp>
+        <p:nvSpPr>
+          <p:cNvPr id="6" name="TextBox 5">
+            <a:extLst>
+              <a:ext uri="{FF2B5EF4-FFF2-40B4-BE49-F238E27FC236}">
+                <a16:creationId xmlns:a16="http://schemas.microsoft.com/office/drawing/2014/main" id="{EE4B7FAD-70AA-D3D5-B6F6-94BC52CAB172}"/>
+              </a:ext>
+            </a:extLst>
+          </p:cNvPr>
+          <p:cNvSpPr txBox="1"/>
+          <p:nvPr/>
+        </p:nvSpPr>
+        <p:spPr>
+          <a:xfrm>
+            <a:off x="10738957" y="3557965"/>
+            <a:ext cx="704039" cy="1323439"/>
+          </a:xfrm>
+          <a:prstGeom prst="rect">
+            <a:avLst/>
+          </a:prstGeom>
+          <a:noFill/>
+        </p:spPr>
+        <p:txBody>
+          <a:bodyPr wrap="none" rtlCol="0">
+            <a:spAutoFit/>
+          </a:bodyPr>
+          <a:lstStyle/>
+          <a:p>
+            <a:r>
+              <a:rPr lang="en-US" sz="8000" dirty="0"/>
+              <a:t>5</a:t>
+            </a:r>
+            <a:endParaRPr lang="en-PH" sz="8000" dirty="0"/>
+          </a:p>
+        </p:txBody>
+      </p:sp>
+      <mc:AlternateContent xmlns:mc="http://schemas.openxmlformats.org/markup-compatibility/2006">
+        <mc:Choice xmlns:p14="http://schemas.microsoft.com/office/powerpoint/2010/main" Requires="p14">
+          <p:contentPart p14:bwMode="auto" r:id="rId4">
+            <p14:nvContentPartPr>
+              <p14:cNvPr id="8" name="Ink 7">
+                <a:extLst>
+                  <a:ext uri="{FF2B5EF4-FFF2-40B4-BE49-F238E27FC236}">
+                    <a16:creationId xmlns:a16="http://schemas.microsoft.com/office/drawing/2014/main" id="{CED144A3-5FD5-0ACA-3C36-70F628383653}"/>
+                  </a:ext>
+                </a:extLst>
+              </p14:cNvPr>
+              <p14:cNvContentPartPr/>
+              <p14:nvPr/>
+            </p14:nvContentPartPr>
+            <p14:xfrm>
+              <a:off x="7829727" y="4306717"/>
+              <a:ext cx="2506320" cy="1066680"/>
+            </p14:xfrm>
+          </p:contentPart>
+        </mc:Choice>
+        <mc:Fallback>
+          <p:pic>
+            <p:nvPicPr>
+              <p:cNvPr id="8" name="Ink 7">
+                <a:extLst>
+                  <a:ext uri="{FF2B5EF4-FFF2-40B4-BE49-F238E27FC236}">
+                    <a16:creationId xmlns:a16="http://schemas.microsoft.com/office/drawing/2014/main" id="{CED144A3-5FD5-0ACA-3C36-70F628383653}"/>
+                  </a:ext>
+                </a:extLst>
+              </p:cNvPr>
+              <p:cNvPicPr/>
+              <p:nvPr/>
+            </p:nvPicPr>
+            <p:blipFill>
+              <a:blip r:embed="rId5"/>
+              <a:stretch>
+                <a:fillRect/>
+              </a:stretch>
+            </p:blipFill>
+            <p:spPr>
+              <a:xfrm>
+                <a:off x="7811727" y="4289077"/>
+                <a:ext cx="2541960" cy="1102320"/>
+              </a:xfrm>
+              <a:prstGeom prst="rect">
+                <a:avLst/>
+              </a:prstGeom>
+            </p:spPr>
+          </p:pic>
+        </mc:Fallback>
+      </mc:AlternateContent>
+      <p:grpSp>
+        <p:nvGrpSpPr>
+          <p:cNvPr id="15" name="Group 14">
+            <a:extLst>
+              <a:ext uri="{FF2B5EF4-FFF2-40B4-BE49-F238E27FC236}">
+                <a16:creationId xmlns:a16="http://schemas.microsoft.com/office/drawing/2014/main" id="{069FE94C-FBF2-C25D-BE96-CD13AF265EF1}"/>
+              </a:ext>
+            </a:extLst>
+          </p:cNvPr>
+          <p:cNvGrpSpPr/>
+          <p:nvPr/>
+        </p:nvGrpSpPr>
+        <p:grpSpPr>
+          <a:xfrm>
+            <a:off x="7819287" y="5183317"/>
+            <a:ext cx="288720" cy="372240"/>
+            <a:chOff x="7819287" y="5183317"/>
+            <a:chExt cx="288720" cy="372240"/>
+          </a:xfrm>
+        </p:grpSpPr>
+        <mc:AlternateContent xmlns:mc="http://schemas.openxmlformats.org/markup-compatibility/2006">
+          <mc:Choice xmlns:p14="http://schemas.microsoft.com/office/powerpoint/2010/main" Requires="p14">
+            <p:contentPart p14:bwMode="auto" r:id="rId6">
+              <p14:nvContentPartPr>
+                <p14:cNvPr id="12" name="Ink 11">
+                  <a:extLst>
+                    <a:ext uri="{FF2B5EF4-FFF2-40B4-BE49-F238E27FC236}">
+                      <a16:creationId xmlns:a16="http://schemas.microsoft.com/office/drawing/2014/main" id="{5BF084DB-8BDB-28B0-0FFF-5BAB7654AEDA}"/>
+                    </a:ext>
+                  </a:extLst>
+                </p14:cNvPr>
+                <p14:cNvContentPartPr/>
+                <p14:nvPr/>
+              </p14:nvContentPartPr>
+              <p14:xfrm>
+                <a:off x="7825767" y="5183317"/>
+                <a:ext cx="133200" cy="195840"/>
+              </p14:xfrm>
+            </p:contentPart>
+          </mc:Choice>
+          <mc:Fallback>
+            <p:pic>
+              <p:nvPicPr>
+                <p:cNvPr id="12" name="Ink 11">
+                  <a:extLst>
+                    <a:ext uri="{FF2B5EF4-FFF2-40B4-BE49-F238E27FC236}">
+                      <a16:creationId xmlns:a16="http://schemas.microsoft.com/office/drawing/2014/main" id="{5BF084DB-8BDB-28B0-0FFF-5BAB7654AEDA}"/>
+                    </a:ext>
+                  </a:extLst>
+                </p:cNvPr>
+                <p:cNvPicPr/>
+                <p:nvPr/>
+              </p:nvPicPr>
+              <p:blipFill>
+                <a:blip r:embed="rId7"/>
+                <a:stretch>
+                  <a:fillRect/>
+                </a:stretch>
+              </p:blipFill>
+              <p:spPr>
+                <a:xfrm>
+                  <a:off x="7807767" y="5165677"/>
+                  <a:ext cx="168840" cy="231480"/>
+                </a:xfrm>
+                <a:prstGeom prst="rect">
+                  <a:avLst/>
+                </a:prstGeom>
+              </p:spPr>
+            </p:pic>
+          </mc:Fallback>
+        </mc:AlternateContent>
+        <mc:AlternateContent xmlns:mc="http://schemas.openxmlformats.org/markup-compatibility/2006">
+          <mc:Choice xmlns:p14="http://schemas.microsoft.com/office/powerpoint/2010/main" Requires="p14">
+            <p:contentPart p14:bwMode="auto" r:id="rId8">
+              <p14:nvContentPartPr>
+                <p14:cNvPr id="14" name="Ink 13">
+                  <a:extLst>
+                    <a:ext uri="{FF2B5EF4-FFF2-40B4-BE49-F238E27FC236}">
+                      <a16:creationId xmlns:a16="http://schemas.microsoft.com/office/drawing/2014/main" id="{287BBBFD-2A94-C893-6911-20281B61DE5C}"/>
+                    </a:ext>
+                  </a:extLst>
+                </p14:cNvPr>
+                <p14:cNvContentPartPr/>
+                <p14:nvPr/>
+              </p14:nvContentPartPr>
+              <p14:xfrm>
+                <a:off x="7819287" y="5391397"/>
+                <a:ext cx="288720" cy="164160"/>
+              </p14:xfrm>
+            </p:contentPart>
+          </mc:Choice>
+          <mc:Fallback>
+            <p:pic>
+              <p:nvPicPr>
+                <p:cNvPr id="14" name="Ink 13">
+                  <a:extLst>
+                    <a:ext uri="{FF2B5EF4-FFF2-40B4-BE49-F238E27FC236}">
+                      <a16:creationId xmlns:a16="http://schemas.microsoft.com/office/drawing/2014/main" id="{287BBBFD-2A94-C893-6911-20281B61DE5C}"/>
+                    </a:ext>
+                  </a:extLst>
+                </p:cNvPr>
+                <p:cNvPicPr/>
+                <p:nvPr/>
+              </p:nvPicPr>
+              <p:blipFill>
+                <a:blip r:embed="rId9"/>
+                <a:stretch>
+                  <a:fillRect/>
+                </a:stretch>
+              </p:blipFill>
+              <p:spPr>
+                <a:xfrm>
+                  <a:off x="7801647" y="5373757"/>
+                  <a:ext cx="324360" cy="199800"/>
+                </a:xfrm>
+                <a:prstGeom prst="rect">
+                  <a:avLst/>
+                </a:prstGeom>
+              </p:spPr>
+            </p:pic>
+          </mc:Fallback>
+        </mc:AlternateContent>
+      </p:grpSp>
+    </p:spTree>
+    <p:extLst>
+      <p:ext uri="{BB962C8B-B14F-4D97-AF65-F5344CB8AC3E}">
+        <p14:creationId xmlns:p14="http://schemas.microsoft.com/office/powerpoint/2010/main" val="4067495681"/>
+      </p:ext>
+    </p:extLst>
+  </p:cSld>
+  <p:clrMapOvr>
+    <a:masterClrMapping/>
+  </p:clrMapOvr>
+  <p:timing>
+    <p:tnLst>
+      <p:par>
+        <p:cTn id="1" dur="indefinite" restart="never" nodeType="tmRoot">
+          <p:childTnLst>
+            <p:seq concurrent="1" nextAc="seek">
+              <p:cTn id="2" dur="indefinite" nodeType="mainSeq">
+                <p:childTnLst>
+                  <p:par>
+                    <p:cTn id="3" fill="hold">
+                      <p:stCondLst>
+                        <p:cond delay="indefinite"/>
+                      </p:stCondLst>
+                      <p:childTnLst>
+                        <p:par>
+                          <p:cTn id="4" fill="hold">
+                            <p:stCondLst>
+                              <p:cond delay="0"/>
+                            </p:stCondLst>
+                            <p:childTnLst>
+                              <p:par>
+                                <p:cTn id="5" presetID="3" presetClass="entr" presetSubtype="10" fill="hold" grpId="0" nodeType="clickEffect">
+                                  <p:stCondLst>
+                                    <p:cond delay="0"/>
+                                  </p:stCondLst>
+                                  <p:childTnLst>
+                                    <p:set>
+                                      <p:cBhvr>
+                                        <p:cTn id="6" dur="1" fill="hold">
+                                          <p:stCondLst>
+                                            <p:cond delay="0"/>
+                                          </p:stCondLst>
+                                        </p:cTn>
+                                        <p:tgtEl>
+                                          <p:spTgt spid="25"/>
+                                        </p:tgtEl>
+                                        <p:attrNameLst>
+                                          <p:attrName>style.visibility</p:attrName>
+                                        </p:attrNameLst>
+                                      </p:cBhvr>
+                                      <p:to>
+                                        <p:strVal val="visible"/>
+                                      </p:to>
+                                    </p:set>
+                                    <p:animEffect transition="in" filter="blinds(horizontal)">
+                                      <p:cBhvr>
+                                        <p:cTn id="7" dur="500"/>
+                                        <p:tgtEl>
+                                          <p:spTgt spid="25"/>
+                                        </p:tgtEl>
+                                      </p:cBhvr>
+                                    </p:animEffect>
+                                  </p:childTnLst>
+                                </p:cTn>
+                              </p:par>
+                            </p:childTnLst>
+                          </p:cTn>
+                        </p:par>
+                      </p:childTnLst>
+                    </p:cTn>
+                  </p:par>
+                  <p:par>
+                    <p:cTn id="8" fill="hold">
+                      <p:stCondLst>
+                        <p:cond delay="indefinite"/>
+                      </p:stCondLst>
+                      <p:childTnLst>
+                        <p:par>
+                          <p:cTn id="9" fill="hold">
+                            <p:stCondLst>
+                              <p:cond delay="0"/>
+                            </p:stCondLst>
+                            <p:childTnLst>
+                              <p:par>
+                                <p:cTn id="10" presetID="3" presetClass="entr" presetSubtype="10" fill="hold" grpId="0" nodeType="clickEffect">
+                                  <p:stCondLst>
+                                    <p:cond delay="0"/>
+                                  </p:stCondLst>
+                                  <p:childTnLst>
+                                    <p:set>
+                                      <p:cBhvr>
+                                        <p:cTn id="11" dur="1" fill="hold">
+                                          <p:stCondLst>
+                                            <p:cond delay="0"/>
+                                          </p:stCondLst>
+                                        </p:cTn>
+                                        <p:tgtEl>
+                                          <p:spTgt spid="35"/>
+                                        </p:tgtEl>
+                                        <p:attrNameLst>
+                                          <p:attrName>style.visibility</p:attrName>
+                                        </p:attrNameLst>
+                                      </p:cBhvr>
+                                      <p:to>
+                                        <p:strVal val="visible"/>
+                                      </p:to>
+                                    </p:set>
+                                    <p:animEffect transition="in" filter="blinds(horizontal)">
+                                      <p:cBhvr>
+                                        <p:cTn id="12" dur="500"/>
+                                        <p:tgtEl>
+                                          <p:spTgt spid="35"/>
+                                        </p:tgtEl>
+                                      </p:cBhvr>
+                                    </p:animEffect>
+                                  </p:childTnLst>
+                                </p:cTn>
+                              </p:par>
+                            </p:childTnLst>
+                          </p:cTn>
+                        </p:par>
+                      </p:childTnLst>
+                    </p:cTn>
+                  </p:par>
+                  <p:par>
+                    <p:cTn id="13" fill="hold">
+                      <p:stCondLst>
+                        <p:cond delay="indefinite"/>
+                      </p:stCondLst>
+                      <p:childTnLst>
+                        <p:par>
+                          <p:cTn id="14" fill="hold">
+                            <p:stCondLst>
+                              <p:cond delay="0"/>
+                            </p:stCondLst>
+                            <p:childTnLst>
+                              <p:par>
+                                <p:cTn id="15" presetID="2" presetClass="exit" presetSubtype="4" fill="hold" grpId="0" nodeType="clickEffect">
+                                  <p:stCondLst>
+                                    <p:cond delay="0"/>
+                                  </p:stCondLst>
+                                  <p:childTnLst>
+                                    <p:anim calcmode="lin" valueType="num">
+                                      <p:cBhvr additive="base">
+                                        <p:cTn id="16" dur="500"/>
+                                        <p:tgtEl>
+                                          <p:spTgt spid="36"/>
+                                        </p:tgtEl>
+                                        <p:attrNameLst>
+                                          <p:attrName>ppt_x</p:attrName>
+                                        </p:attrNameLst>
+                                      </p:cBhvr>
+                                      <p:tavLst>
+                                        <p:tav tm="0">
+                                          <p:val>
+                                            <p:strVal val="ppt_x"/>
+                                          </p:val>
+                                        </p:tav>
+                                        <p:tav tm="100000">
+                                          <p:val>
+                                            <p:strVal val="ppt_x"/>
+                                          </p:val>
+                                        </p:tav>
+                                      </p:tavLst>
+                                    </p:anim>
+                                    <p:anim calcmode="lin" valueType="num">
+                                      <p:cBhvr additive="base">
+                                        <p:cTn id="17" dur="500"/>
+                                        <p:tgtEl>
+                                          <p:spTgt spid="36"/>
+                                        </p:tgtEl>
+                                        <p:attrNameLst>
+                                          <p:attrName>ppt_y</p:attrName>
+                                        </p:attrNameLst>
+                                      </p:cBhvr>
+                                      <p:tavLst>
+                                        <p:tav tm="0">
+                                          <p:val>
+                                            <p:strVal val="ppt_y"/>
+                                          </p:val>
+                                        </p:tav>
+                                        <p:tav tm="100000">
+                                          <p:val>
+                                            <p:strVal val="1+ppt_h/2"/>
+                                          </p:val>
+                                        </p:tav>
+                                      </p:tavLst>
+                                    </p:anim>
+                                    <p:set>
+                                      <p:cBhvr>
+                                        <p:cTn id="18" dur="1" fill="hold">
+                                          <p:stCondLst>
+                                            <p:cond delay="499"/>
+                                          </p:stCondLst>
+                                        </p:cTn>
+                                        <p:tgtEl>
+                                          <p:spTgt spid="36"/>
+                                        </p:tgtEl>
+                                        <p:attrNameLst>
+                                          <p:attrName>style.visibility</p:attrName>
+                                        </p:attrNameLst>
+                                      </p:cBhvr>
+                                      <p:to>
+                                        <p:strVal val="hidden"/>
+                                      </p:to>
+                                    </p:set>
+                                  </p:childTnLst>
+                                </p:cTn>
+                              </p:par>
+                            </p:childTnLst>
+                          </p:cTn>
+                        </p:par>
+                      </p:childTnLst>
+                    </p:cTn>
+                  </p:par>
+                  <p:par>
+                    <p:cTn id="19" fill="hold">
+                      <p:stCondLst>
+                        <p:cond delay="indefinite"/>
+                      </p:stCondLst>
+                      <p:childTnLst>
+                        <p:par>
+                          <p:cTn id="20" fill="hold">
+                            <p:stCondLst>
+                              <p:cond delay="0"/>
+                            </p:stCondLst>
+                            <p:childTnLst>
+                              <p:par>
+                                <p:cTn id="21" presetID="2" presetClass="entr" presetSubtype="4" fill="hold" grpId="0" nodeType="clickEffect">
+                                  <p:stCondLst>
+                                    <p:cond delay="0"/>
+                                  </p:stCondLst>
+                                  <p:childTnLst>
+                                    <p:set>
+                                      <p:cBhvr>
+                                        <p:cTn id="22" dur="1" fill="hold">
+                                          <p:stCondLst>
+                                            <p:cond delay="0"/>
+                                          </p:stCondLst>
+                                        </p:cTn>
+                                        <p:tgtEl>
+                                          <p:spTgt spid="37"/>
+                                        </p:tgtEl>
+                                        <p:attrNameLst>
+                                          <p:attrName>style.visibility</p:attrName>
+                                        </p:attrNameLst>
+                                      </p:cBhvr>
+                                      <p:to>
+                                        <p:strVal val="visible"/>
+                                      </p:to>
+                                    </p:set>
+                                    <p:anim calcmode="lin" valueType="num">
+                                      <p:cBhvr additive="base">
+                                        <p:cTn id="23" dur="500" fill="hold"/>
+                                        <p:tgtEl>
+                                          <p:spTgt spid="37"/>
+                                        </p:tgtEl>
+                                        <p:attrNameLst>
+                                          <p:attrName>ppt_x</p:attrName>
+                                        </p:attrNameLst>
+                                      </p:cBhvr>
+                                      <p:tavLst>
+                                        <p:tav tm="0">
+                                          <p:val>
+                                            <p:strVal val="#ppt_x"/>
+                                          </p:val>
+                                        </p:tav>
+                                        <p:tav tm="100000">
+                                          <p:val>
+                                            <p:strVal val="#ppt_x"/>
+                                          </p:val>
+                                        </p:tav>
+                                      </p:tavLst>
+                                    </p:anim>
+                                    <p:anim calcmode="lin" valueType="num">
+                                      <p:cBhvr additive="base">
+                                        <p:cTn id="24" dur="500" fill="hold"/>
+                                        <p:tgtEl>
+                                          <p:spTgt spid="37"/>
+                                        </p:tgtEl>
+                                        <p:attrNameLst>
+                                          <p:attrName>ppt_y</p:attrName>
+                                        </p:attrNameLst>
+                                      </p:cBhvr>
+                                      <p:tavLst>
+                                        <p:tav tm="0">
+                                          <p:val>
+                                            <p:strVal val="1+#ppt_h/2"/>
+                                          </p:val>
+                                        </p:tav>
+                                        <p:tav tm="100000">
+                                          <p:val>
+                                            <p:strVal val="#ppt_y"/>
+                                          </p:val>
+                                        </p:tav>
+                                      </p:tavLst>
+                                    </p:anim>
+                                  </p:childTnLst>
+                                </p:cTn>
+                              </p:par>
+                            </p:childTnLst>
+                          </p:cTn>
+                        </p:par>
+                      </p:childTnLst>
+                    </p:cTn>
+                  </p:par>
+                  <p:par>
+                    <p:cTn id="25" fill="hold">
+                      <p:stCondLst>
+                        <p:cond delay="indefinite"/>
+                      </p:stCondLst>
+                      <p:childTnLst>
+                        <p:par>
+                          <p:cTn id="26" fill="hold">
+                            <p:stCondLst>
+                              <p:cond delay="0"/>
+                            </p:stCondLst>
+                            <p:childTnLst>
+                              <p:par>
+                                <p:cTn id="27" presetID="3" presetClass="entr" presetSubtype="10" fill="hold" grpId="0" nodeType="clickEffect">
+                                  <p:stCondLst>
+                                    <p:cond delay="0"/>
+                                  </p:stCondLst>
+                                  <p:childTnLst>
+                                    <p:set>
+                                      <p:cBhvr>
+                                        <p:cTn id="28" dur="1" fill="hold">
+                                          <p:stCondLst>
+                                            <p:cond delay="0"/>
+                                          </p:stCondLst>
+                                        </p:cTn>
+                                        <p:tgtEl>
+                                          <p:spTgt spid="26"/>
+                                        </p:tgtEl>
+                                        <p:attrNameLst>
+                                          <p:attrName>style.visibility</p:attrName>
+                                        </p:attrNameLst>
+                                      </p:cBhvr>
+                                      <p:to>
+                                        <p:strVal val="visible"/>
+                                      </p:to>
+                                    </p:set>
+                                    <p:animEffect transition="in" filter="blinds(horizontal)">
+                                      <p:cBhvr>
+                                        <p:cTn id="29" dur="500"/>
+                                        <p:tgtEl>
+                                          <p:spTgt spid="26"/>
+                                        </p:tgtEl>
+                                      </p:cBhvr>
+                                    </p:animEffect>
+                                  </p:childTnLst>
+                                </p:cTn>
+                              </p:par>
+                            </p:childTnLst>
+                          </p:cTn>
+                        </p:par>
+                      </p:childTnLst>
+                    </p:cTn>
+                  </p:par>
+                  <p:par>
+                    <p:cTn id="30" fill="hold">
+                      <p:stCondLst>
+                        <p:cond delay="indefinite"/>
+                      </p:stCondLst>
+                      <p:childTnLst>
+                        <p:par>
+                          <p:cTn id="31" fill="hold">
+                            <p:stCondLst>
+                              <p:cond delay="0"/>
+                            </p:stCondLst>
+                            <p:childTnLst>
+                              <p:par>
+                                <p:cTn id="32" presetID="3" presetClass="entr" presetSubtype="10" fill="hold" grpId="0" nodeType="clickEffect">
+                                  <p:stCondLst>
+                                    <p:cond delay="0"/>
+                                  </p:stCondLst>
+                                  <p:childTnLst>
+                                    <p:set>
+                                      <p:cBhvr>
+                                        <p:cTn id="33" dur="1" fill="hold">
+                                          <p:stCondLst>
+                                            <p:cond delay="0"/>
+                                          </p:stCondLst>
+                                        </p:cTn>
+                                        <p:tgtEl>
+                                          <p:spTgt spid="32"/>
+                                        </p:tgtEl>
+                                        <p:attrNameLst>
+                                          <p:attrName>style.visibility</p:attrName>
+                                        </p:attrNameLst>
+                                      </p:cBhvr>
+                                      <p:to>
+                                        <p:strVal val="visible"/>
+                                      </p:to>
+                                    </p:set>
+                                    <p:animEffect transition="in" filter="blinds(horizontal)">
+                                      <p:cBhvr>
+                                        <p:cTn id="34" dur="500"/>
+                                        <p:tgtEl>
+                                          <p:spTgt spid="32"/>
+                                        </p:tgtEl>
+                                      </p:cBhvr>
+                                    </p:animEffect>
+                                  </p:childTnLst>
+                                </p:cTn>
+                              </p:par>
+                            </p:childTnLst>
+                          </p:cTn>
+                        </p:par>
+                      </p:childTnLst>
+                    </p:cTn>
+                  </p:par>
+                  <p:par>
+                    <p:cTn id="35" fill="hold">
+                      <p:stCondLst>
+                        <p:cond delay="indefinite"/>
+                      </p:stCondLst>
+                      <p:childTnLst>
+                        <p:par>
+                          <p:cTn id="36" fill="hold">
+                            <p:stCondLst>
+                              <p:cond delay="0"/>
+                            </p:stCondLst>
+                            <p:childTnLst>
+                              <p:par>
+                                <p:cTn id="37" presetID="3" presetClass="entr" presetSubtype="10" fill="hold" grpId="0" nodeType="clickEffect">
+                                  <p:stCondLst>
+                                    <p:cond delay="0"/>
+                                  </p:stCondLst>
+                                  <p:childTnLst>
+                                    <p:set>
+                                      <p:cBhvr>
+                                        <p:cTn id="38" dur="1" fill="hold">
+                                          <p:stCondLst>
+                                            <p:cond delay="0"/>
+                                          </p:stCondLst>
+                                        </p:cTn>
+                                        <p:tgtEl>
+                                          <p:spTgt spid="38"/>
+                                        </p:tgtEl>
+                                        <p:attrNameLst>
+                                          <p:attrName>style.visibility</p:attrName>
+                                        </p:attrNameLst>
+                                      </p:cBhvr>
+                                      <p:to>
+                                        <p:strVal val="visible"/>
+                                      </p:to>
+                                    </p:set>
+                                    <p:animEffect transition="in" filter="blinds(horizontal)">
+                                      <p:cBhvr>
+                                        <p:cTn id="39" dur="500"/>
+                                        <p:tgtEl>
+                                          <p:spTgt spid="38"/>
+                                        </p:tgtEl>
+                                      </p:cBhvr>
+                                    </p:animEffect>
+                                  </p:childTnLst>
+                                </p:cTn>
+                              </p:par>
+                            </p:childTnLst>
+                          </p:cTn>
+                        </p:par>
+                      </p:childTnLst>
+                    </p:cTn>
+                  </p:par>
+                  <p:par>
+                    <p:cTn id="40" fill="hold">
+                      <p:stCondLst>
+                        <p:cond delay="indefinite"/>
+                      </p:stCondLst>
+                      <p:childTnLst>
+                        <p:par>
+                          <p:cTn id="41" fill="hold">
+                            <p:stCondLst>
+                              <p:cond delay="0"/>
+                            </p:stCondLst>
+                            <p:childTnLst>
+                              <p:par>
+                                <p:cTn id="42" presetID="2" presetClass="exit" presetSubtype="4" fill="hold" grpId="0" nodeType="clickEffect">
+                                  <p:stCondLst>
+                                    <p:cond delay="0"/>
+                                  </p:stCondLst>
+                                  <p:childTnLst>
+                                    <p:anim calcmode="lin" valueType="num">
+                                      <p:cBhvr additive="base">
+                                        <p:cTn id="43" dur="500"/>
+                                        <p:tgtEl>
+                                          <p:spTgt spid="41"/>
+                                        </p:tgtEl>
+                                        <p:attrNameLst>
+                                          <p:attrName>ppt_x</p:attrName>
+                                        </p:attrNameLst>
+                                      </p:cBhvr>
+                                      <p:tavLst>
+                                        <p:tav tm="0">
+                                          <p:val>
+                                            <p:strVal val="ppt_x"/>
+                                          </p:val>
+                                        </p:tav>
+                                        <p:tav tm="100000">
+                                          <p:val>
+                                            <p:strVal val="ppt_x"/>
+                                          </p:val>
+                                        </p:tav>
+                                      </p:tavLst>
+                                    </p:anim>
+                                    <p:anim calcmode="lin" valueType="num">
+                                      <p:cBhvr additive="base">
+                                        <p:cTn id="44" dur="500"/>
+                                        <p:tgtEl>
+                                          <p:spTgt spid="41"/>
+                                        </p:tgtEl>
+                                        <p:attrNameLst>
+                                          <p:attrName>ppt_y</p:attrName>
+                                        </p:attrNameLst>
+                                      </p:cBhvr>
+                                      <p:tavLst>
+                                        <p:tav tm="0">
+                                          <p:val>
+                                            <p:strVal val="ppt_y"/>
+                                          </p:val>
+                                        </p:tav>
+                                        <p:tav tm="100000">
+                                          <p:val>
+                                            <p:strVal val="1+ppt_h/2"/>
+                                          </p:val>
+                                        </p:tav>
+                                      </p:tavLst>
+                                    </p:anim>
+                                    <p:set>
+                                      <p:cBhvr>
+                                        <p:cTn id="45" dur="1" fill="hold">
+                                          <p:stCondLst>
+                                            <p:cond delay="499"/>
+                                          </p:stCondLst>
+                                        </p:cTn>
+                                        <p:tgtEl>
+                                          <p:spTgt spid="41"/>
+                                        </p:tgtEl>
+                                        <p:attrNameLst>
+                                          <p:attrName>style.visibility</p:attrName>
+                                        </p:attrNameLst>
+                                      </p:cBhvr>
+                                      <p:to>
+                                        <p:strVal val="hidden"/>
+                                      </p:to>
+                                    </p:set>
+                                  </p:childTnLst>
+                                </p:cTn>
+                              </p:par>
+                            </p:childTnLst>
+                          </p:cTn>
+                        </p:par>
+                      </p:childTnLst>
+                    </p:cTn>
+                  </p:par>
+                  <p:par>
+                    <p:cTn id="46" fill="hold">
+                      <p:stCondLst>
+                        <p:cond delay="indefinite"/>
+                      </p:stCondLst>
+                      <p:childTnLst>
+                        <p:par>
+                          <p:cTn id="47" fill="hold">
+                            <p:stCondLst>
+                              <p:cond delay="0"/>
+                            </p:stCondLst>
+                            <p:childTnLst>
+                              <p:par>
+                                <p:cTn id="48" presetID="2" presetClass="entr" presetSubtype="4" fill="hold" grpId="0" nodeType="clickEffect">
+                                  <p:stCondLst>
+                                    <p:cond delay="0"/>
+                                  </p:stCondLst>
+                                  <p:childTnLst>
+                                    <p:set>
+                                      <p:cBhvr>
+                                        <p:cTn id="49" dur="1" fill="hold">
+                                          <p:stCondLst>
+                                            <p:cond delay="0"/>
+                                          </p:stCondLst>
+                                        </p:cTn>
+                                        <p:tgtEl>
+                                          <p:spTgt spid="39"/>
+                                        </p:tgtEl>
+                                        <p:attrNameLst>
+                                          <p:attrName>style.visibility</p:attrName>
+                                        </p:attrNameLst>
+                                      </p:cBhvr>
+                                      <p:to>
+                                        <p:strVal val="visible"/>
+                                      </p:to>
+                                    </p:set>
+                                    <p:anim calcmode="lin" valueType="num">
+                                      <p:cBhvr additive="base">
+                                        <p:cTn id="50" dur="500" fill="hold"/>
+                                        <p:tgtEl>
+                                          <p:spTgt spid="39"/>
+                                        </p:tgtEl>
+                                        <p:attrNameLst>
+                                          <p:attrName>ppt_x</p:attrName>
+                                        </p:attrNameLst>
+                                      </p:cBhvr>
+                                      <p:tavLst>
+                                        <p:tav tm="0">
+                                          <p:val>
+                                            <p:strVal val="#ppt_x"/>
+                                          </p:val>
+                                        </p:tav>
+                                        <p:tav tm="100000">
+                                          <p:val>
+                                            <p:strVal val="#ppt_x"/>
+                                          </p:val>
+                                        </p:tav>
+                                      </p:tavLst>
+                                    </p:anim>
+                                    <p:anim calcmode="lin" valueType="num">
+                                      <p:cBhvr additive="base">
+                                        <p:cTn id="51" dur="500" fill="hold"/>
+                                        <p:tgtEl>
+                                          <p:spTgt spid="39"/>
+                                        </p:tgtEl>
+                                        <p:attrNameLst>
+                                          <p:attrName>ppt_y</p:attrName>
+                                        </p:attrNameLst>
+                                      </p:cBhvr>
+                                      <p:tavLst>
+                                        <p:tav tm="0">
+                                          <p:val>
+                                            <p:strVal val="1+#ppt_h/2"/>
+                                          </p:val>
+                                        </p:tav>
+                                        <p:tav tm="100000">
+                                          <p:val>
+                                            <p:strVal val="#ppt_y"/>
+                                          </p:val>
+                                        </p:tav>
+                                      </p:tavLst>
+                                    </p:anim>
+                                  </p:childTnLst>
+                                </p:cTn>
+                              </p:par>
+                            </p:childTnLst>
+                          </p:cTn>
+                        </p:par>
+                      </p:childTnLst>
+                    </p:cTn>
+                  </p:par>
+                  <p:par>
+                    <p:cTn id="52" fill="hold">
+                      <p:stCondLst>
+                        <p:cond delay="indefinite"/>
+                      </p:stCondLst>
+                      <p:childTnLst>
+                        <p:par>
+                          <p:cTn id="53" fill="hold">
+                            <p:stCondLst>
+                              <p:cond delay="0"/>
+                            </p:stCondLst>
+                            <p:childTnLst>
+                              <p:par>
+                                <p:cTn id="54" presetID="3" presetClass="entr" presetSubtype="10" fill="hold" grpId="0" nodeType="clickEffect">
+                                  <p:stCondLst>
+                                    <p:cond delay="0"/>
+                                  </p:stCondLst>
+                                  <p:childTnLst>
+                                    <p:set>
+                                      <p:cBhvr>
+                                        <p:cTn id="55" dur="1" fill="hold">
+                                          <p:stCondLst>
+                                            <p:cond delay="0"/>
+                                          </p:stCondLst>
+                                        </p:cTn>
+                                        <p:tgtEl>
+                                          <p:spTgt spid="33"/>
+                                        </p:tgtEl>
+                                        <p:attrNameLst>
+                                          <p:attrName>style.visibility</p:attrName>
+                                        </p:attrNameLst>
+                                      </p:cBhvr>
+                                      <p:to>
+                                        <p:strVal val="visible"/>
+                                      </p:to>
+                                    </p:set>
+                                    <p:animEffect transition="in" filter="blinds(horizontal)">
+                                      <p:cBhvr>
+                                        <p:cTn id="56" dur="500"/>
+                                        <p:tgtEl>
+                                          <p:spTgt spid="33"/>
+                                        </p:tgtEl>
+                                      </p:cBhvr>
+                                    </p:animEffect>
+                                  </p:childTnLst>
+                                </p:cTn>
+                              </p:par>
+                            </p:childTnLst>
+                          </p:cTn>
+                        </p:par>
+                      </p:childTnLst>
+                    </p:cTn>
+                  </p:par>
+                  <p:par>
+                    <p:cTn id="57" fill="hold">
+                      <p:stCondLst>
+                        <p:cond delay="indefinite"/>
+                      </p:stCondLst>
+                      <p:childTnLst>
+                        <p:par>
+                          <p:cTn id="58" fill="hold">
+                            <p:stCondLst>
+                              <p:cond delay="0"/>
+                            </p:stCondLst>
+                            <p:childTnLst>
+                              <p:par>
+                                <p:cTn id="59" presetID="63" presetClass="entr" presetSubtype="0" fill="hold" nodeType="clickEffect">
+                                  <p:stCondLst>
+                                    <p:cond delay="0"/>
+                                  </p:stCondLst>
+                                  <p:childTnLst>
+                                    <p:set>
+                                      <p:cBhvr>
+                                        <p:cTn id="60" dur="1" fill="hold">
+                                          <p:stCondLst>
+                                            <p:cond delay="0"/>
+                                          </p:stCondLst>
+                                        </p:cTn>
+                                        <p:tgtEl>
+                                          <p:spTgt spid="8"/>
+                                        </p:tgtEl>
+                                        <p:attrNameLst>
+                                          <p:attrName>style.visibility</p:attrName>
+                                        </p:attrNameLst>
+                                      </p:cBhvr>
+                                      <p:to>
+                                        <p:strVal val="visible"/>
+                                      </p:to>
+                                    </p:set>
+                                    <p:anim calcmode="lin" valueType="num">
+                                      <p:cBhvr>
+                                        <p:cTn id="61" dur="2000" fill="hold"/>
+                                        <p:tgtEl>
+                                          <p:spTgt spid="8"/>
+                                        </p:tgtEl>
+                                        <p:attrNameLst>
+                                          <p:attrName>drawProgress</p:attrName>
+                                        </p:attrNameLst>
+                                      </p:cBhvr>
+                                      <p:tavLst>
+                                        <p:tav tm="0">
+                                          <p:val>
+                                            <p:fltVal val="0"/>
+                                          </p:val>
+                                        </p:tav>
+                                        <p:tav tm="100000">
+                                          <p:val>
+                                            <p:fltVal val="1"/>
+                                          </p:val>
+                                        </p:tav>
+                                      </p:tavLst>
+                                    </p:anim>
+                                  </p:childTnLst>
+                                </p:cTn>
+                              </p:par>
+                            </p:childTnLst>
+                          </p:cTn>
+                        </p:par>
+                      </p:childTnLst>
+                    </p:cTn>
+                  </p:par>
+                  <p:par>
+                    <p:cTn id="62" fill="hold">
+                      <p:stCondLst>
+                        <p:cond delay="indefinite"/>
+                      </p:stCondLst>
+                      <p:childTnLst>
+                        <p:par>
+                          <p:cTn id="63" fill="hold">
+                            <p:stCondLst>
+                              <p:cond delay="0"/>
+                            </p:stCondLst>
+                            <p:childTnLst>
+                              <p:par>
+                                <p:cTn id="64" presetID="63" presetClass="entr" presetSubtype="0" fill="hold" nodeType="clickEffect">
+                                  <p:stCondLst>
+                                    <p:cond delay="0"/>
+                                  </p:stCondLst>
+                                  <p:childTnLst>
+                                    <p:set>
+                                      <p:cBhvr>
+                                        <p:cTn id="65" dur="1" fill="hold">
+                                          <p:stCondLst>
+                                            <p:cond delay="0"/>
+                                          </p:stCondLst>
+                                        </p:cTn>
+                                        <p:tgtEl>
+                                          <p:spTgt spid="15"/>
+                                        </p:tgtEl>
+                                        <p:attrNameLst>
+                                          <p:attrName>style.visibility</p:attrName>
+                                        </p:attrNameLst>
+                                      </p:cBhvr>
+                                      <p:to>
+                                        <p:strVal val="visible"/>
+                                      </p:to>
+                                    </p:set>
+                                    <p:anim calcmode="lin" valueType="num">
+                                      <p:cBhvr>
+                                        <p:cTn id="66" dur="2000" fill="hold"/>
+                                        <p:tgtEl>
+                                          <p:spTgt spid="15"/>
+                                        </p:tgtEl>
+                                        <p:attrNameLst>
+                                          <p:attrName>drawProgress</p:attrName>
+                                        </p:attrNameLst>
+                                      </p:cBhvr>
+                                      <p:tavLst>
+                                        <p:tav tm="0">
+                                          <p:val>
+                                            <p:fltVal val="0"/>
+                                          </p:val>
+                                        </p:tav>
+                                        <p:tav tm="100000">
+                                          <p:val>
+                                            <p:fltVal val="1"/>
+                                          </p:val>
+                                        </p:tav>
+                                      </p:tavLst>
+                                    </p:anim>
+                                  </p:childTnLst>
+                                </p:cTn>
+                              </p:par>
+                            </p:childTnLst>
+                          </p:cTn>
+                        </p:par>
+                      </p:childTnLst>
+                    </p:cTn>
+                  </p:par>
+                </p:childTnLst>
+              </p:cTn>
+              <p:prevCondLst>
+                <p:cond evt="onPrev" delay="0">
+                  <p:tgtEl>
+                    <p:sldTgt/>
+                  </p:tgtEl>
+                </p:cond>
+              </p:prevCondLst>
+              <p:nextCondLst>
+                <p:cond evt="onNext" delay="0">
+                  <p:tgtEl>
+                    <p:sldTgt/>
+                  </p:tgtEl>
+                </p:cond>
+              </p:nextCondLst>
+            </p:seq>
+          </p:childTnLst>
+        </p:cTn>
+      </p:par>
+    </p:tnLst>
+    <p:bldLst>
+      <p:bldP spid="25" grpId="0"/>
+      <p:bldP spid="26" grpId="0"/>
+      <p:bldP spid="32" grpId="0"/>
+      <p:bldP spid="33" grpId="0"/>
+      <p:bldP spid="35" grpId="0"/>
+      <p:bldP spid="36" grpId="0"/>
+      <p:bldP spid="37" grpId="0"/>
+      <p:bldP spid="38" grpId="0"/>
+      <p:bldP spid="39" grpId="0"/>
+      <p:bldP spid="41" grpId="0"/>
+    </p:bldLst>
+  </p:timing>
+</p:sld>
+</file>
+
+<file path=ppt/slides/slide18.xml><?xml version="1.0" encoding="utf-8"?>
+<p:sld xmlns:a="http://schemas.openxmlformats.org/drawingml/2006/main" xmlns:r="http://schemas.openxmlformats.org/officeDocument/2006/relationships" xmlns:p="http://schemas.openxmlformats.org/presentationml/2006/main">
+  <p:cSld>
+    <p:bg>
+      <p:bgPr>
+        <a:blipFill dpi="0" rotWithShape="1">
+          <a:blip r:embed="rId3">
+            <a:alphaModFix amt="99000"/>
+            <a:lum/>
+          </a:blip>
+          <a:srcRect/>
+          <a:stretch>
+            <a:fillRect t="89000" r="85000" b="-1000"/>
+          </a:stretch>
+        </a:blipFill>
+        <a:effectLst/>
+      </p:bgPr>
+    </p:bg>
+    <p:spTree>
+      <p:nvGrpSpPr>
+        <p:cNvPr id="1" name=""/>
+        <p:cNvGrpSpPr/>
+        <p:nvPr/>
+      </p:nvGrpSpPr>
+      <p:grpSpPr>
+        <a:xfrm>
+          <a:off x="0" y="0"/>
+          <a:ext cx="0" cy="0"/>
+          <a:chOff x="0" y="0"/>
+          <a:chExt cx="0" cy="0"/>
+        </a:xfrm>
+      </p:grpSpPr>
+      <p:sp>
+        <p:nvSpPr>
+          <p:cNvPr id="13" name="Title 1">
+            <a:extLst>
+              <a:ext uri="{FF2B5EF4-FFF2-40B4-BE49-F238E27FC236}">
+                <a16:creationId xmlns:a16="http://schemas.microsoft.com/office/drawing/2014/main" id="{9A8D5BAB-B043-D3CD-367F-5A26BCC03BEB}"/>
+              </a:ext>
+            </a:extLst>
+          </p:cNvPr>
+          <p:cNvSpPr>
+            <a:spLocks noGrp="1"/>
+          </p:cNvSpPr>
+          <p:nvPr>
+            <p:ph type="ctrTitle"/>
+          </p:nvPr>
+        </p:nvSpPr>
+        <p:spPr>
+          <a:xfrm>
+            <a:off x="598967" y="239552"/>
+            <a:ext cx="11133827" cy="855727"/>
+          </a:xfrm>
+        </p:spPr>
+        <p:txBody>
+          <a:bodyPr>
+            <a:normAutofit/>
+          </a:bodyPr>
+          <a:lstStyle/>
+          <a:p>
+            <a:r>
+              <a:rPr lang="en-GB" sz="5400" b="1" dirty="0">
+                <a:latin typeface="Calibri Light (Headings)"/>
+              </a:rPr>
+              <a:t>Two’s Complement Subtraction</a:t>
+            </a:r>
+            <a:endParaRPr lang="en-PH" sz="5000" b="1" dirty="0">
+              <a:latin typeface="Calibri Light (Headings)"/>
+            </a:endParaRPr>
+          </a:p>
+        </p:txBody>
+      </p:sp>
+      <p:sp>
+        <p:nvSpPr>
+          <p:cNvPr id="42" name="TextBox 41">
+            <a:extLst>
+              <a:ext uri="{FF2B5EF4-FFF2-40B4-BE49-F238E27FC236}">
+                <a16:creationId xmlns:a16="http://schemas.microsoft.com/office/drawing/2014/main" id="{CF2DBF3A-DC27-B6C8-6A20-EEEB3B482B7B}"/>
+              </a:ext>
+            </a:extLst>
+          </p:cNvPr>
+          <p:cNvSpPr txBox="1"/>
+          <p:nvPr/>
+        </p:nvSpPr>
+        <p:spPr>
+          <a:xfrm>
+            <a:off x="197961" y="4355789"/>
+            <a:ext cx="4003250" cy="738664"/>
+          </a:xfrm>
+          <a:prstGeom prst="rect">
+            <a:avLst/>
+          </a:prstGeom>
+          <a:noFill/>
+        </p:spPr>
+        <p:txBody>
+          <a:bodyPr wrap="square">
+            <a:spAutoFit/>
+          </a:bodyPr>
+          <a:lstStyle/>
+          <a:p>
+            <a:r>
+              <a:rPr lang="en-PH" sz="2100" b="1" dirty="0"/>
+              <a:t>Step 1: </a:t>
+            </a:r>
+            <a:r>
+              <a:rPr lang="en-PH" sz="2100" dirty="0"/>
+              <a:t>Take the two’s complement of the subtrahend</a:t>
+            </a:r>
+            <a:endParaRPr lang="en-US" sz="2100" b="1" dirty="0">
+              <a:solidFill>
+                <a:srgbClr val="00B050"/>
+              </a:solidFill>
+            </a:endParaRPr>
+          </a:p>
+        </p:txBody>
+      </p:sp>
+      <p:sp>
+        <p:nvSpPr>
+          <p:cNvPr id="49" name="TextBox 48">
+            <a:extLst>
+              <a:ext uri="{FF2B5EF4-FFF2-40B4-BE49-F238E27FC236}">
+                <a16:creationId xmlns:a16="http://schemas.microsoft.com/office/drawing/2014/main" id="{D872AC00-EAB2-1C7E-4D15-0673859B8889}"/>
+              </a:ext>
+            </a:extLst>
+          </p:cNvPr>
+          <p:cNvSpPr txBox="1"/>
+          <p:nvPr/>
+        </p:nvSpPr>
+        <p:spPr>
+          <a:xfrm>
+            <a:off x="4972050" y="1350977"/>
+            <a:ext cx="2959465" cy="1323439"/>
+          </a:xfrm>
+          <a:prstGeom prst="rect">
+            <a:avLst/>
+          </a:prstGeom>
+          <a:noFill/>
+        </p:spPr>
+        <p:txBody>
+          <a:bodyPr wrap="none" rtlCol="0">
+            <a:spAutoFit/>
+          </a:bodyPr>
+          <a:lstStyle/>
+          <a:p>
+            <a:r>
+              <a:rPr lang="en-US" sz="8000" dirty="0"/>
+              <a:t>0 1 0 1</a:t>
+            </a:r>
+            <a:endParaRPr lang="en-PH" sz="8000" dirty="0"/>
+          </a:p>
+        </p:txBody>
+      </p:sp>
+      <p:sp>
+        <p:nvSpPr>
+          <p:cNvPr id="50" name="TextBox 49">
+            <a:extLst>
+              <a:ext uri="{FF2B5EF4-FFF2-40B4-BE49-F238E27FC236}">
+                <a16:creationId xmlns:a16="http://schemas.microsoft.com/office/drawing/2014/main" id="{694CE0CF-3891-2BF3-1483-49B8D607C6F5}"/>
+              </a:ext>
+            </a:extLst>
+          </p:cNvPr>
+          <p:cNvSpPr txBox="1"/>
+          <p:nvPr/>
+        </p:nvSpPr>
+        <p:spPr>
+          <a:xfrm>
+            <a:off x="4972050" y="2354277"/>
+            <a:ext cx="2959465" cy="1323439"/>
+          </a:xfrm>
+          <a:prstGeom prst="rect">
+            <a:avLst/>
+          </a:prstGeom>
+          <a:noFill/>
+        </p:spPr>
+        <p:txBody>
+          <a:bodyPr wrap="none" rtlCol="0">
+            <a:spAutoFit/>
+          </a:bodyPr>
+          <a:lstStyle/>
+          <a:p>
+            <a:r>
+              <a:rPr lang="en-US" sz="8000" dirty="0"/>
+              <a:t>1 0 1 0</a:t>
+            </a:r>
+            <a:endParaRPr lang="en-PH" sz="8000" dirty="0"/>
+          </a:p>
+        </p:txBody>
+      </p:sp>
+      <p:sp>
+        <p:nvSpPr>
+          <p:cNvPr id="51" name="TextBox 50">
+            <a:extLst>
+              <a:ext uri="{FF2B5EF4-FFF2-40B4-BE49-F238E27FC236}">
+                <a16:creationId xmlns:a16="http://schemas.microsoft.com/office/drawing/2014/main" id="{F8C6582C-EF9E-1B46-4083-35AEBA69D39F}"/>
+              </a:ext>
+            </a:extLst>
+          </p:cNvPr>
+          <p:cNvSpPr txBox="1"/>
+          <p:nvPr/>
+        </p:nvSpPr>
+        <p:spPr>
+          <a:xfrm>
+            <a:off x="7227476" y="3357577"/>
+            <a:ext cx="704039" cy="1323439"/>
+          </a:xfrm>
+          <a:prstGeom prst="rect">
+            <a:avLst/>
+          </a:prstGeom>
+          <a:noFill/>
+        </p:spPr>
+        <p:txBody>
+          <a:bodyPr wrap="none" rtlCol="0">
+            <a:spAutoFit/>
+          </a:bodyPr>
+          <a:lstStyle/>
+          <a:p>
+            <a:r>
+              <a:rPr lang="en-US" sz="8000" dirty="0"/>
+              <a:t>1</a:t>
+            </a:r>
+            <a:endParaRPr lang="en-PH" sz="8000" dirty="0"/>
+          </a:p>
+        </p:txBody>
+      </p:sp>
+      <p:sp>
+        <p:nvSpPr>
+          <p:cNvPr id="52" name="TextBox 51">
+            <a:extLst>
+              <a:ext uri="{FF2B5EF4-FFF2-40B4-BE49-F238E27FC236}">
+                <a16:creationId xmlns:a16="http://schemas.microsoft.com/office/drawing/2014/main" id="{83F03E2F-E6F8-D88B-A8D8-4A8BE48FAF45}"/>
+              </a:ext>
+            </a:extLst>
+          </p:cNvPr>
+          <p:cNvSpPr txBox="1"/>
+          <p:nvPr/>
+        </p:nvSpPr>
+        <p:spPr>
+          <a:xfrm>
+            <a:off x="4945600" y="3813191"/>
+            <a:ext cx="3012363" cy="1323439"/>
+          </a:xfrm>
+          <a:prstGeom prst="rect">
+            <a:avLst/>
+          </a:prstGeom>
+          <a:noFill/>
+        </p:spPr>
+        <p:txBody>
+          <a:bodyPr wrap="none" rtlCol="0">
+            <a:spAutoFit/>
+          </a:bodyPr>
+          <a:lstStyle/>
+          <a:p>
+            <a:r>
+              <a:rPr lang="en-US" sz="8000" dirty="0"/>
+              <a:t>---------</a:t>
+            </a:r>
+            <a:endParaRPr lang="en-PH" sz="8000" dirty="0"/>
+          </a:p>
+        </p:txBody>
+      </p:sp>
+      <p:sp>
+        <p:nvSpPr>
+          <p:cNvPr id="54" name="Plus 17">
+            <a:extLst>
+              <a:ext uri="{FF2B5EF4-FFF2-40B4-BE49-F238E27FC236}">
+                <a16:creationId xmlns:a16="http://schemas.microsoft.com/office/drawing/2014/main" id="{DDE03C31-250C-0281-B3C6-A985FDD61CC8}"/>
+              </a:ext>
+            </a:extLst>
+          </p:cNvPr>
+          <p:cNvSpPr/>
+          <p:nvPr/>
+        </p:nvSpPr>
+        <p:spPr>
+          <a:xfrm>
+            <a:off x="4584572" y="3830626"/>
+            <a:ext cx="412878" cy="444803"/>
+          </a:xfrm>
+          <a:prstGeom prst="mathPlus">
+            <a:avLst/>
+          </a:prstGeom>
+        </p:spPr>
+        <p:style>
+          <a:lnRef idx="0">
+            <a:schemeClr val="accent6"/>
+          </a:lnRef>
+          <a:fillRef idx="3">
+            <a:schemeClr val="accent6"/>
+          </a:fillRef>
+          <a:effectRef idx="3">
+            <a:schemeClr val="accent6"/>
+          </a:effectRef>
+          <a:fontRef idx="minor">
+            <a:schemeClr val="lt1"/>
+          </a:fontRef>
+        </p:style>
+        <p:txBody>
+          <a:bodyPr rtlCol="0" anchor="ctr"/>
+          <a:lstStyle/>
+          <a:p>
+            <a:pPr algn="ctr"/>
+            <a:endParaRPr lang="en-US"/>
+          </a:p>
+        </p:txBody>
+      </p:sp>
+      <p:sp>
+        <p:nvSpPr>
+          <p:cNvPr id="55" name="TextBox 54">
+            <a:extLst>
+              <a:ext uri="{FF2B5EF4-FFF2-40B4-BE49-F238E27FC236}">
+                <a16:creationId xmlns:a16="http://schemas.microsoft.com/office/drawing/2014/main" id="{9A5DC381-D0D7-6C5A-9A6F-E817B2AF6FF1}"/>
+              </a:ext>
+            </a:extLst>
+          </p:cNvPr>
+          <p:cNvSpPr txBox="1"/>
+          <p:nvPr/>
+        </p:nvSpPr>
+        <p:spPr>
+          <a:xfrm>
+            <a:off x="4999674" y="4473268"/>
+            <a:ext cx="2959465" cy="1323439"/>
+          </a:xfrm>
+          <a:prstGeom prst="rect">
+            <a:avLst/>
+          </a:prstGeom>
+          <a:noFill/>
+        </p:spPr>
+        <p:txBody>
+          <a:bodyPr wrap="none" rtlCol="0">
+            <a:spAutoFit/>
+          </a:bodyPr>
+          <a:lstStyle/>
+          <a:p>
+            <a:r>
+              <a:rPr lang="en-US" sz="8000" dirty="0"/>
+              <a:t>1 0 1 1</a:t>
+            </a:r>
+            <a:endParaRPr lang="en-PH" sz="8000" dirty="0"/>
+          </a:p>
+        </p:txBody>
+      </p:sp>
+      <p:sp>
+        <p:nvSpPr>
+          <p:cNvPr id="56" name="TextBox 55">
+            <a:extLst>
+              <a:ext uri="{FF2B5EF4-FFF2-40B4-BE49-F238E27FC236}">
+                <a16:creationId xmlns:a16="http://schemas.microsoft.com/office/drawing/2014/main" id="{DE00A49F-81CC-FF14-FF63-FB9F68DE2097}"/>
+              </a:ext>
+            </a:extLst>
+          </p:cNvPr>
+          <p:cNvSpPr txBox="1"/>
+          <p:nvPr/>
+        </p:nvSpPr>
+        <p:spPr>
+          <a:xfrm>
+            <a:off x="599923" y="1384270"/>
+            <a:ext cx="2959465" cy="1323439"/>
+          </a:xfrm>
+          <a:prstGeom prst="rect">
+            <a:avLst/>
+          </a:prstGeom>
+          <a:noFill/>
+        </p:spPr>
+        <p:txBody>
+          <a:bodyPr wrap="none" rtlCol="0">
+            <a:spAutoFit/>
+          </a:bodyPr>
+          <a:lstStyle/>
+          <a:p>
+            <a:r>
+              <a:rPr lang="en-US" sz="8000" dirty="0"/>
+              <a:t>1 0 1 0</a:t>
+            </a:r>
+            <a:endParaRPr lang="en-PH" sz="8000" dirty="0"/>
+          </a:p>
+        </p:txBody>
+      </p:sp>
+      <p:sp>
+        <p:nvSpPr>
+          <p:cNvPr id="57" name="TextBox 56">
+            <a:extLst>
+              <a:ext uri="{FF2B5EF4-FFF2-40B4-BE49-F238E27FC236}">
+                <a16:creationId xmlns:a16="http://schemas.microsoft.com/office/drawing/2014/main" id="{43F542A7-62CE-504F-1628-489DA8B4D1E7}"/>
+              </a:ext>
+            </a:extLst>
+          </p:cNvPr>
+          <p:cNvSpPr txBox="1"/>
+          <p:nvPr/>
+        </p:nvSpPr>
+        <p:spPr>
+          <a:xfrm>
+            <a:off x="598967" y="2387571"/>
+            <a:ext cx="2959465" cy="1323439"/>
+          </a:xfrm>
+          <a:prstGeom prst="rect">
+            <a:avLst/>
+          </a:prstGeom>
+          <a:noFill/>
+        </p:spPr>
+        <p:txBody>
+          <a:bodyPr wrap="none" rtlCol="0">
+            <a:spAutoFit/>
+          </a:bodyPr>
+          <a:lstStyle/>
+          <a:p>
+            <a:r>
+              <a:rPr lang="en-US" sz="8000" dirty="0"/>
+              <a:t>0 1 0 1</a:t>
+            </a:r>
+            <a:endParaRPr lang="en-PH" sz="8000" dirty="0"/>
+          </a:p>
+        </p:txBody>
+      </p:sp>
+      <p:sp>
+        <p:nvSpPr>
+          <p:cNvPr id="58" name="TextBox 57">
+            <a:extLst>
+              <a:ext uri="{FF2B5EF4-FFF2-40B4-BE49-F238E27FC236}">
+                <a16:creationId xmlns:a16="http://schemas.microsoft.com/office/drawing/2014/main" id="{D9774BE8-01AD-9F5E-09DB-8DEC57FDF3F1}"/>
+              </a:ext>
+            </a:extLst>
+          </p:cNvPr>
+          <p:cNvSpPr txBox="1"/>
+          <p:nvPr/>
+        </p:nvSpPr>
+        <p:spPr>
+          <a:xfrm>
+            <a:off x="598967" y="3049290"/>
+            <a:ext cx="3012363" cy="1323439"/>
+          </a:xfrm>
+          <a:prstGeom prst="rect">
+            <a:avLst/>
+          </a:prstGeom>
+          <a:noFill/>
+        </p:spPr>
+        <p:txBody>
+          <a:bodyPr wrap="none" rtlCol="0">
+            <a:spAutoFit/>
+          </a:bodyPr>
+          <a:lstStyle/>
+          <a:p>
+            <a:r>
+              <a:rPr lang="en-US" sz="8000" dirty="0"/>
+              <a:t>---------</a:t>
+            </a:r>
+            <a:endParaRPr lang="en-PH" sz="8000" dirty="0"/>
+          </a:p>
+        </p:txBody>
+      </p:sp>
+      <p:sp>
+        <p:nvSpPr>
+          <p:cNvPr id="59" name="Minus Sign 58">
+            <a:extLst>
+              <a:ext uri="{FF2B5EF4-FFF2-40B4-BE49-F238E27FC236}">
+                <a16:creationId xmlns:a16="http://schemas.microsoft.com/office/drawing/2014/main" id="{E780D56D-67C6-470A-8BDE-521D6DBCA6BF}"/>
+              </a:ext>
+            </a:extLst>
+          </p:cNvPr>
+          <p:cNvSpPr/>
+          <p:nvPr/>
+        </p:nvSpPr>
+        <p:spPr>
+          <a:xfrm>
+            <a:off x="13811" y="2813050"/>
+            <a:ext cx="584200" cy="615950"/>
+          </a:xfrm>
+          <a:prstGeom prst="mathMinus">
+            <a:avLst/>
+          </a:prstGeom>
+          <a:gradFill flip="none" rotWithShape="1">
+            <a:gsLst>
+              <a:gs pos="0">
+                <a:schemeClr val="accent2">
+                  <a:lumMod val="67000"/>
+                </a:schemeClr>
+              </a:gs>
+              <a:gs pos="48000">
+                <a:schemeClr val="accent2">
+                  <a:lumMod val="97000"/>
+                  <a:lumOff val="3000"/>
+                </a:schemeClr>
+              </a:gs>
+              <a:gs pos="100000">
+                <a:schemeClr val="accent2">
+                  <a:lumMod val="60000"/>
+                  <a:lumOff val="40000"/>
+                </a:schemeClr>
+              </a:gs>
+            </a:gsLst>
+            <a:lin ang="16200000" scaled="1"/>
+            <a:tileRect/>
+          </a:gradFill>
+          <a:ln>
+            <a:noFill/>
+          </a:ln>
+        </p:spPr>
+        <p:style>
+          <a:lnRef idx="0">
+            <a:scrgbClr r="0" g="0" b="0"/>
+          </a:lnRef>
+          <a:fillRef idx="0">
+            <a:scrgbClr r="0" g="0" b="0"/>
+          </a:fillRef>
+          <a:effectRef idx="0">
+            <a:scrgbClr r="0" g="0" b="0"/>
+          </a:effectRef>
+          <a:fontRef idx="minor">
+            <a:schemeClr val="lt1"/>
+          </a:fontRef>
+        </p:style>
+        <p:txBody>
+          <a:bodyPr rtlCol="0" anchor="ctr"/>
+          <a:lstStyle/>
+          <a:p>
+            <a:pPr algn="ctr"/>
+            <a:endParaRPr lang="en-PH"/>
+          </a:p>
+        </p:txBody>
+      </p:sp>
+      <p:sp>
+        <p:nvSpPr>
+          <p:cNvPr id="60" name="TextBox 59">
+            <a:extLst>
+              <a:ext uri="{FF2B5EF4-FFF2-40B4-BE49-F238E27FC236}">
+                <a16:creationId xmlns:a16="http://schemas.microsoft.com/office/drawing/2014/main" id="{A14C7CF1-B6DD-E206-52EE-E5CA2ED7FA44}"/>
+              </a:ext>
+            </a:extLst>
+          </p:cNvPr>
+          <p:cNvSpPr txBox="1"/>
+          <p:nvPr/>
+        </p:nvSpPr>
+        <p:spPr>
+          <a:xfrm>
+            <a:off x="8848573" y="1212820"/>
+            <a:ext cx="2959465" cy="1323439"/>
+          </a:xfrm>
+          <a:prstGeom prst="rect">
+            <a:avLst/>
+          </a:prstGeom>
+          <a:noFill/>
+        </p:spPr>
+        <p:txBody>
+          <a:bodyPr wrap="none" rtlCol="0">
+            <a:spAutoFit/>
+          </a:bodyPr>
+          <a:lstStyle/>
+          <a:p>
+            <a:r>
+              <a:rPr lang="en-US" sz="8000" dirty="0"/>
+              <a:t>1 0 1 0</a:t>
+            </a:r>
+            <a:endParaRPr lang="en-PH" sz="8000" dirty="0"/>
+          </a:p>
+        </p:txBody>
+      </p:sp>
+      <p:sp>
+        <p:nvSpPr>
+          <p:cNvPr id="61" name="TextBox 60">
+            <a:extLst>
+              <a:ext uri="{FF2B5EF4-FFF2-40B4-BE49-F238E27FC236}">
+                <a16:creationId xmlns:a16="http://schemas.microsoft.com/office/drawing/2014/main" id="{985E3B58-7CBF-FF12-5AB4-1EF73A6A66F2}"/>
+              </a:ext>
+            </a:extLst>
+          </p:cNvPr>
+          <p:cNvSpPr txBox="1"/>
+          <p:nvPr/>
+        </p:nvSpPr>
+        <p:spPr>
+          <a:xfrm>
+            <a:off x="8847617" y="2216121"/>
+            <a:ext cx="2959465" cy="1323439"/>
+          </a:xfrm>
+          <a:prstGeom prst="rect">
+            <a:avLst/>
+          </a:prstGeom>
+          <a:noFill/>
+        </p:spPr>
+        <p:txBody>
+          <a:bodyPr wrap="none" rtlCol="0">
+            <a:spAutoFit/>
+          </a:bodyPr>
+          <a:lstStyle/>
+          <a:p>
+            <a:r>
+              <a:rPr lang="en-US" sz="8000" dirty="0"/>
+              <a:t>1 0 1 1</a:t>
+            </a:r>
+            <a:endParaRPr lang="en-PH" sz="8000" dirty="0"/>
+          </a:p>
+        </p:txBody>
+      </p:sp>
+      <p:sp>
+        <p:nvSpPr>
+          <p:cNvPr id="62" name="TextBox 61">
+            <a:extLst>
+              <a:ext uri="{FF2B5EF4-FFF2-40B4-BE49-F238E27FC236}">
+                <a16:creationId xmlns:a16="http://schemas.microsoft.com/office/drawing/2014/main" id="{AF9EB9EA-9346-C1DA-48FE-A04B643A67F1}"/>
+              </a:ext>
+            </a:extLst>
+          </p:cNvPr>
+          <p:cNvSpPr txBox="1"/>
+          <p:nvPr/>
+        </p:nvSpPr>
+        <p:spPr>
+          <a:xfrm>
+            <a:off x="8847617" y="2877840"/>
+            <a:ext cx="3012363" cy="1323439"/>
+          </a:xfrm>
+          <a:prstGeom prst="rect">
+            <a:avLst/>
+          </a:prstGeom>
+          <a:noFill/>
+        </p:spPr>
+        <p:txBody>
+          <a:bodyPr wrap="none" rtlCol="0">
+            <a:spAutoFit/>
+          </a:bodyPr>
+          <a:lstStyle/>
+          <a:p>
+            <a:r>
+              <a:rPr lang="en-US" sz="8000" dirty="0"/>
+              <a:t>---------</a:t>
+            </a:r>
+            <a:endParaRPr lang="en-PH" sz="8000" dirty="0"/>
+          </a:p>
+        </p:txBody>
+      </p:sp>
+      <p:sp>
+        <p:nvSpPr>
+          <p:cNvPr id="64" name="Plus 17">
+            <a:extLst>
+              <a:ext uri="{FF2B5EF4-FFF2-40B4-BE49-F238E27FC236}">
+                <a16:creationId xmlns:a16="http://schemas.microsoft.com/office/drawing/2014/main" id="{431C2ADC-182F-B312-C9AF-EC8FFAA645F0}"/>
+              </a:ext>
+            </a:extLst>
+          </p:cNvPr>
+          <p:cNvSpPr/>
+          <p:nvPr/>
+        </p:nvSpPr>
+        <p:spPr>
+          <a:xfrm>
+            <a:off x="8408291" y="2707709"/>
+            <a:ext cx="412878" cy="444803"/>
+          </a:xfrm>
+          <a:prstGeom prst="mathPlus">
+            <a:avLst/>
+          </a:prstGeom>
+        </p:spPr>
+        <p:style>
+          <a:lnRef idx="0">
+            <a:schemeClr val="accent6"/>
+          </a:lnRef>
+          <a:fillRef idx="3">
+            <a:schemeClr val="accent6"/>
+          </a:fillRef>
+          <a:effectRef idx="3">
+            <a:schemeClr val="accent6"/>
+          </a:effectRef>
+          <a:fontRef idx="minor">
+            <a:schemeClr val="lt1"/>
+          </a:fontRef>
+        </p:style>
+        <p:txBody>
+          <a:bodyPr rtlCol="0" anchor="ctr"/>
+          <a:lstStyle/>
+          <a:p>
+            <a:pPr algn="ctr"/>
+            <a:endParaRPr lang="en-US"/>
+          </a:p>
+        </p:txBody>
+      </p:sp>
+      <p:sp>
+        <p:nvSpPr>
+          <p:cNvPr id="65" name="TextBox 64">
+            <a:extLst>
+              <a:ext uri="{FF2B5EF4-FFF2-40B4-BE49-F238E27FC236}">
+                <a16:creationId xmlns:a16="http://schemas.microsoft.com/office/drawing/2014/main" id="{35952784-3AEF-56E9-2D68-DBF7CBEF9470}"/>
+              </a:ext>
+            </a:extLst>
+          </p:cNvPr>
+          <p:cNvSpPr txBox="1"/>
+          <p:nvPr/>
+        </p:nvSpPr>
+        <p:spPr>
+          <a:xfrm>
+            <a:off x="8874065" y="3657101"/>
+            <a:ext cx="2959465" cy="1323439"/>
+          </a:xfrm>
+          <a:prstGeom prst="rect">
+            <a:avLst/>
+          </a:prstGeom>
+          <a:noFill/>
+        </p:spPr>
+        <p:txBody>
+          <a:bodyPr wrap="none" rtlCol="0">
+            <a:spAutoFit/>
+          </a:bodyPr>
+          <a:lstStyle/>
+          <a:p>
+            <a:r>
+              <a:rPr lang="en-US" sz="8000" dirty="0"/>
+              <a:t>0 1 0 1</a:t>
+            </a:r>
+            <a:endParaRPr lang="en-PH" sz="8000" dirty="0"/>
+          </a:p>
+        </p:txBody>
+      </p:sp>
+      <mc:AlternateContent xmlns:mc="http://schemas.openxmlformats.org/markup-compatibility/2006">
+        <mc:Choice xmlns:p14="http://schemas.microsoft.com/office/powerpoint/2010/main" Requires="p14">
+          <p:contentPart p14:bwMode="auto" r:id="rId4">
+            <p14:nvContentPartPr>
+              <p14:cNvPr id="66" name="Ink 65">
+                <a:extLst>
+                  <a:ext uri="{FF2B5EF4-FFF2-40B4-BE49-F238E27FC236}">
+                    <a16:creationId xmlns:a16="http://schemas.microsoft.com/office/drawing/2014/main" id="{8784C2C0-8A43-C340-580F-96E47AC023A1}"/>
+                  </a:ext>
+                </a:extLst>
+              </p14:cNvPr>
+              <p14:cNvContentPartPr/>
+              <p14:nvPr/>
+            </p14:nvContentPartPr>
+            <p14:xfrm>
+              <a:off x="595580" y="2507710"/>
+              <a:ext cx="3132360" cy="1207440"/>
+            </p14:xfrm>
+          </p:contentPart>
+        </mc:Choice>
+        <mc:Fallback>
+          <p:pic>
+            <p:nvPicPr>
+              <p:cNvPr id="66" name="Ink 65">
+                <a:extLst>
+                  <a:ext uri="{FF2B5EF4-FFF2-40B4-BE49-F238E27FC236}">
+                    <a16:creationId xmlns:a16="http://schemas.microsoft.com/office/drawing/2014/main" id="{8784C2C0-8A43-C340-580F-96E47AC023A1}"/>
+                  </a:ext>
+                </a:extLst>
+              </p:cNvPr>
+              <p:cNvPicPr/>
+              <p:nvPr/>
+            </p:nvPicPr>
+            <p:blipFill>
+              <a:blip r:embed="rId5"/>
+              <a:stretch>
+                <a:fillRect/>
+              </a:stretch>
+            </p:blipFill>
+            <p:spPr>
+              <a:xfrm>
+                <a:off x="577940" y="2489710"/>
+                <a:ext cx="3168000" cy="1243080"/>
+              </a:xfrm>
+              <a:prstGeom prst="rect">
+                <a:avLst/>
+              </a:prstGeom>
+            </p:spPr>
+          </p:pic>
+        </mc:Fallback>
+      </mc:AlternateContent>
+      <p:sp>
+        <p:nvSpPr>
+          <p:cNvPr id="68" name="TextBox 67">
+            <a:extLst>
+              <a:ext uri="{FF2B5EF4-FFF2-40B4-BE49-F238E27FC236}">
+                <a16:creationId xmlns:a16="http://schemas.microsoft.com/office/drawing/2014/main" id="{2F4ECC9B-5558-F154-295A-3875721D8CAC}"/>
+              </a:ext>
+            </a:extLst>
+          </p:cNvPr>
+          <p:cNvSpPr txBox="1"/>
+          <p:nvPr/>
+        </p:nvSpPr>
+        <p:spPr>
+          <a:xfrm>
+            <a:off x="5024812" y="5726593"/>
+            <a:ext cx="2909187" cy="415498"/>
+          </a:xfrm>
+          <a:prstGeom prst="rect">
+            <a:avLst/>
+          </a:prstGeom>
+          <a:noFill/>
+        </p:spPr>
+        <p:txBody>
+          <a:bodyPr wrap="square">
+            <a:spAutoFit/>
+          </a:bodyPr>
+          <a:lstStyle/>
+          <a:p>
+            <a:r>
+              <a:rPr lang="en-PH" sz="2100" b="1" dirty="0"/>
+              <a:t>Step 2: </a:t>
+            </a:r>
+            <a:r>
+              <a:rPr lang="en-PH" sz="2100" dirty="0"/>
+              <a:t>Perform addition</a:t>
+            </a:r>
+            <a:endParaRPr lang="en-US" sz="2100" b="1" dirty="0">
+              <a:solidFill>
+                <a:srgbClr val="00B050"/>
+              </a:solidFill>
+            </a:endParaRPr>
+          </a:p>
+        </p:txBody>
+      </p:sp>
+      <mc:AlternateContent xmlns:mc="http://schemas.openxmlformats.org/markup-compatibility/2006">
+        <mc:Choice xmlns:p14="http://schemas.microsoft.com/office/powerpoint/2010/main" Requires="p14">
+          <p:contentPart p14:bwMode="auto" r:id="rId6">
+            <p14:nvContentPartPr>
+              <p14:cNvPr id="69" name="Ink 68">
+                <a:extLst>
+                  <a:ext uri="{FF2B5EF4-FFF2-40B4-BE49-F238E27FC236}">
+                    <a16:creationId xmlns:a16="http://schemas.microsoft.com/office/drawing/2014/main" id="{CCD26806-1857-2638-8461-4EBB95C58480}"/>
+                  </a:ext>
+                </a:extLst>
+              </p14:cNvPr>
+              <p14:cNvContentPartPr/>
+              <p14:nvPr/>
+            </p14:nvContentPartPr>
+            <p14:xfrm>
+              <a:off x="8657441" y="3789397"/>
+              <a:ext cx="3192840" cy="1306800"/>
+            </p14:xfrm>
+          </p:contentPart>
+        </mc:Choice>
+        <mc:Fallback>
+          <p:pic>
+            <p:nvPicPr>
+              <p:cNvPr id="69" name="Ink 68">
+                <a:extLst>
+                  <a:ext uri="{FF2B5EF4-FFF2-40B4-BE49-F238E27FC236}">
+                    <a16:creationId xmlns:a16="http://schemas.microsoft.com/office/drawing/2014/main" id="{CCD26806-1857-2638-8461-4EBB95C58480}"/>
+                  </a:ext>
+                </a:extLst>
+              </p:cNvPr>
+              <p:cNvPicPr/>
+              <p:nvPr/>
+            </p:nvPicPr>
+            <p:blipFill>
+              <a:blip r:embed="rId7"/>
+              <a:stretch>
+                <a:fillRect/>
+              </a:stretch>
+            </p:blipFill>
+            <p:spPr>
+              <a:xfrm>
+                <a:off x="8639441" y="3771397"/>
+                <a:ext cx="3228480" cy="1342440"/>
+              </a:xfrm>
+              <a:prstGeom prst="rect">
+                <a:avLst/>
+              </a:prstGeom>
+            </p:spPr>
+          </p:pic>
+        </mc:Fallback>
+      </mc:AlternateContent>
+    </p:spTree>
+    <p:extLst>
+      <p:ext uri="{BB962C8B-B14F-4D97-AF65-F5344CB8AC3E}">
+        <p14:creationId xmlns:p14="http://schemas.microsoft.com/office/powerpoint/2010/main" val="1667262681"/>
+      </p:ext>
+    </p:extLst>
+  </p:cSld>
+  <p:clrMapOvr>
+    <a:masterClrMapping/>
+  </p:clrMapOvr>
+  <p:timing>
+    <p:tnLst>
+      <p:par>
+        <p:cTn id="1" dur="indefinite" restart="never" nodeType="tmRoot">
+          <p:childTnLst>
+            <p:seq concurrent="1" nextAc="seek">
+              <p:cTn id="2" dur="indefinite" nodeType="mainSeq">
+                <p:childTnLst>
+                  <p:par>
+                    <p:cTn id="3" fill="hold">
+                      <p:stCondLst>
+                        <p:cond delay="indefinite"/>
+                      </p:stCondLst>
+                      <p:childTnLst>
+                        <p:par>
+                          <p:cTn id="4" fill="hold">
+                            <p:stCondLst>
+                              <p:cond delay="0"/>
+                            </p:stCondLst>
+                            <p:childTnLst>
+                              <p:par>
+                                <p:cTn id="5" presetID="10" presetClass="entr" presetSubtype="0" fill="hold" grpId="0" nodeType="clickEffect">
+                                  <p:stCondLst>
+                                    <p:cond delay="0"/>
+                                  </p:stCondLst>
+                                  <p:childTnLst>
+                                    <p:set>
+                                      <p:cBhvr>
+                                        <p:cTn id="6" dur="1" fill="hold">
+                                          <p:stCondLst>
+                                            <p:cond delay="0"/>
+                                          </p:stCondLst>
+                                        </p:cTn>
+                                        <p:tgtEl>
+                                          <p:spTgt spid="42"/>
+                                        </p:tgtEl>
+                                        <p:attrNameLst>
+                                          <p:attrName>style.visibility</p:attrName>
+                                        </p:attrNameLst>
+                                      </p:cBhvr>
+                                      <p:to>
+                                        <p:strVal val="visible"/>
+                                      </p:to>
+                                    </p:set>
+                                    <p:animEffect transition="in" filter="fade">
+                                      <p:cBhvr>
+                                        <p:cTn id="7" dur="500"/>
+                                        <p:tgtEl>
+                                          <p:spTgt spid="42"/>
+                                        </p:tgtEl>
+                                      </p:cBhvr>
+                                    </p:animEffect>
+                                  </p:childTnLst>
+                                </p:cTn>
+                              </p:par>
+                            </p:childTnLst>
+                          </p:cTn>
+                        </p:par>
+                      </p:childTnLst>
+                    </p:cTn>
+                  </p:par>
+                  <p:par>
+                    <p:cTn id="8" fill="hold">
+                      <p:stCondLst>
+                        <p:cond delay="indefinite"/>
+                      </p:stCondLst>
+                      <p:childTnLst>
+                        <p:par>
+                          <p:cTn id="9" fill="hold">
+                            <p:stCondLst>
+                              <p:cond delay="0"/>
+                            </p:stCondLst>
+                            <p:childTnLst>
+                              <p:par>
+                                <p:cTn id="10" presetID="10" presetClass="entr" presetSubtype="0" fill="hold" grpId="0" nodeType="clickEffect">
+                                  <p:stCondLst>
+                                    <p:cond delay="0"/>
+                                  </p:stCondLst>
+                                  <p:childTnLst>
+                                    <p:set>
+                                      <p:cBhvr>
+                                        <p:cTn id="11" dur="1" fill="hold">
+                                          <p:stCondLst>
+                                            <p:cond delay="0"/>
+                                          </p:stCondLst>
+                                        </p:cTn>
+                                        <p:tgtEl>
+                                          <p:spTgt spid="49"/>
+                                        </p:tgtEl>
+                                        <p:attrNameLst>
+                                          <p:attrName>style.visibility</p:attrName>
+                                        </p:attrNameLst>
+                                      </p:cBhvr>
+                                      <p:to>
+                                        <p:strVal val="visible"/>
+                                      </p:to>
+                                    </p:set>
+                                    <p:animEffect transition="in" filter="fade">
+                                      <p:cBhvr>
+                                        <p:cTn id="12" dur="500"/>
+                                        <p:tgtEl>
+                                          <p:spTgt spid="49"/>
+                                        </p:tgtEl>
+                                      </p:cBhvr>
+                                    </p:animEffect>
+                                  </p:childTnLst>
+                                </p:cTn>
+                              </p:par>
+                            </p:childTnLst>
+                          </p:cTn>
+                        </p:par>
+                      </p:childTnLst>
+                    </p:cTn>
+                  </p:par>
+                  <p:par>
+                    <p:cTn id="13" fill="hold">
+                      <p:stCondLst>
+                        <p:cond delay="indefinite"/>
+                      </p:stCondLst>
+                      <p:childTnLst>
+                        <p:par>
+                          <p:cTn id="14" fill="hold">
+                            <p:stCondLst>
+                              <p:cond delay="0"/>
+                            </p:stCondLst>
+                            <p:childTnLst>
+                              <p:par>
+                                <p:cTn id="15" presetID="10" presetClass="entr" presetSubtype="0" fill="hold" grpId="0" nodeType="clickEffect">
+                                  <p:stCondLst>
+                                    <p:cond delay="0"/>
+                                  </p:stCondLst>
+                                  <p:childTnLst>
+                                    <p:set>
+                                      <p:cBhvr>
+                                        <p:cTn id="16" dur="1" fill="hold">
+                                          <p:stCondLst>
+                                            <p:cond delay="0"/>
+                                          </p:stCondLst>
+                                        </p:cTn>
+                                        <p:tgtEl>
+                                          <p:spTgt spid="50"/>
+                                        </p:tgtEl>
+                                        <p:attrNameLst>
+                                          <p:attrName>style.visibility</p:attrName>
+                                        </p:attrNameLst>
+                                      </p:cBhvr>
+                                      <p:to>
+                                        <p:strVal val="visible"/>
+                                      </p:to>
+                                    </p:set>
+                                    <p:animEffect transition="in" filter="fade">
+                                      <p:cBhvr>
+                                        <p:cTn id="17" dur="500"/>
+                                        <p:tgtEl>
+                                          <p:spTgt spid="50"/>
+                                        </p:tgtEl>
+                                      </p:cBhvr>
+                                    </p:animEffect>
+                                  </p:childTnLst>
+                                </p:cTn>
+                              </p:par>
+                            </p:childTnLst>
+                          </p:cTn>
+                        </p:par>
+                      </p:childTnLst>
+                    </p:cTn>
+                  </p:par>
+                  <p:par>
+                    <p:cTn id="18" fill="hold">
+                      <p:stCondLst>
+                        <p:cond delay="indefinite"/>
+                      </p:stCondLst>
+                      <p:childTnLst>
+                        <p:par>
+                          <p:cTn id="19" fill="hold">
+                            <p:stCondLst>
+                              <p:cond delay="0"/>
+                            </p:stCondLst>
+                            <p:childTnLst>
+                              <p:par>
+                                <p:cTn id="20" presetID="10" presetClass="entr" presetSubtype="0" fill="hold" grpId="0" nodeType="clickEffect">
+                                  <p:stCondLst>
+                                    <p:cond delay="0"/>
+                                  </p:stCondLst>
+                                  <p:childTnLst>
+                                    <p:set>
+                                      <p:cBhvr>
+                                        <p:cTn id="21" dur="1" fill="hold">
+                                          <p:stCondLst>
+                                            <p:cond delay="0"/>
+                                          </p:stCondLst>
+                                        </p:cTn>
+                                        <p:tgtEl>
+                                          <p:spTgt spid="54"/>
+                                        </p:tgtEl>
+                                        <p:attrNameLst>
+                                          <p:attrName>style.visibility</p:attrName>
+                                        </p:attrNameLst>
+                                      </p:cBhvr>
+                                      <p:to>
+                                        <p:strVal val="visible"/>
+                                      </p:to>
+                                    </p:set>
+                                    <p:animEffect transition="in" filter="fade">
+                                      <p:cBhvr>
+                                        <p:cTn id="22" dur="500"/>
+                                        <p:tgtEl>
+                                          <p:spTgt spid="54"/>
+                                        </p:tgtEl>
+                                      </p:cBhvr>
+                                    </p:animEffect>
+                                  </p:childTnLst>
+                                </p:cTn>
+                              </p:par>
+                              <p:par>
+                                <p:cTn id="23" presetID="10" presetClass="entr" presetSubtype="0" fill="hold" grpId="0" nodeType="withEffect">
+                                  <p:stCondLst>
+                                    <p:cond delay="0"/>
+                                  </p:stCondLst>
+                                  <p:childTnLst>
+                                    <p:set>
+                                      <p:cBhvr>
+                                        <p:cTn id="24" dur="1" fill="hold">
+                                          <p:stCondLst>
+                                            <p:cond delay="0"/>
+                                          </p:stCondLst>
+                                        </p:cTn>
+                                        <p:tgtEl>
+                                          <p:spTgt spid="52"/>
+                                        </p:tgtEl>
+                                        <p:attrNameLst>
+                                          <p:attrName>style.visibility</p:attrName>
+                                        </p:attrNameLst>
+                                      </p:cBhvr>
+                                      <p:to>
+                                        <p:strVal val="visible"/>
+                                      </p:to>
+                                    </p:set>
+                                    <p:animEffect transition="in" filter="fade">
+                                      <p:cBhvr>
+                                        <p:cTn id="25" dur="500"/>
+                                        <p:tgtEl>
+                                          <p:spTgt spid="52"/>
+                                        </p:tgtEl>
+                                      </p:cBhvr>
+                                    </p:animEffect>
+                                  </p:childTnLst>
+                                </p:cTn>
+                              </p:par>
+                              <p:par>
+                                <p:cTn id="26" presetID="10" presetClass="entr" presetSubtype="0" fill="hold" grpId="0" nodeType="withEffect">
+                                  <p:stCondLst>
+                                    <p:cond delay="0"/>
+                                  </p:stCondLst>
+                                  <p:childTnLst>
+                                    <p:set>
+                                      <p:cBhvr>
+                                        <p:cTn id="27" dur="1" fill="hold">
+                                          <p:stCondLst>
+                                            <p:cond delay="0"/>
+                                          </p:stCondLst>
+                                        </p:cTn>
+                                        <p:tgtEl>
+                                          <p:spTgt spid="51"/>
+                                        </p:tgtEl>
+                                        <p:attrNameLst>
+                                          <p:attrName>style.visibility</p:attrName>
+                                        </p:attrNameLst>
+                                      </p:cBhvr>
+                                      <p:to>
+                                        <p:strVal val="visible"/>
+                                      </p:to>
+                                    </p:set>
+                                    <p:animEffect transition="in" filter="fade">
+                                      <p:cBhvr>
+                                        <p:cTn id="28" dur="500"/>
+                                        <p:tgtEl>
+                                          <p:spTgt spid="51"/>
+                                        </p:tgtEl>
+                                      </p:cBhvr>
+                                    </p:animEffect>
+                                  </p:childTnLst>
+                                </p:cTn>
+                              </p:par>
+                            </p:childTnLst>
+                          </p:cTn>
+                        </p:par>
+                      </p:childTnLst>
+                    </p:cTn>
+                  </p:par>
+                  <p:par>
+                    <p:cTn id="29" fill="hold">
+                      <p:stCondLst>
+                        <p:cond delay="indefinite"/>
+                      </p:stCondLst>
+                      <p:childTnLst>
+                        <p:par>
+                          <p:cTn id="30" fill="hold">
+                            <p:stCondLst>
+                              <p:cond delay="0"/>
+                            </p:stCondLst>
+                            <p:childTnLst>
+                              <p:par>
+                                <p:cTn id="31" presetID="10" presetClass="entr" presetSubtype="0" fill="hold" grpId="0" nodeType="clickEffect">
+                                  <p:stCondLst>
+                                    <p:cond delay="0"/>
+                                  </p:stCondLst>
+                                  <p:childTnLst>
+                                    <p:set>
+                                      <p:cBhvr>
+                                        <p:cTn id="32" dur="1" fill="hold">
+                                          <p:stCondLst>
+                                            <p:cond delay="0"/>
+                                          </p:stCondLst>
+                                        </p:cTn>
+                                        <p:tgtEl>
+                                          <p:spTgt spid="55"/>
+                                        </p:tgtEl>
+                                        <p:attrNameLst>
+                                          <p:attrName>style.visibility</p:attrName>
+                                        </p:attrNameLst>
+                                      </p:cBhvr>
+                                      <p:to>
+                                        <p:strVal val="visible"/>
+                                      </p:to>
+                                    </p:set>
+                                    <p:animEffect transition="in" filter="fade">
+                                      <p:cBhvr>
+                                        <p:cTn id="33" dur="500"/>
+                                        <p:tgtEl>
+                                          <p:spTgt spid="55"/>
+                                        </p:tgtEl>
+                                      </p:cBhvr>
+                                    </p:animEffect>
+                                  </p:childTnLst>
+                                </p:cTn>
+                              </p:par>
+                            </p:childTnLst>
+                          </p:cTn>
+                        </p:par>
+                      </p:childTnLst>
+                    </p:cTn>
+                  </p:par>
+                  <p:par>
+                    <p:cTn id="34" fill="hold">
+                      <p:stCondLst>
+                        <p:cond delay="indefinite"/>
+                      </p:stCondLst>
+                      <p:childTnLst>
+                        <p:par>
+                          <p:cTn id="35" fill="hold">
+                            <p:stCondLst>
+                              <p:cond delay="0"/>
+                            </p:stCondLst>
+                            <p:childTnLst>
+                              <p:par>
+                                <p:cTn id="36" presetID="10" presetClass="entr" presetSubtype="0" fill="hold" grpId="0" nodeType="clickEffect">
+                                  <p:stCondLst>
+                                    <p:cond delay="0"/>
+                                  </p:stCondLst>
+                                  <p:childTnLst>
+                                    <p:set>
+                                      <p:cBhvr>
+                                        <p:cTn id="37" dur="1" fill="hold">
+                                          <p:stCondLst>
+                                            <p:cond delay="0"/>
+                                          </p:stCondLst>
+                                        </p:cTn>
+                                        <p:tgtEl>
+                                          <p:spTgt spid="68"/>
+                                        </p:tgtEl>
+                                        <p:attrNameLst>
+                                          <p:attrName>style.visibility</p:attrName>
+                                        </p:attrNameLst>
+                                      </p:cBhvr>
+                                      <p:to>
+                                        <p:strVal val="visible"/>
+                                      </p:to>
+                                    </p:set>
+                                    <p:animEffect transition="in" filter="fade">
+                                      <p:cBhvr>
+                                        <p:cTn id="38" dur="500"/>
+                                        <p:tgtEl>
+                                          <p:spTgt spid="68"/>
+                                        </p:tgtEl>
+                                      </p:cBhvr>
+                                    </p:animEffect>
+                                  </p:childTnLst>
+                                </p:cTn>
+                              </p:par>
+                            </p:childTnLst>
+                          </p:cTn>
+                        </p:par>
+                      </p:childTnLst>
+                    </p:cTn>
+                  </p:par>
+                  <p:par>
+                    <p:cTn id="39" fill="hold">
+                      <p:stCondLst>
+                        <p:cond delay="indefinite"/>
+                      </p:stCondLst>
+                      <p:childTnLst>
+                        <p:par>
+                          <p:cTn id="40" fill="hold">
+                            <p:stCondLst>
+                              <p:cond delay="0"/>
+                            </p:stCondLst>
+                            <p:childTnLst>
+                              <p:par>
+                                <p:cTn id="41" presetID="10" presetClass="entr" presetSubtype="0" fill="hold" grpId="0" nodeType="clickEffect">
+                                  <p:stCondLst>
+                                    <p:cond delay="0"/>
+                                  </p:stCondLst>
+                                  <p:childTnLst>
+                                    <p:set>
+                                      <p:cBhvr>
+                                        <p:cTn id="42" dur="1" fill="hold">
+                                          <p:stCondLst>
+                                            <p:cond delay="0"/>
+                                          </p:stCondLst>
+                                        </p:cTn>
+                                        <p:tgtEl>
+                                          <p:spTgt spid="60"/>
+                                        </p:tgtEl>
+                                        <p:attrNameLst>
+                                          <p:attrName>style.visibility</p:attrName>
+                                        </p:attrNameLst>
+                                      </p:cBhvr>
+                                      <p:to>
+                                        <p:strVal val="visible"/>
+                                      </p:to>
+                                    </p:set>
+                                    <p:animEffect transition="in" filter="fade">
+                                      <p:cBhvr>
+                                        <p:cTn id="43" dur="500"/>
+                                        <p:tgtEl>
+                                          <p:spTgt spid="60"/>
+                                        </p:tgtEl>
+                                      </p:cBhvr>
+                                    </p:animEffect>
+                                  </p:childTnLst>
+                                </p:cTn>
+                              </p:par>
+                            </p:childTnLst>
+                          </p:cTn>
+                        </p:par>
+                      </p:childTnLst>
+                    </p:cTn>
+                  </p:par>
+                  <p:par>
+                    <p:cTn id="44" fill="hold">
+                      <p:stCondLst>
+                        <p:cond delay="indefinite"/>
+                      </p:stCondLst>
+                      <p:childTnLst>
+                        <p:par>
+                          <p:cTn id="45" fill="hold">
+                            <p:stCondLst>
+                              <p:cond delay="0"/>
+                            </p:stCondLst>
+                            <p:childTnLst>
+                              <p:par>
+                                <p:cTn id="46" presetID="10" presetClass="entr" presetSubtype="0" fill="hold" grpId="0" nodeType="clickEffect">
+                                  <p:stCondLst>
+                                    <p:cond delay="0"/>
+                                  </p:stCondLst>
+                                  <p:childTnLst>
+                                    <p:set>
+                                      <p:cBhvr>
+                                        <p:cTn id="47" dur="1" fill="hold">
+                                          <p:stCondLst>
+                                            <p:cond delay="0"/>
+                                          </p:stCondLst>
+                                        </p:cTn>
+                                        <p:tgtEl>
+                                          <p:spTgt spid="61"/>
+                                        </p:tgtEl>
+                                        <p:attrNameLst>
+                                          <p:attrName>style.visibility</p:attrName>
+                                        </p:attrNameLst>
+                                      </p:cBhvr>
+                                      <p:to>
+                                        <p:strVal val="visible"/>
+                                      </p:to>
+                                    </p:set>
+                                    <p:animEffect transition="in" filter="fade">
+                                      <p:cBhvr>
+                                        <p:cTn id="48" dur="500"/>
+                                        <p:tgtEl>
+                                          <p:spTgt spid="61"/>
+                                        </p:tgtEl>
+                                      </p:cBhvr>
+                                    </p:animEffect>
+                                  </p:childTnLst>
+                                </p:cTn>
+                              </p:par>
+                            </p:childTnLst>
+                          </p:cTn>
+                        </p:par>
+                      </p:childTnLst>
+                    </p:cTn>
+                  </p:par>
+                  <p:par>
+                    <p:cTn id="49" fill="hold">
+                      <p:stCondLst>
+                        <p:cond delay="indefinite"/>
+                      </p:stCondLst>
+                      <p:childTnLst>
+                        <p:par>
+                          <p:cTn id="50" fill="hold">
+                            <p:stCondLst>
+                              <p:cond delay="0"/>
+                            </p:stCondLst>
+                            <p:childTnLst>
+                              <p:par>
+                                <p:cTn id="51" presetID="10" presetClass="entr" presetSubtype="0" fill="hold" grpId="0" nodeType="clickEffect">
+                                  <p:stCondLst>
+                                    <p:cond delay="0"/>
+                                  </p:stCondLst>
+                                  <p:childTnLst>
+                                    <p:set>
+                                      <p:cBhvr>
+                                        <p:cTn id="52" dur="1" fill="hold">
+                                          <p:stCondLst>
+                                            <p:cond delay="0"/>
+                                          </p:stCondLst>
+                                        </p:cTn>
+                                        <p:tgtEl>
+                                          <p:spTgt spid="64"/>
+                                        </p:tgtEl>
+                                        <p:attrNameLst>
+                                          <p:attrName>style.visibility</p:attrName>
+                                        </p:attrNameLst>
+                                      </p:cBhvr>
+                                      <p:to>
+                                        <p:strVal val="visible"/>
+                                      </p:to>
+                                    </p:set>
+                                    <p:animEffect transition="in" filter="fade">
+                                      <p:cBhvr>
+                                        <p:cTn id="53" dur="500"/>
+                                        <p:tgtEl>
+                                          <p:spTgt spid="64"/>
+                                        </p:tgtEl>
+                                      </p:cBhvr>
+                                    </p:animEffect>
+                                  </p:childTnLst>
+                                </p:cTn>
+                              </p:par>
+                              <p:par>
+                                <p:cTn id="54" presetID="10" presetClass="entr" presetSubtype="0" fill="hold" grpId="0" nodeType="withEffect">
+                                  <p:stCondLst>
+                                    <p:cond delay="0"/>
+                                  </p:stCondLst>
+                                  <p:childTnLst>
+                                    <p:set>
+                                      <p:cBhvr>
+                                        <p:cTn id="55" dur="1" fill="hold">
+                                          <p:stCondLst>
+                                            <p:cond delay="0"/>
+                                          </p:stCondLst>
+                                        </p:cTn>
+                                        <p:tgtEl>
+                                          <p:spTgt spid="62"/>
+                                        </p:tgtEl>
+                                        <p:attrNameLst>
+                                          <p:attrName>style.visibility</p:attrName>
+                                        </p:attrNameLst>
+                                      </p:cBhvr>
+                                      <p:to>
+                                        <p:strVal val="visible"/>
+                                      </p:to>
+                                    </p:set>
+                                    <p:animEffect transition="in" filter="fade">
+                                      <p:cBhvr>
+                                        <p:cTn id="56" dur="500"/>
+                                        <p:tgtEl>
+                                          <p:spTgt spid="62"/>
+                                        </p:tgtEl>
+                                      </p:cBhvr>
+                                    </p:animEffect>
+                                  </p:childTnLst>
+                                </p:cTn>
+                              </p:par>
+                            </p:childTnLst>
+                          </p:cTn>
+                        </p:par>
+                      </p:childTnLst>
+                    </p:cTn>
+                  </p:par>
+                  <p:par>
+                    <p:cTn id="57" fill="hold">
+                      <p:stCondLst>
+                        <p:cond delay="indefinite"/>
+                      </p:stCondLst>
+                      <p:childTnLst>
+                        <p:par>
+                          <p:cTn id="58" fill="hold">
+                            <p:stCondLst>
+                              <p:cond delay="0"/>
+                            </p:stCondLst>
+                            <p:childTnLst>
+                              <p:par>
+                                <p:cTn id="59" presetID="10" presetClass="entr" presetSubtype="0" fill="hold" grpId="0" nodeType="clickEffect">
+                                  <p:stCondLst>
+                                    <p:cond delay="0"/>
+                                  </p:stCondLst>
+                                  <p:childTnLst>
+                                    <p:set>
+                                      <p:cBhvr>
+                                        <p:cTn id="60" dur="1" fill="hold">
+                                          <p:stCondLst>
+                                            <p:cond delay="0"/>
+                                          </p:stCondLst>
+                                        </p:cTn>
+                                        <p:tgtEl>
+                                          <p:spTgt spid="65"/>
+                                        </p:tgtEl>
+                                        <p:attrNameLst>
+                                          <p:attrName>style.visibility</p:attrName>
+                                        </p:attrNameLst>
+                                      </p:cBhvr>
+                                      <p:to>
+                                        <p:strVal val="visible"/>
+                                      </p:to>
+                                    </p:set>
+                                    <p:animEffect transition="in" filter="fade">
+                                      <p:cBhvr>
+                                        <p:cTn id="61" dur="500"/>
+                                        <p:tgtEl>
+                                          <p:spTgt spid="65"/>
+                                        </p:tgtEl>
+                                      </p:cBhvr>
+                                    </p:animEffect>
+                                  </p:childTnLst>
+                                </p:cTn>
+                              </p:par>
+                            </p:childTnLst>
+                          </p:cTn>
+                        </p:par>
+                      </p:childTnLst>
+                    </p:cTn>
+                  </p:par>
+                  <p:par>
+                    <p:cTn id="62" fill="hold">
+                      <p:stCondLst>
+                        <p:cond delay="indefinite"/>
+                      </p:stCondLst>
+                      <p:childTnLst>
+                        <p:par>
+                          <p:cTn id="63" fill="hold">
+                            <p:stCondLst>
+                              <p:cond delay="0"/>
+                            </p:stCondLst>
+                            <p:childTnLst>
+                              <p:par>
+                                <p:cTn id="64" presetID="63" presetClass="entr" presetSubtype="0" fill="hold" nodeType="clickEffect">
+                                  <p:stCondLst>
+                                    <p:cond delay="0"/>
+                                  </p:stCondLst>
+                                  <p:childTnLst>
+                                    <p:set>
+                                      <p:cBhvr>
+                                        <p:cTn id="65" dur="1" fill="hold">
+                                          <p:stCondLst>
+                                            <p:cond delay="0"/>
+                                          </p:stCondLst>
+                                        </p:cTn>
+                                        <p:tgtEl>
+                                          <p:spTgt spid="69"/>
+                                        </p:tgtEl>
+                                        <p:attrNameLst>
+                                          <p:attrName>style.visibility</p:attrName>
+                                        </p:attrNameLst>
+                                      </p:cBhvr>
+                                      <p:to>
+                                        <p:strVal val="visible"/>
+                                      </p:to>
+                                    </p:set>
+                                    <p:anim calcmode="lin" valueType="num">
+                                      <p:cBhvr>
+                                        <p:cTn id="66" dur="2000" fill="hold"/>
+                                        <p:tgtEl>
+                                          <p:spTgt spid="69"/>
+                                        </p:tgtEl>
+                                        <p:attrNameLst>
+                                          <p:attrName>drawProgress</p:attrName>
+                                        </p:attrNameLst>
+                                      </p:cBhvr>
+                                      <p:tavLst>
+                                        <p:tav tm="0">
+                                          <p:val>
+                                            <p:fltVal val="0"/>
+                                          </p:val>
+                                        </p:tav>
+                                        <p:tav tm="100000">
+                                          <p:val>
+                                            <p:fltVal val="1"/>
+                                          </p:val>
+                                        </p:tav>
+                                      </p:tavLst>
+                                    </p:anim>
+                                  </p:childTnLst>
+                                </p:cTn>
+                              </p:par>
+                            </p:childTnLst>
+                          </p:cTn>
+                        </p:par>
+                      </p:childTnLst>
+                    </p:cTn>
+                  </p:par>
+                </p:childTnLst>
+              </p:cTn>
+              <p:prevCondLst>
+                <p:cond evt="onPrev" delay="0">
+                  <p:tgtEl>
+                    <p:sldTgt/>
+                  </p:tgtEl>
+                </p:cond>
+              </p:prevCondLst>
+              <p:nextCondLst>
+                <p:cond evt="onNext" delay="0">
+                  <p:tgtEl>
+                    <p:sldTgt/>
+                  </p:tgtEl>
+                </p:cond>
+              </p:nextCondLst>
+            </p:seq>
+          </p:childTnLst>
+        </p:cTn>
+      </p:par>
+    </p:tnLst>
+    <p:bldLst>
+      <p:bldP spid="42" grpId="0"/>
+      <p:bldP spid="49" grpId="0"/>
+      <p:bldP spid="50" grpId="0"/>
+      <p:bldP spid="51" grpId="0"/>
+      <p:bldP spid="52" grpId="0"/>
+      <p:bldP spid="54" grpId="0" animBg="1"/>
+      <p:bldP spid="55" grpId="0"/>
+      <p:bldP spid="60" grpId="0"/>
+      <p:bldP spid="61" grpId="0"/>
+      <p:bldP spid="62" grpId="0"/>
+      <p:bldP spid="64" grpId="0" animBg="1"/>
+      <p:bldP spid="65" grpId="0"/>
+      <p:bldP spid="68" grpId="0"/>
     </p:bldLst>
   </p:timing>
 </p:sld>
@@ -13959,7 +18102,26 @@
                 <a:effectLst/>
                 <a:latin typeface="-webkit-standard"/>
               </a:rPr>
-              <a:t>Here is an example using 16-bit integer representation of </a:t>
+              <a:t>Here is an example using </a:t>
+            </a:r>
+            <a:r>
+              <a:rPr lang="en-PH" sz="2400" dirty="0">
+                <a:solidFill>
+                  <a:srgbClr val="000000"/>
+                </a:solidFill>
+                <a:latin typeface="-webkit-standard"/>
+              </a:rPr>
+              <a:t>5</a:t>
+            </a:r>
+            <a:r>
+              <a:rPr lang="en-PH" sz="2400" b="0" i="0" u="none" strike="noStrike" dirty="0">
+                <a:solidFill>
+                  <a:srgbClr val="000000"/>
+                </a:solidFill>
+                <a:effectLst/>
+                <a:latin typeface="-webkit-standard"/>
+              </a:rPr>
+              <a:t>-bit integer representation of </a:t>
             </a:r>
             <a:r>
               <a:rPr lang="en-PH" sz="2400" b="1" i="0" u="none" strike="noStrike" dirty="0">
@@ -14028,7 +18190,7 @@
         </p:nvSpPr>
         <p:spPr>
           <a:xfrm>
-            <a:off x="147145" y="2439887"/>
+            <a:off x="1477754" y="2488578"/>
             <a:ext cx="1597574" cy="461665"/>
           </a:xfrm>
           <a:prstGeom prst="rect">
@@ -14068,7 +18230,7 @@
         </p:nvSpPr>
         <p:spPr>
           <a:xfrm>
-            <a:off x="147145" y="4433971"/>
+            <a:off x="1477754" y="4086118"/>
             <a:ext cx="1699268" cy="461665"/>
           </a:xfrm>
           <a:prstGeom prst="rect">
@@ -14108,8 +18270,8 @@
         </p:nvSpPr>
         <p:spPr>
           <a:xfrm>
-            <a:off x="2692211" y="1981968"/>
-            <a:ext cx="9142438" cy="1323439"/>
+            <a:off x="4571461" y="2057691"/>
+            <a:ext cx="2844639" cy="1323439"/>
           </a:xfrm>
           <a:prstGeom prst="rect">
             <a:avLst/>
@@ -14132,7 +18294,7 @@
             </a:r>
             <a:r>
               <a:rPr lang="en-PH" sz="8000" dirty="0"/>
-              <a:t>000 0000 0000 1101</a:t>
+              <a:t>1101</a:t>
             </a:r>
             <a:endParaRPr lang="en-US" sz="8000" dirty="0"/>
           </a:p>
@@ -14152,8 +18314,8 @@
         </p:nvSpPr>
         <p:spPr>
           <a:xfrm>
-            <a:off x="2692211" y="4003083"/>
-            <a:ext cx="9142438" cy="1323439"/>
+            <a:off x="4571460" y="3703892"/>
+            <a:ext cx="2844639" cy="1323439"/>
           </a:xfrm>
           <a:prstGeom prst="rect">
             <a:avLst/>
@@ -14176,7 +18338,7 @@
             </a:r>
             <a:r>
               <a:rPr lang="en-PH" sz="8000" dirty="0"/>
-              <a:t>000 0000 0000 1101</a:t>
+              <a:t>1101</a:t>
             </a:r>
             <a:endParaRPr lang="en-US" sz="8000" dirty="0"/>
           </a:p>
@@ -14196,7 +18358,7 @@
         </p:nvSpPr>
         <p:spPr>
           <a:xfrm>
-            <a:off x="1713803" y="2428403"/>
+            <a:off x="3044412" y="2477094"/>
             <a:ext cx="978408" cy="484632"/>
           </a:xfrm>
           <a:prstGeom prst="rightArrow">
@@ -14240,7 +18402,7 @@
         </p:nvSpPr>
         <p:spPr>
           <a:xfrm>
-            <a:off x="1846413" y="4422487"/>
+            <a:off x="3177022" y="4074634"/>
             <a:ext cx="978408" cy="484632"/>
           </a:xfrm>
           <a:prstGeom prst="rightArrow">
@@ -14267,6 +18429,338 @@
           <a:p>
             <a:pPr algn="ctr"/>
             <a:endParaRPr lang="en-US"/>
+          </a:p>
+        </p:txBody>
+      </p:sp>
+      <p:sp>
+        <p:nvSpPr>
+          <p:cNvPr id="3" name="Right Brace 2">
+            <a:extLst>
+              <a:ext uri="{FF2B5EF4-FFF2-40B4-BE49-F238E27FC236}">
+                <a16:creationId xmlns:a16="http://schemas.microsoft.com/office/drawing/2014/main" id="{6F3DC5A0-F7F3-22D6-1646-2E1E91181984}"/>
+              </a:ext>
+            </a:extLst>
+          </p:cNvPr>
+          <p:cNvSpPr/>
+          <p:nvPr/>
+        </p:nvSpPr>
+        <p:spPr>
+          <a:xfrm rot="5400000">
+            <a:off x="6162203" y="2367109"/>
+            <a:ext cx="155448" cy="1759431"/>
+          </a:xfrm>
+          <a:prstGeom prst="rightBrace">
+            <a:avLst/>
+          </a:prstGeom>
+        </p:spPr>
+        <p:style>
+          <a:lnRef idx="3">
+            <a:schemeClr val="dk1"/>
+          </a:lnRef>
+          <a:fillRef idx="0">
+            <a:schemeClr val="dk1"/>
+          </a:fillRef>
+          <a:effectRef idx="2">
+            <a:schemeClr val="dk1"/>
+          </a:effectRef>
+          <a:fontRef idx="minor">
+            <a:schemeClr val="tx1"/>
+          </a:fontRef>
+        </p:style>
+        <p:txBody>
+          <a:bodyPr rtlCol="0" anchor="ctr"/>
+          <a:lstStyle/>
+          <a:p>
+            <a:pPr algn="ctr"/>
+            <a:endParaRPr lang="en-PH"/>
+          </a:p>
+        </p:txBody>
+      </p:sp>
+      <p:sp>
+        <p:nvSpPr>
+          <p:cNvPr id="7" name="Right Brace 6">
+            <a:extLst>
+              <a:ext uri="{FF2B5EF4-FFF2-40B4-BE49-F238E27FC236}">
+                <a16:creationId xmlns:a16="http://schemas.microsoft.com/office/drawing/2014/main" id="{A5271C30-DAB0-BD9F-2795-9C40D6CF7F7F}"/>
+              </a:ext>
+            </a:extLst>
+          </p:cNvPr>
+          <p:cNvSpPr/>
+          <p:nvPr/>
+        </p:nvSpPr>
+        <p:spPr>
+          <a:xfrm rot="5400000">
+            <a:off x="6162202" y="4015449"/>
+            <a:ext cx="155448" cy="1759431"/>
+          </a:xfrm>
+          <a:prstGeom prst="rightBrace">
+            <a:avLst/>
+          </a:prstGeom>
+        </p:spPr>
+        <p:style>
+          <a:lnRef idx="3">
+            <a:schemeClr val="dk1"/>
+          </a:lnRef>
+          <a:fillRef idx="0">
+            <a:schemeClr val="dk1"/>
+          </a:fillRef>
+          <a:effectRef idx="2">
+            <a:schemeClr val="dk1"/>
+          </a:effectRef>
+          <a:fontRef idx="minor">
+            <a:schemeClr val="tx1"/>
+          </a:fontRef>
+        </p:style>
+        <p:txBody>
+          <a:bodyPr rtlCol="0" anchor="ctr"/>
+          <a:lstStyle/>
+          <a:p>
+            <a:pPr algn="ctr"/>
+            <a:endParaRPr lang="en-PH"/>
+          </a:p>
+        </p:txBody>
+      </p:sp>
+      <p:sp>
+        <p:nvSpPr>
+          <p:cNvPr id="12" name="Right Brace 11">
+            <a:extLst>
+              <a:ext uri="{FF2B5EF4-FFF2-40B4-BE49-F238E27FC236}">
+                <a16:creationId xmlns:a16="http://schemas.microsoft.com/office/drawing/2014/main" id="{18D13654-A899-AE48-824F-5E1E88692FBA}"/>
+              </a:ext>
+            </a:extLst>
+          </p:cNvPr>
+          <p:cNvSpPr/>
+          <p:nvPr/>
+        </p:nvSpPr>
+        <p:spPr>
+          <a:xfrm rot="5400000">
+            <a:off x="4841083" y="3007221"/>
+            <a:ext cx="155448" cy="479206"/>
+          </a:xfrm>
+          <a:prstGeom prst="rightBrace">
+            <a:avLst/>
+          </a:prstGeom>
+        </p:spPr>
+        <p:style>
+          <a:lnRef idx="3">
+            <a:schemeClr val="dk1"/>
+          </a:lnRef>
+          <a:fillRef idx="0">
+            <a:schemeClr val="dk1"/>
+          </a:fillRef>
+          <a:effectRef idx="2">
+            <a:schemeClr val="dk1"/>
+          </a:effectRef>
+          <a:fontRef idx="minor">
+            <a:schemeClr val="tx1"/>
+          </a:fontRef>
+        </p:style>
+        <p:txBody>
+          <a:bodyPr rtlCol="0" anchor="ctr"/>
+          <a:lstStyle/>
+          <a:p>
+            <a:pPr algn="ctr"/>
+            <a:endParaRPr lang="en-PH"/>
+          </a:p>
+        </p:txBody>
+      </p:sp>
+      <p:sp>
+        <p:nvSpPr>
+          <p:cNvPr id="14" name="Right Brace 13">
+            <a:extLst>
+              <a:ext uri="{FF2B5EF4-FFF2-40B4-BE49-F238E27FC236}">
+                <a16:creationId xmlns:a16="http://schemas.microsoft.com/office/drawing/2014/main" id="{4CA5AF2D-D252-BF9F-6303-7EA6BFBD43A2}"/>
+              </a:ext>
+            </a:extLst>
+          </p:cNvPr>
+          <p:cNvSpPr/>
+          <p:nvPr/>
+        </p:nvSpPr>
+        <p:spPr>
+          <a:xfrm rot="5400000">
+            <a:off x="4834868" y="4655561"/>
+            <a:ext cx="155448" cy="479206"/>
+          </a:xfrm>
+          <a:prstGeom prst="rightBrace">
+            <a:avLst/>
+          </a:prstGeom>
+        </p:spPr>
+        <p:style>
+          <a:lnRef idx="3">
+            <a:schemeClr val="dk1"/>
+          </a:lnRef>
+          <a:fillRef idx="0">
+            <a:schemeClr val="dk1"/>
+          </a:fillRef>
+          <a:effectRef idx="2">
+            <a:schemeClr val="dk1"/>
+          </a:effectRef>
+          <a:fontRef idx="minor">
+            <a:schemeClr val="tx1"/>
+          </a:fontRef>
+        </p:style>
+        <p:txBody>
+          <a:bodyPr rtlCol="0" anchor="ctr"/>
+          <a:lstStyle/>
+          <a:p>
+            <a:pPr algn="ctr"/>
+            <a:endParaRPr lang="en-PH"/>
+          </a:p>
+        </p:txBody>
+      </p:sp>
+      <p:sp>
+        <p:nvSpPr>
+          <p:cNvPr id="15" name="TextBox 14">
+            <a:extLst>
+              <a:ext uri="{FF2B5EF4-FFF2-40B4-BE49-F238E27FC236}">
+                <a16:creationId xmlns:a16="http://schemas.microsoft.com/office/drawing/2014/main" id="{0359E6F0-7663-FAC6-2533-88B04E89B360}"/>
+              </a:ext>
+            </a:extLst>
+          </p:cNvPr>
+          <p:cNvSpPr txBox="1"/>
+          <p:nvPr/>
+        </p:nvSpPr>
+        <p:spPr>
+          <a:xfrm>
+            <a:off x="4527738" y="3309360"/>
+            <a:ext cx="800814" cy="323165"/>
+          </a:xfrm>
+          <a:prstGeom prst="rect">
+            <a:avLst/>
+          </a:prstGeom>
+          <a:noFill/>
+        </p:spPr>
+        <p:txBody>
+          <a:bodyPr wrap="square">
+            <a:spAutoFit/>
+          </a:bodyPr>
+          <a:lstStyle/>
+          <a:p>
+            <a:r>
+              <a:rPr lang="en-PH" sz="1500" b="1" dirty="0">
+                <a:solidFill>
+                  <a:srgbClr val="00B050"/>
+                </a:solidFill>
+              </a:rPr>
+              <a:t>Sign bit</a:t>
+            </a:r>
+            <a:endParaRPr lang="en-PH" sz="1500" dirty="0"/>
+          </a:p>
+        </p:txBody>
+      </p:sp>
+      <p:sp>
+        <p:nvSpPr>
+          <p:cNvPr id="16" name="TextBox 15">
+            <a:extLst>
+              <a:ext uri="{FF2B5EF4-FFF2-40B4-BE49-F238E27FC236}">
+                <a16:creationId xmlns:a16="http://schemas.microsoft.com/office/drawing/2014/main" id="{2B986080-046A-0FF8-98C7-B4AED01920CE}"/>
+              </a:ext>
+            </a:extLst>
+          </p:cNvPr>
+          <p:cNvSpPr txBox="1"/>
+          <p:nvPr/>
+        </p:nvSpPr>
+        <p:spPr>
+          <a:xfrm>
+            <a:off x="4527738" y="5026928"/>
+            <a:ext cx="800814" cy="323165"/>
+          </a:xfrm>
+          <a:prstGeom prst="rect">
+            <a:avLst/>
+          </a:prstGeom>
+          <a:noFill/>
+        </p:spPr>
+        <p:txBody>
+          <a:bodyPr wrap="square">
+            <a:spAutoFit/>
+          </a:bodyPr>
+          <a:lstStyle/>
+          <a:p>
+            <a:r>
+              <a:rPr lang="en-PH" sz="1500" b="1" dirty="0">
+                <a:solidFill>
+                  <a:srgbClr val="FF0000"/>
+                </a:solidFill>
+              </a:rPr>
+              <a:t>Sign bit</a:t>
+            </a:r>
+            <a:endParaRPr lang="en-PH" sz="1500" dirty="0">
+              <a:solidFill>
+                <a:srgbClr val="FF0000"/>
+              </a:solidFill>
+            </a:endParaRPr>
+          </a:p>
+        </p:txBody>
+      </p:sp>
+      <p:sp>
+        <p:nvSpPr>
+          <p:cNvPr id="17" name="TextBox 16">
+            <a:extLst>
+              <a:ext uri="{FF2B5EF4-FFF2-40B4-BE49-F238E27FC236}">
+                <a16:creationId xmlns:a16="http://schemas.microsoft.com/office/drawing/2014/main" id="{174EE217-7475-B269-EBDA-4BF64CD0B8C4}"/>
+              </a:ext>
+            </a:extLst>
+          </p:cNvPr>
+          <p:cNvSpPr txBox="1"/>
+          <p:nvPr/>
+        </p:nvSpPr>
+        <p:spPr>
+          <a:xfrm>
+            <a:off x="5877192" y="3307738"/>
+            <a:ext cx="1072247" cy="323165"/>
+          </a:xfrm>
+          <a:prstGeom prst="rect">
+            <a:avLst/>
+          </a:prstGeom>
+          <a:noFill/>
+        </p:spPr>
+        <p:txBody>
+          <a:bodyPr wrap="square">
+            <a:spAutoFit/>
+          </a:bodyPr>
+          <a:lstStyle/>
+          <a:p>
+            <a:r>
+              <a:rPr lang="en-PH" sz="1500" b="1" dirty="0"/>
+              <a:t>Magnitude</a:t>
+            </a:r>
+            <a:endParaRPr lang="en-PH" sz="1500" dirty="0"/>
+          </a:p>
+        </p:txBody>
+      </p:sp>
+      <p:sp>
+        <p:nvSpPr>
+          <p:cNvPr id="18" name="TextBox 17">
+            <a:extLst>
+              <a:ext uri="{FF2B5EF4-FFF2-40B4-BE49-F238E27FC236}">
+                <a16:creationId xmlns:a16="http://schemas.microsoft.com/office/drawing/2014/main" id="{24C6DBFB-F233-8ABF-FAA2-EB1617DCEF1B}"/>
+              </a:ext>
+            </a:extLst>
+          </p:cNvPr>
+          <p:cNvSpPr txBox="1"/>
+          <p:nvPr/>
+        </p:nvSpPr>
+        <p:spPr>
+          <a:xfrm>
+            <a:off x="5703802" y="5017998"/>
+            <a:ext cx="1072247" cy="323165"/>
+          </a:xfrm>
+          <a:prstGeom prst="rect">
+            <a:avLst/>
+          </a:prstGeom>
+          <a:noFill/>
+        </p:spPr>
+        <p:txBody>
+          <a:bodyPr wrap="square">
+            <a:spAutoFit/>
+          </a:bodyPr>
+          <a:lstStyle/>
+          <a:p>
+            <a:r>
+              <a:rPr lang="en-PH" sz="1500" b="1" dirty="0"/>
+              <a:t>Magnitude</a:t>
+            </a:r>
+            <a:endParaRPr lang="en-PH" sz="1500" dirty="0"/>
           </a:p>
         </p:txBody>
       </p:sp>
@@ -14522,6 +19016,304 @@
                                         <p:cTn id="24" dur="500"/>
                                         <p:tgtEl>
                                           <p:spTgt spid="8"/>
+                                        </p:tgtEl>
+                                      </p:cBhvr>
+                                    </p:animEffect>
+                                  </p:childTnLst>
+                                </p:cTn>
+                              </p:par>
+                            </p:childTnLst>
+                          </p:cTn>
+                        </p:par>
+                      </p:childTnLst>
+                    </p:cTn>
+                  </p:par>
+                  <p:par>
+                    <p:cTn id="25" fill="hold">
+                      <p:stCondLst>
+                        <p:cond delay="indefinite"/>
+                      </p:stCondLst>
+                      <p:childTnLst>
+                        <p:par>
+                          <p:cTn id="26" fill="hold">
+                            <p:stCondLst>
+                              <p:cond delay="0"/>
+                            </p:stCondLst>
+                            <p:childTnLst>
+                              <p:par>
+                                <p:cTn id="27" presetID="14" presetClass="entr" presetSubtype="10" fill="hold" grpId="0" nodeType="clickEffect">
+                                  <p:stCondLst>
+                                    <p:cond delay="0"/>
+                                  </p:stCondLst>
+                                  <p:childTnLst>
+                                    <p:set>
+                                      <p:cBhvr>
+                                        <p:cTn id="28" dur="1" fill="hold">
+                                          <p:stCondLst>
+                                            <p:cond delay="0"/>
+                                          </p:stCondLst>
+                                        </p:cTn>
+                                        <p:tgtEl>
+                                          <p:spTgt spid="15"/>
+                                        </p:tgtEl>
+                                        <p:attrNameLst>
+                                          <p:attrName>style.visibility</p:attrName>
+                                        </p:attrNameLst>
+                                      </p:cBhvr>
+                                      <p:to>
+                                        <p:strVal val="visible"/>
+                                      </p:to>
+                                    </p:set>
+                                    <p:animEffect transition="in" filter="randombar(horizontal)">
+                                      <p:cBhvr>
+                                        <p:cTn id="29" dur="500"/>
+                                        <p:tgtEl>
+                                          <p:spTgt spid="15"/>
+                                        </p:tgtEl>
+                                      </p:cBhvr>
+                                    </p:animEffect>
+                                  </p:childTnLst>
+                                </p:cTn>
+                              </p:par>
+                              <p:par>
+                                <p:cTn id="30" presetID="14" presetClass="entr" presetSubtype="10" fill="hold" grpId="0" nodeType="withEffect">
+                                  <p:stCondLst>
+                                    <p:cond delay="0"/>
+                                  </p:stCondLst>
+                                  <p:childTnLst>
+                                    <p:set>
+                                      <p:cBhvr>
+                                        <p:cTn id="31" dur="1" fill="hold">
+                                          <p:stCondLst>
+                                            <p:cond delay="0"/>
+                                          </p:stCondLst>
+                                        </p:cTn>
+                                        <p:tgtEl>
+                                          <p:spTgt spid="16"/>
+                                        </p:tgtEl>
+                                        <p:attrNameLst>
+                                          <p:attrName>style.visibility</p:attrName>
+                                        </p:attrNameLst>
+                                      </p:cBhvr>
+                                      <p:to>
+                                        <p:strVal val="visible"/>
+                                      </p:to>
+                                    </p:set>
+                                    <p:animEffect transition="in" filter="randombar(horizontal)">
+                                      <p:cBhvr>
+                                        <p:cTn id="32" dur="500"/>
+                                        <p:tgtEl>
+                                          <p:spTgt spid="16"/>
+                                        </p:tgtEl>
+                                      </p:cBhvr>
+                                    </p:animEffect>
+                                  </p:childTnLst>
+                                </p:cTn>
+                              </p:par>
+                              <p:par>
+                                <p:cTn id="33" presetID="14" presetClass="entr" presetSubtype="10" fill="hold" grpId="0" nodeType="withEffect">
+                                  <p:stCondLst>
+                                    <p:cond delay="0"/>
+                                  </p:stCondLst>
+                                  <p:childTnLst>
+                                    <p:set>
+                                      <p:cBhvr>
+                                        <p:cTn id="34" dur="1" fill="hold">
+                                          <p:stCondLst>
+                                            <p:cond delay="0"/>
+                                          </p:stCondLst>
+                                        </p:cTn>
+                                        <p:tgtEl>
+                                          <p:spTgt spid="17"/>
+                                        </p:tgtEl>
+                                        <p:attrNameLst>
+                                          <p:attrName>style.visibility</p:attrName>
+                                        </p:attrNameLst>
+                                      </p:cBhvr>
+                                      <p:to>
+                                        <p:strVal val="visible"/>
+                                      </p:to>
+                                    </p:set>
+                                    <p:animEffect transition="in" filter="randombar(horizontal)">
+                                      <p:cBhvr>
+                                        <p:cTn id="35" dur="500"/>
+                                        <p:tgtEl>
+                                          <p:spTgt spid="17"/>
+                                        </p:tgtEl>
+                                      </p:cBhvr>
+                                    </p:animEffect>
+                                  </p:childTnLst>
+                                </p:cTn>
+                              </p:par>
+                              <p:par>
+                                <p:cTn id="36" presetID="14" presetClass="entr" presetSubtype="10" fill="hold" grpId="0" nodeType="withEffect">
+                                  <p:stCondLst>
+                                    <p:cond delay="0"/>
+                                  </p:stCondLst>
+                                  <p:childTnLst>
+                                    <p:set>
+                                      <p:cBhvr>
+                                        <p:cTn id="37" dur="1" fill="hold">
+                                          <p:stCondLst>
+                                            <p:cond delay="0"/>
+                                          </p:stCondLst>
+                                        </p:cTn>
+                                        <p:tgtEl>
+                                          <p:spTgt spid="18"/>
+                                        </p:tgtEl>
+                                        <p:attrNameLst>
+                                          <p:attrName>style.visibility</p:attrName>
+                                        </p:attrNameLst>
+                                      </p:cBhvr>
+                                      <p:to>
+                                        <p:strVal val="visible"/>
+                                      </p:to>
+                                    </p:set>
+                                    <p:animEffect transition="in" filter="randombar(horizontal)">
+                                      <p:cBhvr>
+                                        <p:cTn id="38" dur="500"/>
+                                        <p:tgtEl>
+                                          <p:spTgt spid="18"/>
+                                        </p:tgtEl>
+                                      </p:cBhvr>
+                                    </p:animEffect>
+                                  </p:childTnLst>
+                                </p:cTn>
+                              </p:par>
+                              <p:par>
+                                <p:cTn id="39" presetID="14" presetClass="entr" presetSubtype="10" fill="hold" grpId="0" nodeType="withEffect">
+                                  <p:stCondLst>
+                                    <p:cond delay="0"/>
+                                  </p:stCondLst>
+                                  <p:childTnLst>
+                                    <p:set>
+                                      <p:cBhvr>
+                                        <p:cTn id="40" dur="1" fill="hold">
+                                          <p:stCondLst>
+                                            <p:cond delay="0"/>
+                                          </p:stCondLst>
+                                        </p:cTn>
+                                        <p:tgtEl>
+                                          <p:spTgt spid="12"/>
+                                        </p:tgtEl>
+                                        <p:attrNameLst>
+                                          <p:attrName>style.visibility</p:attrName>
+                                        </p:attrNameLst>
+                                      </p:cBhvr>
+                                      <p:to>
+                                        <p:strVal val="visible"/>
+                                      </p:to>
+                                    </p:set>
+                                    <p:animEffect transition="in" filter="randombar(horizontal)">
+                                      <p:cBhvr>
+                                        <p:cTn id="41" dur="500"/>
+                                        <p:tgtEl>
+                                          <p:spTgt spid="12"/>
+                                        </p:tgtEl>
+                                      </p:cBhvr>
+                                    </p:animEffect>
+                                  </p:childTnLst>
+                                </p:cTn>
+                              </p:par>
+                              <p:par>
+                                <p:cTn id="42" presetID="14" presetClass="entr" presetSubtype="10" fill="hold" grpId="0" nodeType="withEffect">
+                                  <p:stCondLst>
+                                    <p:cond delay="0"/>
+                                  </p:stCondLst>
+                                  <p:childTnLst>
+                                    <p:set>
+                                      <p:cBhvr>
+                                        <p:cTn id="43" dur="1" fill="hold">
+                                          <p:stCondLst>
+                                            <p:cond delay="0"/>
+                                          </p:stCondLst>
+                                        </p:cTn>
+                                        <p:tgtEl>
+                                          <p:spTgt spid="3"/>
+                                        </p:tgtEl>
+                                        <p:attrNameLst>
+                                          <p:attrName>style.visibility</p:attrName>
+                                        </p:attrNameLst>
+                                      </p:cBhvr>
+                                      <p:to>
+                                        <p:strVal val="visible"/>
+                                      </p:to>
+                                    </p:set>
+                                    <p:animEffect transition="in" filter="randombar(horizontal)">
+                                      <p:cBhvr>
+                                        <p:cTn id="44" dur="500"/>
+                                        <p:tgtEl>
+                                          <p:spTgt spid="3"/>
+                                        </p:tgtEl>
+                                      </p:cBhvr>
+                                    </p:animEffect>
+                                  </p:childTnLst>
+                                </p:cTn>
+                              </p:par>
+                              <p:par>
+                                <p:cTn id="45" presetID="14" presetClass="entr" presetSubtype="10" fill="hold" grpId="0" nodeType="withEffect">
+                                  <p:stCondLst>
+                                    <p:cond delay="0"/>
+                                  </p:stCondLst>
+                                  <p:childTnLst>
+                                    <p:set>
+                                      <p:cBhvr>
+                                        <p:cTn id="46" dur="1" fill="hold">
+                                          <p:stCondLst>
+                                            <p:cond delay="0"/>
+                                          </p:stCondLst>
+                                        </p:cTn>
+                                        <p:tgtEl>
+                                          <p:spTgt spid="14"/>
+                                        </p:tgtEl>
+                                        <p:attrNameLst>
+                                          <p:attrName>style.visibility</p:attrName>
+                                        </p:attrNameLst>
+                                      </p:cBhvr>
+                                      <p:to>
+                                        <p:strVal val="visible"/>
+                                      </p:to>
+                                    </p:set>
+                                    <p:animEffect transition="in" filter="randombar(horizontal)">
+                                      <p:cBhvr>
+                                        <p:cTn id="47" dur="500"/>
+                                        <p:tgtEl>
+                                          <p:spTgt spid="14"/>
+                                        </p:tgtEl>
+                                      </p:cBhvr>
+                                    </p:animEffect>
+                                  </p:childTnLst>
+                                </p:cTn>
+                              </p:par>
+                              <p:par>
+                                <p:cTn id="48" presetID="14" presetClass="entr" presetSubtype="10" fill="hold" grpId="0" nodeType="withEffect">
+                                  <p:stCondLst>
+                                    <p:cond delay="0"/>
+                                  </p:stCondLst>
+                                  <p:childTnLst>
+                                    <p:set>
+                                      <p:cBhvr>
+                                        <p:cTn id="49" dur="1" fill="hold">
+                                          <p:stCondLst>
+                                            <p:cond delay="0"/>
+                                          </p:stCondLst>
+                                        </p:cTn>
+                                        <p:tgtEl>
+                                          <p:spTgt spid="7"/>
+                                        </p:tgtEl>
+                                        <p:attrNameLst>
+                                          <p:attrName>style.visibility</p:attrName>
+                                        </p:attrNameLst>
+                                      </p:cBhvr>
+                                      <p:to>
+                                        <p:strVal val="visible"/>
+                                      </p:to>
+                                    </p:set>
+                                    <p:animEffect transition="in" filter="randombar(horizontal)">
+                                      <p:cBhvr>
+                                        <p:cTn id="50" dur="500"/>
+                                        <p:tgtEl>
+                                          <p:spTgt spid="7"/>
                                         </p:tgtEl>
                                       </p:cBhvr>
                                     </p:animEffect>
@@ -14562,6 +19354,14 @@
       <p:bldP spid="8" grpId="0"/>
       <p:bldP spid="9" grpId="0" animBg="1"/>
       <p:bldP spid="11" grpId="0" animBg="1"/>
+      <p:bldP spid="3" grpId="0" animBg="1"/>
+      <p:bldP spid="7" grpId="0" animBg="1"/>
+      <p:bldP spid="12" grpId="0" animBg="1"/>
+      <p:bldP spid="14" grpId="0" animBg="1"/>
+      <p:bldP spid="15" grpId="0"/>
+      <p:bldP spid="16" grpId="0"/>
+      <p:bldP spid="17" grpId="0"/>
+      <p:bldP spid="18" grpId="0"/>
     </p:bldLst>
   </p:timing>
 </p:sld>
@@ -14767,7 +19567,7 @@
         </p:nvSpPr>
         <p:spPr>
           <a:xfrm>
-            <a:off x="83526" y="2707689"/>
+            <a:off x="2902419" y="2691359"/>
             <a:ext cx="1524001" cy="461665"/>
           </a:xfrm>
           <a:prstGeom prst="rect">
@@ -14807,7 +19607,7 @@
         </p:nvSpPr>
         <p:spPr>
           <a:xfrm>
-            <a:off x="10511" y="4429356"/>
+            <a:off x="2829404" y="4142461"/>
             <a:ext cx="1604675" cy="461665"/>
           </a:xfrm>
           <a:prstGeom prst="rect">
@@ -14847,8 +19647,8 @@
         </p:nvSpPr>
         <p:spPr>
           <a:xfrm>
-            <a:off x="2902419" y="2265320"/>
-            <a:ext cx="9142438" cy="1323439"/>
+            <a:off x="5721312" y="2248990"/>
+            <a:ext cx="2905598" cy="1323439"/>
           </a:xfrm>
           <a:prstGeom prst="rect">
             <a:avLst/>
@@ -14871,7 +19671,7 @@
             </a:r>
             <a:r>
               <a:rPr lang="en-PH" sz="8000" dirty="0"/>
-              <a:t>000 0000 0000 0000</a:t>
+              <a:t>0000</a:t>
             </a:r>
             <a:endParaRPr lang="en-US" sz="8000" dirty="0"/>
           </a:p>
@@ -14891,8 +19691,8 @@
         </p:nvSpPr>
         <p:spPr>
           <a:xfrm>
-            <a:off x="2902419" y="3986987"/>
-            <a:ext cx="9142438" cy="1323439"/>
+            <a:off x="5721312" y="3700092"/>
+            <a:ext cx="2818893" cy="1323439"/>
           </a:xfrm>
           <a:prstGeom prst="rect">
             <a:avLst/>
@@ -14915,7 +19715,7 @@
             </a:r>
             <a:r>
               <a:rPr lang="en-PH" sz="8000" dirty="0"/>
-              <a:t>000 0000 0000 0000</a:t>
+              <a:t>0000</a:t>
             </a:r>
             <a:endParaRPr lang="en-US" sz="8000" dirty="0"/>
           </a:p>
@@ -14935,7 +19735,7 @@
         </p:nvSpPr>
         <p:spPr>
           <a:xfrm>
-            <a:off x="1837914" y="2696206"/>
+            <a:off x="4656807" y="2679876"/>
             <a:ext cx="978408" cy="484632"/>
           </a:xfrm>
           <a:prstGeom prst="rightArrow">
@@ -14979,7 +19779,7 @@
         </p:nvSpPr>
         <p:spPr>
           <a:xfrm>
-            <a:off x="1837914" y="4406389"/>
+            <a:off x="4656807" y="4119494"/>
             <a:ext cx="978408" cy="484632"/>
           </a:xfrm>
           <a:prstGeom prst="rightArrow">
@@ -15053,7 +19853,7 @@
                                           </p:stCondLst>
                                         </p:cTn>
                                         <p:tgtEl>
-                                          <p:spTgt spid="6"/>
+                                          <p:spTgt spid="5"/>
                                         </p:tgtEl>
                                         <p:attrNameLst>
                                           <p:attrName>style.visibility</p:attrName>
@@ -15067,7 +19867,7 @@
                                       <p:cBhvr>
                                         <p:cTn id="7" dur="500"/>
                                         <p:tgtEl>
-                                          <p:spTgt spid="6"/>
+                                          <p:spTgt spid="5"/>
                                         </p:tgtEl>
                                       </p:cBhvr>
                                     </p:animEffect>
@@ -15109,6 +19909,41 @@
                                   </p:childTnLst>
                                 </p:cTn>
                               </p:par>
+                              <p:par>
+                                <p:cTn id="11" presetID="10" presetClass="entr" presetSubtype="0" fill="hold" grpId="0" nodeType="withEffect">
+                                  <p:stCondLst>
+                                    <p:cond delay="0"/>
+                                  </p:stCondLst>
+                                  <p:childTnLst>
+                                    <p:set>
+                                      <p:cBhvr>
+                                        <p:cTn id="12" dur="1" fill="hold">
+                                          <p:stCondLst>
+                                            <p:cond delay="0"/>
+                                          </p:stCondLst>
+                                        </p:cTn>
+                                        <p:tgtEl>
+                                          <p:spTgt spid="6"/>
+                                        </p:tgtEl>
+                                        <p:attrNameLst>
+                                          <p:attrName>style.visibility</p:attrName>
+                                        </p:attrNameLst>
+                                      </p:cBhvr>
+                                      <p:to>
+                                        <p:strVal val="visible"/>
+                                      </p:to>
+                                    </p:set>
+                                    <p:animEffect transition="in" filter="fade">
+                                      <p:cBhvr>
+                                        <p:cTn id="13" dur="500"/>
+                                        <p:tgtEl>
+                                          <p:spTgt spid="6"/>
+                                        </p:tgtEl>
+                                      </p:cBhvr>
+                                    </p:animEffect>
+                                  </p:childTnLst>
+                                </p:cTn>
+                              </p:par>
                             </p:childTnLst>
                           </p:cTn>
                         </p:par>
@@ -15116,54 +19951,19 @@
                     </p:cTn>
                   </p:par>
                   <p:par>
-                    <p:cTn id="11" fill="hold">
+                    <p:cTn id="14" fill="hold">
                       <p:stCondLst>
                         <p:cond delay="indefinite"/>
                       </p:stCondLst>
                       <p:childTnLst>
                         <p:par>
-                          <p:cTn id="12" fill="hold">
+                          <p:cTn id="15" fill="hold">
                             <p:stCondLst>
                               <p:cond delay="0"/>
                             </p:stCondLst>
                             <p:childTnLst>
                               <p:par>
-                                <p:cTn id="13" presetID="10" presetClass="entr" presetSubtype="0" fill="hold" grpId="0" nodeType="clickEffect">
-                                  <p:stCondLst>
-                                    <p:cond delay="0"/>
-                                  </p:stCondLst>
-                                  <p:childTnLst>
-                                    <p:set>
-                                      <p:cBhvr>
-                                        <p:cTn id="14" dur="1" fill="hold">
-                                          <p:stCondLst>
-                                            <p:cond delay="0"/>
-                                          </p:stCondLst>
-                                        </p:cTn>
-                                        <p:tgtEl>
-                                          <p:spTgt spid="10"/>
-                                        </p:tgtEl>
-                                        <p:attrNameLst>
-                                          <p:attrName>style.visibility</p:attrName>
-                                        </p:attrNameLst>
-                                      </p:cBhvr>
-                                      <p:to>
-                                        <p:strVal val="visible"/>
-                                      </p:to>
-                                    </p:set>
-                                    <p:animEffect transition="in" filter="fade">
-                                      <p:cBhvr>
-                                        <p:cTn id="15" dur="500"/>
-                                        <p:tgtEl>
-                                          <p:spTgt spid="10"/>
-                                        </p:tgtEl>
-                                      </p:cBhvr>
-                                    </p:animEffect>
-                                  </p:childTnLst>
-                                </p:cTn>
-                              </p:par>
-                              <p:par>
-                                <p:cTn id="16" presetID="10" presetClass="entr" presetSubtype="0" fill="hold" grpId="0" nodeType="withEffect">
+                                <p:cTn id="16" presetID="10" presetClass="entr" presetSubtype="0" fill="hold" grpId="0" nodeType="clickEffect">
                                   <p:stCondLst>
                                     <p:cond delay="0"/>
                                   </p:stCondLst>
@@ -15226,6 +20026,41 @@
                                         <p:cTn id="21" dur="500"/>
                                         <p:tgtEl>
                                           <p:spTgt spid="7"/>
+                                        </p:tgtEl>
+                                      </p:cBhvr>
+                                    </p:animEffect>
+                                  </p:childTnLst>
+                                </p:cTn>
+                              </p:par>
+                              <p:par>
+                                <p:cTn id="22" presetID="10" presetClass="entr" presetSubtype="0" fill="hold" grpId="0" nodeType="withEffect">
+                                  <p:stCondLst>
+                                    <p:cond delay="0"/>
+                                  </p:stCondLst>
+                                  <p:childTnLst>
+                                    <p:set>
+                                      <p:cBhvr>
+                                        <p:cTn id="23" dur="1" fill="hold">
+                                          <p:stCondLst>
+                                            <p:cond delay="0"/>
+                                          </p:stCondLst>
+                                        </p:cTn>
+                                        <p:tgtEl>
+                                          <p:spTgt spid="10"/>
+                                        </p:tgtEl>
+                                        <p:attrNameLst>
+                                          <p:attrName>style.visibility</p:attrName>
+                                        </p:attrNameLst>
+                                      </p:cBhvr>
+                                      <p:to>
+                                        <p:strVal val="visible"/>
+                                      </p:to>
+                                    </p:set>
+                                    <p:animEffect transition="in" filter="fade">
+                                      <p:cBhvr>
+                                        <p:cTn id="24" dur="500"/>
+                                        <p:tgtEl>
+                                          <p:spTgt spid="10"/>
                                         </p:tgtEl>
                                       </p:cBhvr>
                                     </p:animEffect>
@@ -15262,6 +20097,7 @@
     <p:bldLst>
       <p:bldP spid="6" grpId="0"/>
       <p:bldP spid="10" grpId="0"/>
+      <p:bldP spid="5" grpId="0"/>
       <p:bldP spid="8" grpId="0"/>
       <p:bldP spid="3" grpId="0" animBg="1"/>
       <p:bldP spid="7" grpId="0" animBg="1"/>
@@ -17335,7 +22171,7 @@
         </p:nvSpPr>
         <p:spPr>
           <a:xfrm>
-            <a:off x="196121" y="2430246"/>
+            <a:off x="3394177" y="2487214"/>
             <a:ext cx="1618595" cy="461665"/>
           </a:xfrm>
           <a:prstGeom prst="rect">
@@ -17375,7 +22211,7 @@
         </p:nvSpPr>
         <p:spPr>
           <a:xfrm>
-            <a:off x="94427" y="4385490"/>
+            <a:off x="3394177" y="4006853"/>
             <a:ext cx="1720289" cy="461665"/>
           </a:xfrm>
           <a:prstGeom prst="rect">
@@ -17415,8 +22251,8 @@
         </p:nvSpPr>
         <p:spPr>
           <a:xfrm>
-            <a:off x="2897944" y="1956776"/>
-            <a:ext cx="9142438" cy="1323439"/>
+            <a:off x="6096000" y="2013744"/>
+            <a:ext cx="2821786" cy="1323439"/>
           </a:xfrm>
           <a:prstGeom prst="rect">
             <a:avLst/>
@@ -17431,7 +22267,7 @@
           <a:p>
             <a:r>
               <a:rPr lang="en-PH" sz="8000" dirty="0"/>
-              <a:t>0000 0000 0000 1101</a:t>
+              <a:t>01101</a:t>
             </a:r>
             <a:endParaRPr lang="en-US" sz="8000" dirty="0"/>
           </a:p>
@@ -17451,8 +22287,8 @@
         </p:nvSpPr>
         <p:spPr>
           <a:xfrm>
-            <a:off x="2828064" y="3954605"/>
-            <a:ext cx="9142438" cy="1323439"/>
+            <a:off x="6127814" y="3575968"/>
+            <a:ext cx="2879053" cy="1323439"/>
           </a:xfrm>
           <a:prstGeom prst="rect">
             <a:avLst/>
@@ -17467,7 +22303,7 @@
           <a:p>
             <a:r>
               <a:rPr lang="en-PH" sz="8000" dirty="0"/>
-              <a:t>1111 1111 1111 0010</a:t>
+              <a:t>10010</a:t>
             </a:r>
             <a:endParaRPr lang="en-US" sz="8000" dirty="0"/>
           </a:p>
@@ -17487,7 +22323,7 @@
         </p:nvSpPr>
         <p:spPr>
           <a:xfrm>
-            <a:off x="1849656" y="2418763"/>
+            <a:off x="5047712" y="2475731"/>
             <a:ext cx="978408" cy="484632"/>
           </a:xfrm>
           <a:prstGeom prst="rightArrow">
@@ -17531,7 +22367,7 @@
         </p:nvSpPr>
         <p:spPr>
           <a:xfrm>
-            <a:off x="1784972" y="4374007"/>
+            <a:off x="5084722" y="3995370"/>
             <a:ext cx="978408" cy="484632"/>
           </a:xfrm>
           <a:prstGeom prst="rightArrow">
